--- a/lecture-materials/Managment&Governance/aws_organizations/aws_org.pptx
+++ b/lecture-materials/Managment&Governance/aws_organizations/aws_org.pptx
@@ -5,11 +5,14 @@
     <p:sldMasterId id="2147483648" r:id="rId1"/>
   </p:sldMasterIdLst>
   <p:notesMasterIdLst>
-    <p:notesMasterId r:id="rId4"/>
+    <p:notesMasterId r:id="rId7"/>
   </p:notesMasterIdLst>
   <p:sldIdLst>
     <p:sldId id="268" r:id="rId2"/>
     <p:sldId id="271" r:id="rId3"/>
+    <p:sldId id="272" r:id="rId4"/>
+    <p:sldId id="273" r:id="rId5"/>
+    <p:sldId id="274" r:id="rId6"/>
   </p:sldIdLst>
   <p:sldSz cx="12192000" cy="6858000"/>
   <p:notesSz cx="6858000" cy="9144000"/>
@@ -198,7 +201,7 @@
           <a:p>
             <a:fld id="{B24E3FD0-2969-6D4A-9768-CC7175065C25}" type="datetimeFigureOut">
               <a:rPr lang="en-CH" smtClean="0"/>
-              <a:t>25.11.2023</a:t>
+              <a:t>03.12.2023</a:t>
             </a:fld>
             <a:endParaRPr lang="en-CH"/>
           </a:p>
@@ -719,7 +722,7 @@
           <a:p>
             <a:fld id="{322C9020-58D6-4B4B-AE71-CBBD8D6FD410}" type="datetimeFigureOut">
               <a:rPr lang="en-CH" smtClean="0"/>
-              <a:t>25.11.2023</a:t>
+              <a:t>03.12.2023</a:t>
             </a:fld>
             <a:endParaRPr lang="en-CH"/>
           </a:p>
@@ -919,7 +922,7 @@
           <a:p>
             <a:fld id="{322C9020-58D6-4B4B-AE71-CBBD8D6FD410}" type="datetimeFigureOut">
               <a:rPr lang="en-CH" smtClean="0"/>
-              <a:t>25.11.2023</a:t>
+              <a:t>03.12.2023</a:t>
             </a:fld>
             <a:endParaRPr lang="en-CH"/>
           </a:p>
@@ -1129,7 +1132,7 @@
           <a:p>
             <a:fld id="{322C9020-58D6-4B4B-AE71-CBBD8D6FD410}" type="datetimeFigureOut">
               <a:rPr lang="en-CH" smtClean="0"/>
-              <a:t>25.11.2023</a:t>
+              <a:t>03.12.2023</a:t>
             </a:fld>
             <a:endParaRPr lang="en-CH"/>
           </a:p>
@@ -1728,7 +1731,7 @@
           <a:p>
             <a:fld id="{322C9020-58D6-4B4B-AE71-CBBD8D6FD410}" type="datetimeFigureOut">
               <a:rPr lang="en-CH" smtClean="0"/>
-              <a:t>25.11.2023</a:t>
+              <a:t>03.12.2023</a:t>
             </a:fld>
             <a:endParaRPr lang="en-CH"/>
           </a:p>
@@ -2004,7 +2007,7 @@
           <a:p>
             <a:fld id="{322C9020-58D6-4B4B-AE71-CBBD8D6FD410}" type="datetimeFigureOut">
               <a:rPr lang="en-CH" smtClean="0"/>
-              <a:t>25.11.2023</a:t>
+              <a:t>03.12.2023</a:t>
             </a:fld>
             <a:endParaRPr lang="en-CH"/>
           </a:p>
@@ -2272,7 +2275,7 @@
           <a:p>
             <a:fld id="{322C9020-58D6-4B4B-AE71-CBBD8D6FD410}" type="datetimeFigureOut">
               <a:rPr lang="en-CH" smtClean="0"/>
-              <a:t>25.11.2023</a:t>
+              <a:t>03.12.2023</a:t>
             </a:fld>
             <a:endParaRPr lang="en-CH"/>
           </a:p>
@@ -2687,7 +2690,7 @@
           <a:p>
             <a:fld id="{322C9020-58D6-4B4B-AE71-CBBD8D6FD410}" type="datetimeFigureOut">
               <a:rPr lang="en-CH" smtClean="0"/>
-              <a:t>25.11.2023</a:t>
+              <a:t>03.12.2023</a:t>
             </a:fld>
             <a:endParaRPr lang="en-CH"/>
           </a:p>
@@ -2829,7 +2832,7 @@
           <a:p>
             <a:fld id="{322C9020-58D6-4B4B-AE71-CBBD8D6FD410}" type="datetimeFigureOut">
               <a:rPr lang="en-CH" smtClean="0"/>
-              <a:t>25.11.2023</a:t>
+              <a:t>03.12.2023</a:t>
             </a:fld>
             <a:endParaRPr lang="en-CH"/>
           </a:p>
@@ -2942,7 +2945,7 @@
           <a:p>
             <a:fld id="{322C9020-58D6-4B4B-AE71-CBBD8D6FD410}" type="datetimeFigureOut">
               <a:rPr lang="en-CH" smtClean="0"/>
-              <a:t>25.11.2023</a:t>
+              <a:t>03.12.2023</a:t>
             </a:fld>
             <a:endParaRPr lang="en-CH"/>
           </a:p>
@@ -3255,7 +3258,7 @@
           <a:p>
             <a:fld id="{322C9020-58D6-4B4B-AE71-CBBD8D6FD410}" type="datetimeFigureOut">
               <a:rPr lang="en-CH" smtClean="0"/>
-              <a:t>25.11.2023</a:t>
+              <a:t>03.12.2023</a:t>
             </a:fld>
             <a:endParaRPr lang="en-CH"/>
           </a:p>
@@ -3544,7 +3547,7 @@
           <a:p>
             <a:fld id="{322C9020-58D6-4B4B-AE71-CBBD8D6FD410}" type="datetimeFigureOut">
               <a:rPr lang="en-CH" smtClean="0"/>
-              <a:t>25.11.2023</a:t>
+              <a:t>03.12.2023</a:t>
             </a:fld>
             <a:endParaRPr lang="en-CH"/>
           </a:p>
@@ -3787,7 +3790,7 @@
           <a:p>
             <a:fld id="{322C9020-58D6-4B4B-AE71-CBBD8D6FD410}" type="datetimeFigureOut">
               <a:rPr lang="en-CH" smtClean="0"/>
-              <a:t>25.11.2023</a:t>
+              <a:t>03.12.2023</a:t>
             </a:fld>
             <a:endParaRPr lang="en-CH"/>
           </a:p>
@@ -4309,11 +4312,11 @@
                 <a:spcPct val="90000"/>
               </a:lnSpc>
               <a:spcBef>
-                <a:spcPts val="3733"/>
+                <a:spcPts val="500"/>
               </a:spcBef>
             </a:pPr>
             <a:r>
-              <a:rPr lang="en-GB" sz="1100" b="1">
+              <a:rPr lang="en-GB" sz="1200" b="1" dirty="0">
                 <a:solidFill>
                   <a:srgbClr val="DD5540"/>
                 </a:solidFill>
@@ -4327,7 +4330,7 @@
                 <a:spcPct val="90000"/>
               </a:lnSpc>
               <a:spcBef>
-                <a:spcPts val="3733"/>
+                <a:spcPts val="500"/>
               </a:spcBef>
               <a:buClr>
                 <a:schemeClr val="dk1"/>
@@ -4335,20 +4338,20 @@
               <a:buSzPts val="1100"/>
               <a:buChar char="●"/>
             </a:pPr>
-            <a:r>
-              <a:rPr lang="en-GB" sz="1100">
-                <a:solidFill>
-                  <a:schemeClr val="dk1"/>
-                </a:solidFill>
-              </a:rPr>
-              <a:t>Centralized management of all of your Amazon Web Services accounts</a:t>
-            </a:r>
+            <a:endParaRPr lang="en-GB" sz="1200" dirty="0">
+              <a:solidFill>
+                <a:schemeClr val="dk1"/>
+              </a:solidFill>
+            </a:endParaRPr>
           </a:p>
           <a:p>
             <a:pPr marL="609585" indent="-397923">
               <a:lnSpc>
                 <a:spcPct val="90000"/>
               </a:lnSpc>
+              <a:spcBef>
+                <a:spcPts val="500"/>
+              </a:spcBef>
               <a:buClr>
                 <a:schemeClr val="dk1"/>
               </a:buClr>
@@ -4356,12 +4359,12 @@
               <a:buChar char="●"/>
             </a:pPr>
             <a:r>
-              <a:rPr lang="en-GB" sz="1100">
+              <a:rPr lang="en-GB" sz="1200" dirty="0">
                 <a:solidFill>
                   <a:schemeClr val="dk1"/>
                 </a:solidFill>
               </a:rPr>
-              <a:t>Consolidated billing for all member accounts</a:t>
+              <a:t>Centralized management of all of your Amazon Web Services accounts</a:t>
             </a:r>
           </a:p>
           <a:p>
@@ -4369,6 +4372,9 @@
               <a:lnSpc>
                 <a:spcPct val="90000"/>
               </a:lnSpc>
+              <a:spcBef>
+                <a:spcPts val="500"/>
+              </a:spcBef>
               <a:buClr>
                 <a:schemeClr val="dk1"/>
               </a:buClr>
@@ -4376,12 +4382,12 @@
               <a:buChar char="●"/>
             </a:pPr>
             <a:r>
-              <a:rPr lang="en-GB" sz="1100">
+              <a:rPr lang="en-GB" sz="1200" dirty="0">
                 <a:solidFill>
                   <a:schemeClr val="dk1"/>
                 </a:solidFill>
               </a:rPr>
-              <a:t>Hierarchical grouping of your accounts to meet your budgetary, security, or compliance needs</a:t>
+              <a:t>Consolidated billing for all member accounts</a:t>
             </a:r>
           </a:p>
           <a:p>
@@ -4389,6 +4395,9 @@
               <a:lnSpc>
                 <a:spcPct val="90000"/>
               </a:lnSpc>
+              <a:spcBef>
+                <a:spcPts val="500"/>
+              </a:spcBef>
               <a:buClr>
                 <a:schemeClr val="dk1"/>
               </a:buClr>
@@ -4396,12 +4405,12 @@
               <a:buChar char="●"/>
             </a:pPr>
             <a:r>
-              <a:rPr lang="en-GB" sz="1100">
+              <a:rPr lang="en-GB" sz="1200" dirty="0">
                 <a:solidFill>
                   <a:schemeClr val="dk1"/>
                 </a:solidFill>
               </a:rPr>
-              <a:t>Policies to centralize control over the Amazon services and API actions that each account can access</a:t>
+              <a:t>Hierarchical grouping of your accounts to meet your budgetary, security, or compliance needs</a:t>
             </a:r>
           </a:p>
           <a:p>
@@ -4409,6 +4418,9 @@
               <a:lnSpc>
                 <a:spcPct val="90000"/>
               </a:lnSpc>
+              <a:spcBef>
+                <a:spcPts val="500"/>
+              </a:spcBef>
               <a:buClr>
                 <a:schemeClr val="dk1"/>
               </a:buClr>
@@ -4416,12 +4428,12 @@
               <a:buChar char="●"/>
             </a:pPr>
             <a:r>
-              <a:rPr lang="en-GB" sz="1100">
+              <a:rPr lang="en-GB" sz="1200" dirty="0">
                 <a:solidFill>
                   <a:schemeClr val="dk1"/>
                 </a:solidFill>
               </a:rPr>
-              <a:t>Policies that configure automatic backups for the resources in your organization's accounts</a:t>
+              <a:t>Policies to centralize control over the Amazon services and API actions that each account can access</a:t>
             </a:r>
           </a:p>
           <a:p>
@@ -4429,6 +4441,9 @@
               <a:lnSpc>
                 <a:spcPct val="90000"/>
               </a:lnSpc>
+              <a:spcBef>
+                <a:spcPts val="500"/>
+              </a:spcBef>
               <a:buClr>
                 <a:schemeClr val="dk1"/>
               </a:buClr>
@@ -4436,7 +4451,30 @@
               <a:buChar char="●"/>
             </a:pPr>
             <a:r>
-              <a:rPr lang="en-GB" sz="1100">
+              <a:rPr lang="en-GB" sz="1200" dirty="0">
+                <a:solidFill>
+                  <a:schemeClr val="dk1"/>
+                </a:solidFill>
+              </a:rPr>
+              <a:t>Policies that configure automatic backups for the resources in your organization's accounts</a:t>
+            </a:r>
+          </a:p>
+          <a:p>
+            <a:pPr marL="609585" indent="-397923">
+              <a:lnSpc>
+                <a:spcPct val="90000"/>
+              </a:lnSpc>
+              <a:spcBef>
+                <a:spcPts val="500"/>
+              </a:spcBef>
+              <a:buClr>
+                <a:schemeClr val="dk1"/>
+              </a:buClr>
+              <a:buSzPts val="1100"/>
+              <a:buChar char="●"/>
+            </a:pPr>
+            <a:r>
+              <a:rPr lang="en-GB" sz="1200" dirty="0">
                 <a:solidFill>
                   <a:schemeClr val="dk1"/>
                 </a:solidFill>
@@ -4449,6 +4487,9 @@
               <a:lnSpc>
                 <a:spcPct val="90000"/>
               </a:lnSpc>
+              <a:spcBef>
+                <a:spcPts val="500"/>
+              </a:spcBef>
               <a:buClr>
                 <a:schemeClr val="dk1"/>
               </a:buClr>
@@ -4456,7 +4497,7 @@
               <a:buChar char="●"/>
             </a:pPr>
             <a:r>
-              <a:rPr lang="en-GB" sz="1100">
+              <a:rPr lang="en-GB" sz="1200" dirty="0">
                 <a:solidFill>
                   <a:schemeClr val="dk1"/>
                 </a:solidFill>
@@ -4535,7 +4576,7 @@
         </p:spPr>
         <p:txBody>
           <a:bodyPr spcFirstLastPara="1" vert="horz" wrap="square" lIns="121900" tIns="121900" rIns="121900" bIns="121900" rtlCol="0" anchor="t" anchorCtr="0">
-            <a:normAutofit/>
+            <a:noAutofit/>
           </a:bodyPr>
           <a:lstStyle/>
           <a:p>
@@ -4546,7 +4587,7 @@
               <a:buNone/>
             </a:pPr>
             <a:r>
-              <a:rPr lang="en-GB" sz="1100">
+              <a:rPr lang="en-GB" sz="1200" dirty="0">
                 <a:solidFill>
                   <a:schemeClr val="dk1"/>
                 </a:solidFill>
@@ -4554,10 +4595,13 @@
               <a:t>Amazon Organizations is an </a:t>
             </a:r>
             <a:r>
-              <a:rPr lang="en-GB" sz="1100">
+              <a:rPr lang="en-GB" sz="1200" dirty="0">
                 <a:solidFill>
                   <a:schemeClr val="dk1"/>
                 </a:solidFill>
+                <a:highlight>
+                  <a:srgbClr val="FFFF00"/>
+                </a:highlight>
                 <a:uFill>
                   <a:noFill/>
                 </a:uFill>
@@ -4572,15 +4616,45 @@
               <a:t>account</a:t>
             </a:r>
             <a:r>
-              <a:rPr lang="en-GB" sz="1100">
+              <a:rPr lang="en-GB" sz="1200" dirty="0">
+                <a:solidFill>
+                  <a:schemeClr val="dk1"/>
+                </a:solidFill>
+                <a:highlight>
+                  <a:srgbClr val="FFFF00"/>
+                </a:highlight>
+              </a:rPr>
+              <a:t> management service </a:t>
+            </a:r>
+            <a:r>
+              <a:rPr lang="en-GB" sz="1200" dirty="0">
                 <a:solidFill>
                   <a:schemeClr val="dk1"/>
                 </a:solidFill>
               </a:rPr>
-              <a:t> management service that enables you to consolidate multiple AWS accounts into an </a:t>
-            </a:r>
-            <a:r>
-              <a:rPr lang="en-GB" sz="1100" i="1">
+              <a:t>that enables you to </a:t>
+            </a:r>
+            <a:r>
+              <a:rPr lang="en-GB" sz="1200" dirty="0">
+                <a:solidFill>
+                  <a:schemeClr val="dk1"/>
+                </a:solidFill>
+                <a:highlight>
+                  <a:srgbClr val="FFFF00"/>
+                </a:highlight>
+              </a:rPr>
+              <a:t>consolidate multiple AWS accounts </a:t>
+            </a:r>
+            <a:r>
+              <a:rPr lang="en-GB" sz="1200" dirty="0">
+                <a:solidFill>
+                  <a:schemeClr val="dk1"/>
+                </a:solidFill>
+              </a:rPr>
+              <a:t>into an </a:t>
+            </a:r>
+            <a:r>
+              <a:rPr lang="en-GB" sz="1200" i="1" dirty="0">
                 <a:solidFill>
                   <a:schemeClr val="dk1"/>
                 </a:solidFill>
@@ -4588,7 +4662,7 @@
               <a:t>organization</a:t>
             </a:r>
             <a:r>
-              <a:rPr lang="en-GB" sz="1100">
+              <a:rPr lang="en-GB" sz="1200" dirty="0">
                 <a:solidFill>
                   <a:schemeClr val="dk1"/>
                 </a:solidFill>
@@ -4603,7 +4677,7 @@
               </a:lnSpc>
               <a:buNone/>
             </a:pPr>
-            <a:endParaRPr lang="en-GB" sz="1100"/>
+            <a:endParaRPr lang="en-GB" sz="1200" dirty="0"/>
           </a:p>
           <a:p>
             <a:pPr marL="0" indent="0">
@@ -4613,12 +4687,31 @@
               <a:buNone/>
             </a:pPr>
             <a:r>
-              <a:rPr lang="en-GB" sz="1100">
+              <a:rPr lang="en-GB" sz="1200" dirty="0">
                 <a:solidFill>
                   <a:schemeClr val="dk1"/>
                 </a:solidFill>
               </a:rPr>
-              <a:t>Amazon Organizations includes account management and consolidated billing capabilities that enable you to better meet the budgetary, security, and compliance needs of your business. </a:t>
+              <a:t>Amazon Organizations includes account management and </a:t>
+            </a:r>
+            <a:r>
+              <a:rPr lang="en-GB" sz="1200" dirty="0">
+                <a:solidFill>
+                  <a:schemeClr val="dk1"/>
+                </a:solidFill>
+                <a:highlight>
+                  <a:srgbClr val="FFFF00"/>
+                </a:highlight>
+              </a:rPr>
+              <a:t>consolidated billing capabilities </a:t>
+            </a:r>
+            <a:r>
+              <a:rPr lang="en-GB" sz="1200" dirty="0">
+                <a:solidFill>
+                  <a:schemeClr val="dk1"/>
+                </a:solidFill>
+              </a:rPr>
+              <a:t>that enable you to better meet the budgetary, security, and compliance needs of your business. </a:t>
             </a:r>
           </a:p>
           <a:p>
@@ -4628,7 +4721,7 @@
               </a:lnSpc>
               <a:buNone/>
             </a:pPr>
-            <a:endParaRPr lang="en-GB" sz="1100"/>
+            <a:endParaRPr lang="en-GB" sz="1200" dirty="0"/>
           </a:p>
           <a:p>
             <a:pPr marL="0" indent="0">
@@ -4638,26 +4731,13 @@
               <a:buNone/>
             </a:pPr>
             <a:r>
-              <a:rPr lang="en-GB" sz="1100">
+              <a:rPr lang="en-GB" sz="1200" dirty="0">
                 <a:solidFill>
                   <a:schemeClr val="dk1"/>
                 </a:solidFill>
               </a:rPr>
               <a:t>As an administrator of an organization, you can create accounts in your organization and invite existing accounts to join the organization.</a:t>
             </a:r>
-          </a:p>
-          <a:p>
-            <a:pPr marL="0" indent="0">
-              <a:spcBef>
-                <a:spcPts val="1600"/>
-              </a:spcBef>
-              <a:buNone/>
-            </a:pPr>
-            <a:endParaRPr lang="en-GB" sz="1100">
-              <a:solidFill>
-                <a:schemeClr val="dk1"/>
-              </a:solidFill>
-            </a:endParaRPr>
           </a:p>
           <a:p>
             <a:pPr marL="0" indent="0">
@@ -4666,7 +4746,7 @@
               </a:spcAft>
               <a:buNone/>
             </a:pPr>
-            <a:endParaRPr lang="en-GB" sz="1100">
+            <a:endParaRPr lang="en-GB" sz="1200" dirty="0">
               <a:solidFill>
                 <a:schemeClr val="dk1"/>
               </a:solidFill>
@@ -4854,6 +4934,6707 @@
     <p:extLst>
       <p:ext uri="{BB962C8B-B14F-4D97-AF65-F5344CB8AC3E}">
         <p14:creationId xmlns:p14="http://schemas.microsoft.com/office/powerpoint/2010/main" val="2110121389"/>
+      </p:ext>
+    </p:extLst>
+  </p:cSld>
+  <p:clrMapOvr>
+    <a:masterClrMapping/>
+  </p:clrMapOvr>
+</p:sld>
+</file>
+
+<file path=ppt/slides/slide3.xml><?xml version="1.0" encoding="utf-8"?>
+<p:sld xmlns:a="http://schemas.openxmlformats.org/drawingml/2006/main" xmlns:r="http://schemas.openxmlformats.org/officeDocument/2006/relationships" xmlns:p="http://schemas.openxmlformats.org/presentationml/2006/main">
+  <p:cSld>
+    <p:bg>
+      <p:bgPr>
+        <a:solidFill>
+          <a:schemeClr val="bg1"/>
+        </a:solidFill>
+        <a:effectLst/>
+      </p:bgPr>
+    </p:bg>
+    <p:spTree>
+      <p:nvGrpSpPr>
+        <p:cNvPr id="1" name=""/>
+        <p:cNvGrpSpPr/>
+        <p:nvPr/>
+      </p:nvGrpSpPr>
+      <p:grpSpPr>
+        <a:xfrm>
+          <a:off x="0" y="0"/>
+          <a:ext cx="0" cy="0"/>
+          <a:chOff x="0" y="0"/>
+          <a:chExt cx="0" cy="0"/>
+        </a:xfrm>
+      </p:grpSpPr>
+      <p:sp useBgFill="1">
+        <p:nvSpPr>
+          <p:cNvPr id="17" name="Rectangle 16">
+            <a:extLst>
+              <a:ext uri="{FF2B5EF4-FFF2-40B4-BE49-F238E27FC236}">
+                <a16:creationId xmlns:a16="http://schemas.microsoft.com/office/drawing/2014/main" id="{2515456E-B1B1-48C1-8164-7E567F5D40D4}"/>
+              </a:ext>
+              <a:ext uri="{C183D7F6-B498-43B3-948B-1728B52AA6E4}">
+                <adec:decorative xmlns:adec="http://schemas.microsoft.com/office/drawing/2017/decorative" val="1"/>
+              </a:ext>
+            </a:extLst>
+          </p:cNvPr>
+          <p:cNvSpPr>
+            <a:spLocks noGrp="1" noRot="1" noChangeAspect="1" noMove="1" noResize="1" noEditPoints="1" noAdjustHandles="1" noChangeArrowheads="1" noChangeShapeType="1" noTextEdit="1"/>
+          </p:cNvSpPr>
+          <p:nvPr>
+            <p:extLst>
+              <p:ext uri="{386F3935-93C4-4BCD-93E2-E3B085C9AB24}">
+                <p16:designElem xmlns:p16="http://schemas.microsoft.com/office/powerpoint/2015/main" val="1"/>
+              </p:ext>
+            </p:extLst>
+          </p:nvPr>
+        </p:nvSpPr>
+        <p:spPr>
+          <a:xfrm>
+            <a:off x="0" y="0"/>
+            <a:ext cx="12192000" cy="6858000"/>
+          </a:xfrm>
+          <a:prstGeom prst="rect">
+            <a:avLst/>
+          </a:prstGeom>
+          <a:ln w="12700" cap="flat" cmpd="sng" algn="ctr">
+            <a:noFill/>
+            <a:prstDash val="solid"/>
+            <a:miter lim="800000"/>
+          </a:ln>
+          <a:effectLst/>
+          <a:extLst>
+            <a:ext uri="{91240B29-F687-4F45-9708-019B960494DF}">
+              <a14:hiddenLine xmlns:a14="http://schemas.microsoft.com/office/drawing/2010/main" w="12700" cap="flat" cmpd="sng" algn="ctr">
+                <a:solidFill>
+                  <a:schemeClr val="accent1">
+                    <a:shade val="50000"/>
+                  </a:schemeClr>
+                </a:solidFill>
+                <a:prstDash val="solid"/>
+                <a:miter lim="800000"/>
+              </a14:hiddenLine>
+            </a:ext>
+          </a:extLst>
+        </p:spPr>
+        <p:style>
+          <a:lnRef idx="2">
+            <a:schemeClr val="accent1">
+              <a:shade val="50000"/>
+            </a:schemeClr>
+          </a:lnRef>
+          <a:fillRef idx="1">
+            <a:schemeClr val="accent1"/>
+          </a:fillRef>
+          <a:effectRef idx="0">
+            <a:schemeClr val="accent1"/>
+          </a:effectRef>
+          <a:fontRef idx="minor">
+            <a:schemeClr val="lt1"/>
+          </a:fontRef>
+        </p:style>
+        <p:txBody>
+          <a:bodyPr rtlCol="0" anchor="ctr"/>
+          <a:lstStyle/>
+          <a:p>
+            <a:pPr algn="ctr"/>
+            <a:endParaRPr lang="en-US"/>
+          </a:p>
+        </p:txBody>
+      </p:sp>
+      <p:sp>
+        <p:nvSpPr>
+          <p:cNvPr id="19" name="Freeform: Shape 18">
+            <a:extLst>
+              <a:ext uri="{FF2B5EF4-FFF2-40B4-BE49-F238E27FC236}">
+                <a16:creationId xmlns:a16="http://schemas.microsoft.com/office/drawing/2014/main" id="{5ACE1903-CB02-4CD2-9D19-41ECD819D46E}"/>
+              </a:ext>
+              <a:ext uri="{C183D7F6-B498-43B3-948B-1728B52AA6E4}">
+                <adec:decorative xmlns:adec="http://schemas.microsoft.com/office/drawing/2017/decorative" val="1"/>
+              </a:ext>
+            </a:extLst>
+          </p:cNvPr>
+          <p:cNvSpPr>
+            <a:spLocks noGrp="1" noRot="1" noChangeAspect="1" noMove="1" noResize="1" noEditPoints="1" noAdjustHandles="1" noChangeArrowheads="1" noChangeShapeType="1" noTextEdit="1"/>
+          </p:cNvSpPr>
+          <p:nvPr>
+            <p:extLst>
+              <p:ext uri="{386F3935-93C4-4BCD-93E2-E3B085C9AB24}">
+                <p16:designElem xmlns:p16="http://schemas.microsoft.com/office/powerpoint/2015/main" val="1"/>
+              </p:ext>
+            </p:extLst>
+          </p:nvPr>
+        </p:nvSpPr>
+        <p:spPr>
+          <a:xfrm>
+            <a:off x="643467" y="1168842"/>
+            <a:ext cx="4683674" cy="4564048"/>
+          </a:xfrm>
+          <a:custGeom>
+            <a:avLst/>
+            <a:gdLst>
+              <a:gd name="connsiteX0" fmla="*/ 0 w 4683674"/>
+              <a:gd name="connsiteY0" fmla="*/ 0 h 4564048"/>
+              <a:gd name="connsiteX1" fmla="*/ 4683674 w 4683674"/>
+              <a:gd name="connsiteY1" fmla="*/ 0 h 4564048"/>
+              <a:gd name="connsiteX2" fmla="*/ 4683674 w 4683674"/>
+              <a:gd name="connsiteY2" fmla="*/ 4379420 h 4564048"/>
+              <a:gd name="connsiteX3" fmla="*/ 4673671 w 4683674"/>
+              <a:gd name="connsiteY3" fmla="*/ 4378840 h 4564048"/>
+              <a:gd name="connsiteX4" fmla="*/ 4668303 w 4683674"/>
+              <a:gd name="connsiteY4" fmla="*/ 4382142 h 4564048"/>
+              <a:gd name="connsiteX5" fmla="*/ 4660562 w 4683674"/>
+              <a:gd name="connsiteY5" fmla="*/ 4374448 h 4564048"/>
+              <a:gd name="connsiteX6" fmla="*/ 4645215 w 4683674"/>
+              <a:gd name="connsiteY6" fmla="*/ 4371375 h 4564048"/>
+              <a:gd name="connsiteX7" fmla="*/ 4579761 w 4683674"/>
+              <a:gd name="connsiteY7" fmla="*/ 4375210 h 4564048"/>
+              <a:gd name="connsiteX8" fmla="*/ 4568074 w 4683674"/>
+              <a:gd name="connsiteY8" fmla="*/ 4373416 h 4564048"/>
+              <a:gd name="connsiteX9" fmla="*/ 4554149 w 4683674"/>
+              <a:gd name="connsiteY9" fmla="*/ 4378650 h 4564048"/>
+              <a:gd name="connsiteX10" fmla="*/ 4524620 w 4683674"/>
+              <a:gd name="connsiteY10" fmla="*/ 4386604 h 4564048"/>
+              <a:gd name="connsiteX11" fmla="*/ 4505841 w 4683674"/>
+              <a:gd name="connsiteY11" fmla="*/ 4396541 h 4564048"/>
+              <a:gd name="connsiteX12" fmla="*/ 4500482 w 4683674"/>
+              <a:gd name="connsiteY12" fmla="*/ 4392332 h 4564048"/>
+              <a:gd name="connsiteX13" fmla="*/ 4488387 w 4683674"/>
+              <a:gd name="connsiteY13" fmla="*/ 4390994 h 4564048"/>
+              <a:gd name="connsiteX14" fmla="*/ 4438484 w 4683674"/>
+              <a:gd name="connsiteY14" fmla="*/ 4397951 h 4564048"/>
+              <a:gd name="connsiteX15" fmla="*/ 4429332 w 4683674"/>
+              <a:gd name="connsiteY15" fmla="*/ 4397340 h 4564048"/>
+              <a:gd name="connsiteX16" fmla="*/ 4419149 w 4683674"/>
+              <a:gd name="connsiteY16" fmla="*/ 4402124 h 4564048"/>
+              <a:gd name="connsiteX17" fmla="*/ 4359785 w 4683674"/>
+              <a:gd name="connsiteY17" fmla="*/ 4430931 h 4564048"/>
+              <a:gd name="connsiteX18" fmla="*/ 4359139 w 4683674"/>
+              <a:gd name="connsiteY18" fmla="*/ 4433856 h 4564048"/>
+              <a:gd name="connsiteX19" fmla="*/ 4340592 w 4683674"/>
+              <a:gd name="connsiteY19" fmla="*/ 4436136 h 4564048"/>
+              <a:gd name="connsiteX20" fmla="*/ 4335770 w 4683674"/>
+              <a:gd name="connsiteY20" fmla="*/ 4441526 h 4564048"/>
+              <a:gd name="connsiteX21" fmla="*/ 4326252 w 4683674"/>
+              <a:gd name="connsiteY21" fmla="*/ 4443308 h 4564048"/>
+              <a:gd name="connsiteX22" fmla="*/ 4257540 w 4683674"/>
+              <a:gd name="connsiteY22" fmla="*/ 4463117 h 4564048"/>
+              <a:gd name="connsiteX23" fmla="*/ 4245512 w 4683674"/>
+              <a:gd name="connsiteY23" fmla="*/ 4464119 h 4564048"/>
+              <a:gd name="connsiteX24" fmla="*/ 4233621 w 4683674"/>
+              <a:gd name="connsiteY24" fmla="*/ 4476195 h 4564048"/>
+              <a:gd name="connsiteX25" fmla="*/ 4187084 w 4683674"/>
+              <a:gd name="connsiteY25" fmla="*/ 4481018 h 4564048"/>
+              <a:gd name="connsiteX26" fmla="*/ 4171513 w 4683674"/>
+              <a:gd name="connsiteY26" fmla="*/ 4482231 h 4564048"/>
+              <a:gd name="connsiteX27" fmla="*/ 4164564 w 4683674"/>
+              <a:gd name="connsiteY27" fmla="*/ 4483140 h 4564048"/>
+              <a:gd name="connsiteX28" fmla="*/ 4165685 w 4683674"/>
+              <a:gd name="connsiteY28" fmla="*/ 4488934 h 4564048"/>
+              <a:gd name="connsiteX29" fmla="*/ 4147125 w 4683674"/>
+              <a:gd name="connsiteY29" fmla="*/ 4493318 h 4564048"/>
+              <a:gd name="connsiteX30" fmla="*/ 4125154 w 4683674"/>
+              <a:gd name="connsiteY30" fmla="*/ 4510572 h 4564048"/>
+              <a:gd name="connsiteX31" fmla="*/ 4106103 w 4683674"/>
+              <a:gd name="connsiteY31" fmla="*/ 4523887 h 4564048"/>
+              <a:gd name="connsiteX32" fmla="*/ 4091879 w 4683674"/>
+              <a:gd name="connsiteY32" fmla="*/ 4524368 h 4564048"/>
+              <a:gd name="connsiteX33" fmla="*/ 4024147 w 4683674"/>
+              <a:gd name="connsiteY33" fmla="*/ 4533649 h 4564048"/>
+              <a:gd name="connsiteX34" fmla="*/ 4006667 w 4683674"/>
+              <a:gd name="connsiteY34" fmla="*/ 4536715 h 4564048"/>
+              <a:gd name="connsiteX35" fmla="*/ 3960069 w 4683674"/>
+              <a:gd name="connsiteY35" fmla="*/ 4538590 h 4564048"/>
+              <a:gd name="connsiteX36" fmla="*/ 3852451 w 4683674"/>
+              <a:gd name="connsiteY36" fmla="*/ 4542685 h 4564048"/>
+              <a:gd name="connsiteX37" fmla="*/ 3850255 w 4683674"/>
+              <a:gd name="connsiteY37" fmla="*/ 4545236 h 4564048"/>
+              <a:gd name="connsiteX38" fmla="*/ 3841400 w 4683674"/>
+              <a:gd name="connsiteY38" fmla="*/ 4545965 h 4564048"/>
+              <a:gd name="connsiteX39" fmla="*/ 3839247 w 4683674"/>
+              <a:gd name="connsiteY39" fmla="*/ 4546615 h 4564048"/>
+              <a:gd name="connsiteX40" fmla="*/ 3826700 w 4683674"/>
+              <a:gd name="connsiteY40" fmla="*/ 4549892 h 4564048"/>
+              <a:gd name="connsiteX41" fmla="*/ 3794865 w 4683674"/>
+              <a:gd name="connsiteY41" fmla="*/ 4545523 h 4564048"/>
+              <a:gd name="connsiteX42" fmla="*/ 3759852 w 4683674"/>
+              <a:gd name="connsiteY42" fmla="*/ 4549496 h 4564048"/>
+              <a:gd name="connsiteX43" fmla="*/ 3653239 w 4683674"/>
+              <a:gd name="connsiteY43" fmla="*/ 4549970 h 4564048"/>
+              <a:gd name="connsiteX44" fmla="*/ 3554756 w 4683674"/>
+              <a:gd name="connsiteY44" fmla="*/ 4552963 h 4564048"/>
+              <a:gd name="connsiteX45" fmla="*/ 3511343 w 4683674"/>
+              <a:gd name="connsiteY45" fmla="*/ 4552282 h 4564048"/>
+              <a:gd name="connsiteX46" fmla="*/ 3476178 w 4683674"/>
+              <a:gd name="connsiteY46" fmla="*/ 4551540 h 4564048"/>
+              <a:gd name="connsiteX47" fmla="*/ 3477650 w 4683674"/>
+              <a:gd name="connsiteY47" fmla="*/ 4558467 h 4564048"/>
+              <a:gd name="connsiteX48" fmla="*/ 3456605 w 4683674"/>
+              <a:gd name="connsiteY48" fmla="*/ 4564048 h 4564048"/>
+              <a:gd name="connsiteX49" fmla="*/ 3428916 w 4683674"/>
+              <a:gd name="connsiteY49" fmla="*/ 4551357 h 4564048"/>
+              <a:gd name="connsiteX50" fmla="*/ 3413192 w 4683674"/>
+              <a:gd name="connsiteY50" fmla="*/ 4551476 h 4564048"/>
+              <a:gd name="connsiteX51" fmla="*/ 3385609 w 4683674"/>
+              <a:gd name="connsiteY51" fmla="*/ 4555860 h 4564048"/>
+              <a:gd name="connsiteX52" fmla="*/ 3376421 w 4683674"/>
+              <a:gd name="connsiteY52" fmla="*/ 4557888 h 4564048"/>
+              <a:gd name="connsiteX53" fmla="*/ 3307414 w 4683674"/>
+              <a:gd name="connsiteY53" fmla="*/ 4543811 h 4564048"/>
+              <a:gd name="connsiteX54" fmla="*/ 3300685 w 4683674"/>
+              <a:gd name="connsiteY54" fmla="*/ 4538163 h 4564048"/>
+              <a:gd name="connsiteX55" fmla="*/ 3266080 w 4683674"/>
+              <a:gd name="connsiteY55" fmla="*/ 4535707 h 4564048"/>
+              <a:gd name="connsiteX56" fmla="*/ 3262145 w 4683674"/>
+              <a:gd name="connsiteY56" fmla="*/ 4537206 h 4564048"/>
+              <a:gd name="connsiteX57" fmla="*/ 3233468 w 4683674"/>
+              <a:gd name="connsiteY57" fmla="*/ 4528559 h 4564048"/>
+              <a:gd name="connsiteX58" fmla="*/ 3118476 w 4683674"/>
+              <a:gd name="connsiteY58" fmla="*/ 4513311 h 4564048"/>
+              <a:gd name="connsiteX59" fmla="*/ 2897364 w 4683674"/>
+              <a:gd name="connsiteY59" fmla="*/ 4505308 h 4564048"/>
+              <a:gd name="connsiteX60" fmla="*/ 2667093 w 4683674"/>
+              <a:gd name="connsiteY60" fmla="*/ 4482464 h 4564048"/>
+              <a:gd name="connsiteX61" fmla="*/ 2448752 w 4683674"/>
+              <a:gd name="connsiteY61" fmla="*/ 4491308 h 4564048"/>
+              <a:gd name="connsiteX62" fmla="*/ 2052050 w 4683674"/>
+              <a:gd name="connsiteY62" fmla="*/ 4466857 h 4564048"/>
+              <a:gd name="connsiteX63" fmla="*/ 1915952 w 4683674"/>
+              <a:gd name="connsiteY63" fmla="*/ 4464669 h 4564048"/>
+              <a:gd name="connsiteX64" fmla="*/ 1824767 w 4683674"/>
+              <a:gd name="connsiteY64" fmla="*/ 4463841 h 4564048"/>
+              <a:gd name="connsiteX65" fmla="*/ 1818446 w 4683674"/>
+              <a:gd name="connsiteY65" fmla="*/ 4466162 h 4564048"/>
+              <a:gd name="connsiteX66" fmla="*/ 1792979 w 4683674"/>
+              <a:gd name="connsiteY66" fmla="*/ 4467533 h 4564048"/>
+              <a:gd name="connsiteX67" fmla="*/ 1786007 w 4683674"/>
+              <a:gd name="connsiteY67" fmla="*/ 4477820 h 4564048"/>
+              <a:gd name="connsiteX68" fmla="*/ 1700890 w 4683674"/>
+              <a:gd name="connsiteY68" fmla="*/ 4486737 h 4564048"/>
+              <a:gd name="connsiteX69" fmla="*/ 1496036 w 4683674"/>
+              <a:gd name="connsiteY69" fmla="*/ 4490777 h 4564048"/>
+              <a:gd name="connsiteX70" fmla="*/ 1344435 w 4683674"/>
+              <a:gd name="connsiteY70" fmla="*/ 4473538 h 4564048"/>
+              <a:gd name="connsiteX71" fmla="*/ 1328066 w 4683674"/>
+              <a:gd name="connsiteY71" fmla="*/ 4473650 h 4564048"/>
+              <a:gd name="connsiteX72" fmla="*/ 1307929 w 4683674"/>
+              <a:gd name="connsiteY72" fmla="*/ 4472224 h 4564048"/>
+              <a:gd name="connsiteX73" fmla="*/ 1276712 w 4683674"/>
+              <a:gd name="connsiteY73" fmla="*/ 4477775 h 4564048"/>
+              <a:gd name="connsiteX74" fmla="*/ 1259786 w 4683674"/>
+              <a:gd name="connsiteY74" fmla="*/ 4486039 h 4564048"/>
+              <a:gd name="connsiteX75" fmla="*/ 1254149 w 4683674"/>
+              <a:gd name="connsiteY75" fmla="*/ 4485243 h 4564048"/>
+              <a:gd name="connsiteX76" fmla="*/ 1253835 w 4683674"/>
+              <a:gd name="connsiteY76" fmla="*/ 4482397 h 4564048"/>
+              <a:gd name="connsiteX77" fmla="*/ 1202349 w 4683674"/>
+              <a:gd name="connsiteY77" fmla="*/ 4472878 h 4564048"/>
+              <a:gd name="connsiteX78" fmla="*/ 1134209 w 4683674"/>
+              <a:gd name="connsiteY78" fmla="*/ 4436320 h 4564048"/>
+              <a:gd name="connsiteX79" fmla="*/ 1055333 w 4683674"/>
+              <a:gd name="connsiteY79" fmla="*/ 4428602 h 4564048"/>
+              <a:gd name="connsiteX80" fmla="*/ 1023656 w 4683674"/>
+              <a:gd name="connsiteY80" fmla="*/ 4415806 h 4564048"/>
+              <a:gd name="connsiteX81" fmla="*/ 989393 w 4683674"/>
+              <a:gd name="connsiteY81" fmla="*/ 4417111 h 4564048"/>
+              <a:gd name="connsiteX82" fmla="*/ 979308 w 4683674"/>
+              <a:gd name="connsiteY82" fmla="*/ 4409520 h 4564048"/>
+              <a:gd name="connsiteX83" fmla="*/ 977641 w 4683674"/>
+              <a:gd name="connsiteY83" fmla="*/ 4408074 h 4564048"/>
+              <a:gd name="connsiteX84" fmla="*/ 969438 w 4683674"/>
+              <a:gd name="connsiteY84" fmla="*/ 4405286 h 4564048"/>
+              <a:gd name="connsiteX85" fmla="*/ 969029 w 4683674"/>
+              <a:gd name="connsiteY85" fmla="*/ 4400748 h 4564048"/>
+              <a:gd name="connsiteX86" fmla="*/ 958049 w 4683674"/>
+              <a:gd name="connsiteY86" fmla="*/ 4393863 h 4564048"/>
+              <a:gd name="connsiteX87" fmla="*/ 942423 w 4683674"/>
+              <a:gd name="connsiteY87" fmla="*/ 4389778 h 4564048"/>
+              <a:gd name="connsiteX88" fmla="*/ 866111 w 4683674"/>
+              <a:gd name="connsiteY88" fmla="*/ 4374574 h 4564048"/>
+              <a:gd name="connsiteX89" fmla="*/ 821619 w 4683674"/>
+              <a:gd name="connsiteY89" fmla="*/ 4363075 h 4564048"/>
+              <a:gd name="connsiteX90" fmla="*/ 806545 w 4683674"/>
+              <a:gd name="connsiteY90" fmla="*/ 4354932 h 4564048"/>
+              <a:gd name="connsiteX91" fmla="*/ 784265 w 4683674"/>
+              <a:gd name="connsiteY91" fmla="*/ 4346098 h 4564048"/>
+              <a:gd name="connsiteX92" fmla="*/ 746361 w 4683674"/>
+              <a:gd name="connsiteY92" fmla="*/ 4327585 h 4564048"/>
+              <a:gd name="connsiteX93" fmla="*/ 724833 w 4683674"/>
+              <a:gd name="connsiteY93" fmla="*/ 4322280 h 4564048"/>
+              <a:gd name="connsiteX94" fmla="*/ 692229 w 4683674"/>
+              <a:gd name="connsiteY94" fmla="*/ 4311453 h 4564048"/>
+              <a:gd name="connsiteX95" fmla="*/ 682738 w 4683674"/>
+              <a:gd name="connsiteY95" fmla="*/ 4309627 h 4564048"/>
+              <a:gd name="connsiteX96" fmla="*/ 678921 w 4683674"/>
+              <a:gd name="connsiteY96" fmla="*/ 4309083 h 4564048"/>
+              <a:gd name="connsiteX97" fmla="*/ 646295 w 4683674"/>
+              <a:gd name="connsiteY97" fmla="*/ 4309501 h 4564048"/>
+              <a:gd name="connsiteX98" fmla="*/ 644071 w 4683674"/>
+              <a:gd name="connsiteY98" fmla="*/ 4305725 h 4564048"/>
+              <a:gd name="connsiteX99" fmla="*/ 634976 w 4683674"/>
+              <a:gd name="connsiteY99" fmla="*/ 4300573 h 4564048"/>
+              <a:gd name="connsiteX100" fmla="*/ 625763 w 4683674"/>
+              <a:gd name="connsiteY100" fmla="*/ 4302811 h 4564048"/>
+              <a:gd name="connsiteX101" fmla="*/ 607674 w 4683674"/>
+              <a:gd name="connsiteY101" fmla="*/ 4301837 h 4564048"/>
+              <a:gd name="connsiteX102" fmla="*/ 602965 w 4683674"/>
+              <a:gd name="connsiteY102" fmla="*/ 4300327 h 4564048"/>
+              <a:gd name="connsiteX103" fmla="*/ 586229 w 4683674"/>
+              <a:gd name="connsiteY103" fmla="*/ 4312031 h 4564048"/>
+              <a:gd name="connsiteX104" fmla="*/ 557275 w 4683674"/>
+              <a:gd name="connsiteY104" fmla="*/ 4301289 h 4564048"/>
+              <a:gd name="connsiteX105" fmla="*/ 526163 w 4683674"/>
+              <a:gd name="connsiteY105" fmla="*/ 4297470 h 4564048"/>
+              <a:gd name="connsiteX106" fmla="*/ 516631 w 4683674"/>
+              <a:gd name="connsiteY106" fmla="*/ 4299761 h 4564048"/>
+              <a:gd name="connsiteX107" fmla="*/ 459412 w 4683674"/>
+              <a:gd name="connsiteY107" fmla="*/ 4306052 h 4564048"/>
+              <a:gd name="connsiteX108" fmla="*/ 441733 w 4683674"/>
+              <a:gd name="connsiteY108" fmla="*/ 4298450 h 4564048"/>
+              <a:gd name="connsiteX109" fmla="*/ 428280 w 4683674"/>
+              <a:gd name="connsiteY109" fmla="*/ 4294479 h 4564048"/>
+              <a:gd name="connsiteX110" fmla="*/ 425763 w 4683674"/>
+              <a:gd name="connsiteY110" fmla="*/ 4290239 h 4564048"/>
+              <a:gd name="connsiteX111" fmla="*/ 416825 w 4683674"/>
+              <a:gd name="connsiteY111" fmla="*/ 4289525 h 4564048"/>
+              <a:gd name="connsiteX112" fmla="*/ 414589 w 4683674"/>
+              <a:gd name="connsiteY112" fmla="*/ 4288538 h 4564048"/>
+              <a:gd name="connsiteX113" fmla="*/ 401639 w 4683674"/>
+              <a:gd name="connsiteY113" fmla="*/ 4283681 h 4564048"/>
+              <a:gd name="connsiteX114" fmla="*/ 370415 w 4683674"/>
+              <a:gd name="connsiteY114" fmla="*/ 4293067 h 4564048"/>
+              <a:gd name="connsiteX115" fmla="*/ 334938 w 4683674"/>
+              <a:gd name="connsiteY115" fmla="*/ 4288364 h 4564048"/>
+              <a:gd name="connsiteX116" fmla="*/ 235237 w 4683674"/>
+              <a:gd name="connsiteY116" fmla="*/ 4295882 h 4564048"/>
+              <a:gd name="connsiteX117" fmla="*/ 121525 w 4683674"/>
+              <a:gd name="connsiteY117" fmla="*/ 4278339 h 4564048"/>
+              <a:gd name="connsiteX118" fmla="*/ 32621 w 4683674"/>
+              <a:gd name="connsiteY118" fmla="*/ 4303674 h 4564048"/>
+              <a:gd name="connsiteX119" fmla="*/ 3115 w 4683674"/>
+              <a:gd name="connsiteY119" fmla="*/ 4309103 h 4564048"/>
+              <a:gd name="connsiteX120" fmla="*/ 0 w 4683674"/>
+              <a:gd name="connsiteY120" fmla="*/ 4309345 h 4564048"/>
+            </a:gdLst>
+            <a:ahLst/>
+            <a:cxnLst>
+              <a:cxn ang="0">
+                <a:pos x="connsiteX0" y="connsiteY0"/>
+              </a:cxn>
+              <a:cxn ang="0">
+                <a:pos x="connsiteX1" y="connsiteY1"/>
+              </a:cxn>
+              <a:cxn ang="0">
+                <a:pos x="connsiteX2" y="connsiteY2"/>
+              </a:cxn>
+              <a:cxn ang="0">
+                <a:pos x="connsiteX3" y="connsiteY3"/>
+              </a:cxn>
+              <a:cxn ang="0">
+                <a:pos x="connsiteX4" y="connsiteY4"/>
+              </a:cxn>
+              <a:cxn ang="0">
+                <a:pos x="connsiteX5" y="connsiteY5"/>
+              </a:cxn>
+              <a:cxn ang="0">
+                <a:pos x="connsiteX6" y="connsiteY6"/>
+              </a:cxn>
+              <a:cxn ang="0">
+                <a:pos x="connsiteX7" y="connsiteY7"/>
+              </a:cxn>
+              <a:cxn ang="0">
+                <a:pos x="connsiteX8" y="connsiteY8"/>
+              </a:cxn>
+              <a:cxn ang="0">
+                <a:pos x="connsiteX9" y="connsiteY9"/>
+              </a:cxn>
+              <a:cxn ang="0">
+                <a:pos x="connsiteX10" y="connsiteY10"/>
+              </a:cxn>
+              <a:cxn ang="0">
+                <a:pos x="connsiteX11" y="connsiteY11"/>
+              </a:cxn>
+              <a:cxn ang="0">
+                <a:pos x="connsiteX12" y="connsiteY12"/>
+              </a:cxn>
+              <a:cxn ang="0">
+                <a:pos x="connsiteX13" y="connsiteY13"/>
+              </a:cxn>
+              <a:cxn ang="0">
+                <a:pos x="connsiteX14" y="connsiteY14"/>
+              </a:cxn>
+              <a:cxn ang="0">
+                <a:pos x="connsiteX15" y="connsiteY15"/>
+              </a:cxn>
+              <a:cxn ang="0">
+                <a:pos x="connsiteX16" y="connsiteY16"/>
+              </a:cxn>
+              <a:cxn ang="0">
+                <a:pos x="connsiteX17" y="connsiteY17"/>
+              </a:cxn>
+              <a:cxn ang="0">
+                <a:pos x="connsiteX18" y="connsiteY18"/>
+              </a:cxn>
+              <a:cxn ang="0">
+                <a:pos x="connsiteX19" y="connsiteY19"/>
+              </a:cxn>
+              <a:cxn ang="0">
+                <a:pos x="connsiteX20" y="connsiteY20"/>
+              </a:cxn>
+              <a:cxn ang="0">
+                <a:pos x="connsiteX21" y="connsiteY21"/>
+              </a:cxn>
+              <a:cxn ang="0">
+                <a:pos x="connsiteX22" y="connsiteY22"/>
+              </a:cxn>
+              <a:cxn ang="0">
+                <a:pos x="connsiteX23" y="connsiteY23"/>
+              </a:cxn>
+              <a:cxn ang="0">
+                <a:pos x="connsiteX24" y="connsiteY24"/>
+              </a:cxn>
+              <a:cxn ang="0">
+                <a:pos x="connsiteX25" y="connsiteY25"/>
+              </a:cxn>
+              <a:cxn ang="0">
+                <a:pos x="connsiteX26" y="connsiteY26"/>
+              </a:cxn>
+              <a:cxn ang="0">
+                <a:pos x="connsiteX27" y="connsiteY27"/>
+              </a:cxn>
+              <a:cxn ang="0">
+                <a:pos x="connsiteX28" y="connsiteY28"/>
+              </a:cxn>
+              <a:cxn ang="0">
+                <a:pos x="connsiteX29" y="connsiteY29"/>
+              </a:cxn>
+              <a:cxn ang="0">
+                <a:pos x="connsiteX30" y="connsiteY30"/>
+              </a:cxn>
+              <a:cxn ang="0">
+                <a:pos x="connsiteX31" y="connsiteY31"/>
+              </a:cxn>
+              <a:cxn ang="0">
+                <a:pos x="connsiteX32" y="connsiteY32"/>
+              </a:cxn>
+              <a:cxn ang="0">
+                <a:pos x="connsiteX33" y="connsiteY33"/>
+              </a:cxn>
+              <a:cxn ang="0">
+                <a:pos x="connsiteX34" y="connsiteY34"/>
+              </a:cxn>
+              <a:cxn ang="0">
+                <a:pos x="connsiteX35" y="connsiteY35"/>
+              </a:cxn>
+              <a:cxn ang="0">
+                <a:pos x="connsiteX36" y="connsiteY36"/>
+              </a:cxn>
+              <a:cxn ang="0">
+                <a:pos x="connsiteX37" y="connsiteY37"/>
+              </a:cxn>
+              <a:cxn ang="0">
+                <a:pos x="connsiteX38" y="connsiteY38"/>
+              </a:cxn>
+              <a:cxn ang="0">
+                <a:pos x="connsiteX39" y="connsiteY39"/>
+              </a:cxn>
+              <a:cxn ang="0">
+                <a:pos x="connsiteX40" y="connsiteY40"/>
+              </a:cxn>
+              <a:cxn ang="0">
+                <a:pos x="connsiteX41" y="connsiteY41"/>
+              </a:cxn>
+              <a:cxn ang="0">
+                <a:pos x="connsiteX42" y="connsiteY42"/>
+              </a:cxn>
+              <a:cxn ang="0">
+                <a:pos x="connsiteX43" y="connsiteY43"/>
+              </a:cxn>
+              <a:cxn ang="0">
+                <a:pos x="connsiteX44" y="connsiteY44"/>
+              </a:cxn>
+              <a:cxn ang="0">
+                <a:pos x="connsiteX45" y="connsiteY45"/>
+              </a:cxn>
+              <a:cxn ang="0">
+                <a:pos x="connsiteX46" y="connsiteY46"/>
+              </a:cxn>
+              <a:cxn ang="0">
+                <a:pos x="connsiteX47" y="connsiteY47"/>
+              </a:cxn>
+              <a:cxn ang="0">
+                <a:pos x="connsiteX48" y="connsiteY48"/>
+              </a:cxn>
+              <a:cxn ang="0">
+                <a:pos x="connsiteX49" y="connsiteY49"/>
+              </a:cxn>
+              <a:cxn ang="0">
+                <a:pos x="connsiteX50" y="connsiteY50"/>
+              </a:cxn>
+              <a:cxn ang="0">
+                <a:pos x="connsiteX51" y="connsiteY51"/>
+              </a:cxn>
+              <a:cxn ang="0">
+                <a:pos x="connsiteX52" y="connsiteY52"/>
+              </a:cxn>
+              <a:cxn ang="0">
+                <a:pos x="connsiteX53" y="connsiteY53"/>
+              </a:cxn>
+              <a:cxn ang="0">
+                <a:pos x="connsiteX54" y="connsiteY54"/>
+              </a:cxn>
+              <a:cxn ang="0">
+                <a:pos x="connsiteX55" y="connsiteY55"/>
+              </a:cxn>
+              <a:cxn ang="0">
+                <a:pos x="connsiteX56" y="connsiteY56"/>
+              </a:cxn>
+              <a:cxn ang="0">
+                <a:pos x="connsiteX57" y="connsiteY57"/>
+              </a:cxn>
+              <a:cxn ang="0">
+                <a:pos x="connsiteX58" y="connsiteY58"/>
+              </a:cxn>
+              <a:cxn ang="0">
+                <a:pos x="connsiteX59" y="connsiteY59"/>
+              </a:cxn>
+              <a:cxn ang="0">
+                <a:pos x="connsiteX60" y="connsiteY60"/>
+              </a:cxn>
+              <a:cxn ang="0">
+                <a:pos x="connsiteX61" y="connsiteY61"/>
+              </a:cxn>
+              <a:cxn ang="0">
+                <a:pos x="connsiteX62" y="connsiteY62"/>
+              </a:cxn>
+              <a:cxn ang="0">
+                <a:pos x="connsiteX63" y="connsiteY63"/>
+              </a:cxn>
+              <a:cxn ang="0">
+                <a:pos x="connsiteX64" y="connsiteY64"/>
+              </a:cxn>
+              <a:cxn ang="0">
+                <a:pos x="connsiteX65" y="connsiteY65"/>
+              </a:cxn>
+              <a:cxn ang="0">
+                <a:pos x="connsiteX66" y="connsiteY66"/>
+              </a:cxn>
+              <a:cxn ang="0">
+                <a:pos x="connsiteX67" y="connsiteY67"/>
+              </a:cxn>
+              <a:cxn ang="0">
+                <a:pos x="connsiteX68" y="connsiteY68"/>
+              </a:cxn>
+              <a:cxn ang="0">
+                <a:pos x="connsiteX69" y="connsiteY69"/>
+              </a:cxn>
+              <a:cxn ang="0">
+                <a:pos x="connsiteX70" y="connsiteY70"/>
+              </a:cxn>
+              <a:cxn ang="0">
+                <a:pos x="connsiteX71" y="connsiteY71"/>
+              </a:cxn>
+              <a:cxn ang="0">
+                <a:pos x="connsiteX72" y="connsiteY72"/>
+              </a:cxn>
+              <a:cxn ang="0">
+                <a:pos x="connsiteX73" y="connsiteY73"/>
+              </a:cxn>
+              <a:cxn ang="0">
+                <a:pos x="connsiteX74" y="connsiteY74"/>
+              </a:cxn>
+              <a:cxn ang="0">
+                <a:pos x="connsiteX75" y="connsiteY75"/>
+              </a:cxn>
+              <a:cxn ang="0">
+                <a:pos x="connsiteX76" y="connsiteY76"/>
+              </a:cxn>
+              <a:cxn ang="0">
+                <a:pos x="connsiteX77" y="connsiteY77"/>
+              </a:cxn>
+              <a:cxn ang="0">
+                <a:pos x="connsiteX78" y="connsiteY78"/>
+              </a:cxn>
+              <a:cxn ang="0">
+                <a:pos x="connsiteX79" y="connsiteY79"/>
+              </a:cxn>
+              <a:cxn ang="0">
+                <a:pos x="connsiteX80" y="connsiteY80"/>
+              </a:cxn>
+              <a:cxn ang="0">
+                <a:pos x="connsiteX81" y="connsiteY81"/>
+              </a:cxn>
+              <a:cxn ang="0">
+                <a:pos x="connsiteX82" y="connsiteY82"/>
+              </a:cxn>
+              <a:cxn ang="0">
+                <a:pos x="connsiteX83" y="connsiteY83"/>
+              </a:cxn>
+              <a:cxn ang="0">
+                <a:pos x="connsiteX84" y="connsiteY84"/>
+              </a:cxn>
+              <a:cxn ang="0">
+                <a:pos x="connsiteX85" y="connsiteY85"/>
+              </a:cxn>
+              <a:cxn ang="0">
+                <a:pos x="connsiteX86" y="connsiteY86"/>
+              </a:cxn>
+              <a:cxn ang="0">
+                <a:pos x="connsiteX87" y="connsiteY87"/>
+              </a:cxn>
+              <a:cxn ang="0">
+                <a:pos x="connsiteX88" y="connsiteY88"/>
+              </a:cxn>
+              <a:cxn ang="0">
+                <a:pos x="connsiteX89" y="connsiteY89"/>
+              </a:cxn>
+              <a:cxn ang="0">
+                <a:pos x="connsiteX90" y="connsiteY90"/>
+              </a:cxn>
+              <a:cxn ang="0">
+                <a:pos x="connsiteX91" y="connsiteY91"/>
+              </a:cxn>
+              <a:cxn ang="0">
+                <a:pos x="connsiteX92" y="connsiteY92"/>
+              </a:cxn>
+              <a:cxn ang="0">
+                <a:pos x="connsiteX93" y="connsiteY93"/>
+              </a:cxn>
+              <a:cxn ang="0">
+                <a:pos x="connsiteX94" y="connsiteY94"/>
+              </a:cxn>
+              <a:cxn ang="0">
+                <a:pos x="connsiteX95" y="connsiteY95"/>
+              </a:cxn>
+              <a:cxn ang="0">
+                <a:pos x="connsiteX96" y="connsiteY96"/>
+              </a:cxn>
+              <a:cxn ang="0">
+                <a:pos x="connsiteX97" y="connsiteY97"/>
+              </a:cxn>
+              <a:cxn ang="0">
+                <a:pos x="connsiteX98" y="connsiteY98"/>
+              </a:cxn>
+              <a:cxn ang="0">
+                <a:pos x="connsiteX99" y="connsiteY99"/>
+              </a:cxn>
+              <a:cxn ang="0">
+                <a:pos x="connsiteX100" y="connsiteY100"/>
+              </a:cxn>
+              <a:cxn ang="0">
+                <a:pos x="connsiteX101" y="connsiteY101"/>
+              </a:cxn>
+              <a:cxn ang="0">
+                <a:pos x="connsiteX102" y="connsiteY102"/>
+              </a:cxn>
+              <a:cxn ang="0">
+                <a:pos x="connsiteX103" y="connsiteY103"/>
+              </a:cxn>
+              <a:cxn ang="0">
+                <a:pos x="connsiteX104" y="connsiteY104"/>
+              </a:cxn>
+              <a:cxn ang="0">
+                <a:pos x="connsiteX105" y="connsiteY105"/>
+              </a:cxn>
+              <a:cxn ang="0">
+                <a:pos x="connsiteX106" y="connsiteY106"/>
+              </a:cxn>
+              <a:cxn ang="0">
+                <a:pos x="connsiteX107" y="connsiteY107"/>
+              </a:cxn>
+              <a:cxn ang="0">
+                <a:pos x="connsiteX108" y="connsiteY108"/>
+              </a:cxn>
+              <a:cxn ang="0">
+                <a:pos x="connsiteX109" y="connsiteY109"/>
+              </a:cxn>
+              <a:cxn ang="0">
+                <a:pos x="connsiteX110" y="connsiteY110"/>
+              </a:cxn>
+              <a:cxn ang="0">
+                <a:pos x="connsiteX111" y="connsiteY111"/>
+              </a:cxn>
+              <a:cxn ang="0">
+                <a:pos x="connsiteX112" y="connsiteY112"/>
+              </a:cxn>
+              <a:cxn ang="0">
+                <a:pos x="connsiteX113" y="connsiteY113"/>
+              </a:cxn>
+              <a:cxn ang="0">
+                <a:pos x="connsiteX114" y="connsiteY114"/>
+              </a:cxn>
+              <a:cxn ang="0">
+                <a:pos x="connsiteX115" y="connsiteY115"/>
+              </a:cxn>
+              <a:cxn ang="0">
+                <a:pos x="connsiteX116" y="connsiteY116"/>
+              </a:cxn>
+              <a:cxn ang="0">
+                <a:pos x="connsiteX117" y="connsiteY117"/>
+              </a:cxn>
+              <a:cxn ang="0">
+                <a:pos x="connsiteX118" y="connsiteY118"/>
+              </a:cxn>
+              <a:cxn ang="0">
+                <a:pos x="connsiteX119" y="connsiteY119"/>
+              </a:cxn>
+              <a:cxn ang="0">
+                <a:pos x="connsiteX120" y="connsiteY120"/>
+              </a:cxn>
+            </a:cxnLst>
+            <a:rect l="l" t="t" r="r" b="b"/>
+            <a:pathLst>
+              <a:path w="4683674" h="4564048">
+                <a:moveTo>
+                  <a:pt x="0" y="0"/>
+                </a:moveTo>
+                <a:lnTo>
+                  <a:pt x="4683674" y="0"/>
+                </a:lnTo>
+                <a:lnTo>
+                  <a:pt x="4683674" y="4379420"/>
+                </a:lnTo>
+                <a:lnTo>
+                  <a:pt x="4673671" y="4378840"/>
+                </a:lnTo>
+                <a:lnTo>
+                  <a:pt x="4668303" y="4382142"/>
+                </a:lnTo>
+                <a:lnTo>
+                  <a:pt x="4660562" y="4374448"/>
+                </a:lnTo>
+                <a:cubicBezTo>
+                  <a:pt x="4656355" y="4371442"/>
+                  <a:pt x="4651457" y="4369784"/>
+                  <a:pt x="4645215" y="4371375"/>
+                </a:cubicBezTo>
+                <a:cubicBezTo>
+                  <a:pt x="4609044" y="4396149"/>
+                  <a:pt x="4641746" y="4356730"/>
+                  <a:pt x="4579761" y="4375210"/>
+                </a:cubicBezTo>
+                <a:cubicBezTo>
+                  <a:pt x="4577006" y="4378689"/>
+                  <a:pt x="4568410" y="4377372"/>
+                  <a:pt x="4568074" y="4373416"/>
+                </a:cubicBezTo>
+                <a:cubicBezTo>
+                  <a:pt x="4564387" y="4375383"/>
+                  <a:pt x="4556922" y="4384553"/>
+                  <a:pt x="4554149" y="4378650"/>
+                </a:cubicBezTo>
+                <a:cubicBezTo>
+                  <a:pt x="4543884" y="4380267"/>
+                  <a:pt x="4533963" y="4382948"/>
+                  <a:pt x="4524620" y="4386604"/>
+                </a:cubicBezTo>
+                <a:lnTo>
+                  <a:pt x="4505841" y="4396541"/>
+                </a:lnTo>
+                <a:lnTo>
+                  <a:pt x="4500482" y="4392332"/>
+                </a:lnTo>
+                <a:cubicBezTo>
+                  <a:pt x="4496952" y="4390347"/>
+                  <a:pt x="4493026" y="4389414"/>
+                  <a:pt x="4488387" y="4390994"/>
+                </a:cubicBezTo>
+                <a:cubicBezTo>
+                  <a:pt x="4463053" y="4411779"/>
+                  <a:pt x="4484273" y="4380259"/>
+                  <a:pt x="4438484" y="4397951"/>
+                </a:cubicBezTo>
+                <a:cubicBezTo>
+                  <a:pt x="4436716" y="4400724"/>
+                  <a:pt x="4429980" y="4400278"/>
+                  <a:pt x="4429332" y="4397340"/>
+                </a:cubicBezTo>
+                <a:cubicBezTo>
+                  <a:pt x="4426691" y="4399042"/>
+                  <a:pt x="4421867" y="4406365"/>
+                  <a:pt x="4419149" y="4402124"/>
+                </a:cubicBezTo>
+                <a:cubicBezTo>
+                  <a:pt x="4407558" y="4407723"/>
+                  <a:pt x="4369788" y="4425642"/>
+                  <a:pt x="4359785" y="4430931"/>
+                </a:cubicBezTo>
+                <a:lnTo>
+                  <a:pt x="4359139" y="4433856"/>
+                </a:lnTo>
+                <a:cubicBezTo>
+                  <a:pt x="4355940" y="4434724"/>
+                  <a:pt x="4344487" y="4434858"/>
+                  <a:pt x="4340592" y="4436136"/>
+                </a:cubicBezTo>
+                <a:lnTo>
+                  <a:pt x="4335770" y="4441526"/>
+                </a:lnTo>
+                <a:lnTo>
+                  <a:pt x="4326252" y="4443308"/>
+                </a:lnTo>
+                <a:lnTo>
+                  <a:pt x="4257540" y="4463117"/>
+                </a:lnTo>
+                <a:lnTo>
+                  <a:pt x="4245512" y="4464119"/>
+                </a:lnTo>
+                <a:cubicBezTo>
+                  <a:pt x="4240161" y="4466068"/>
+                  <a:pt x="4236009" y="4469767"/>
+                  <a:pt x="4233621" y="4476195"/>
+                </a:cubicBezTo>
+                <a:cubicBezTo>
+                  <a:pt x="4223883" y="4479012"/>
+                  <a:pt x="4196741" y="4479467"/>
+                  <a:pt x="4187084" y="4481018"/>
+                </a:cubicBezTo>
+                <a:lnTo>
+                  <a:pt x="4171513" y="4482231"/>
+                </a:lnTo>
+                <a:lnTo>
+                  <a:pt x="4164564" y="4483140"/>
+                </a:lnTo>
+                <a:lnTo>
+                  <a:pt x="4165685" y="4488934"/>
+                </a:lnTo>
+                <a:lnTo>
+                  <a:pt x="4147125" y="4493318"/>
+                </a:lnTo>
+                <a:cubicBezTo>
+                  <a:pt x="4141442" y="4496732"/>
+                  <a:pt x="4133773" y="4503479"/>
+                  <a:pt x="4125154" y="4510572"/>
+                </a:cubicBezTo>
+                <a:lnTo>
+                  <a:pt x="4106103" y="4523887"/>
+                </a:lnTo>
+                <a:lnTo>
+                  <a:pt x="4091879" y="4524368"/>
+                </a:lnTo>
+                <a:cubicBezTo>
+                  <a:pt x="4070874" y="4526861"/>
+                  <a:pt x="4038349" y="4531592"/>
+                  <a:pt x="4024147" y="4533649"/>
+                </a:cubicBezTo>
+                <a:cubicBezTo>
+                  <a:pt x="4020340" y="4537148"/>
+                  <a:pt x="4013205" y="4536000"/>
+                  <a:pt x="4006667" y="4536715"/>
+                </a:cubicBezTo>
+                <a:cubicBezTo>
+                  <a:pt x="4000081" y="4539985"/>
+                  <a:pt x="3969515" y="4540224"/>
+                  <a:pt x="3960069" y="4538590"/>
+                </a:cubicBezTo>
+                <a:lnTo>
+                  <a:pt x="3852451" y="4542685"/>
+                </a:lnTo>
+                <a:lnTo>
+                  <a:pt x="3850255" y="4545236"/>
+                </a:lnTo>
+                <a:lnTo>
+                  <a:pt x="3841400" y="4545965"/>
+                </a:lnTo>
+                <a:lnTo>
+                  <a:pt x="3839247" y="4546615"/>
+                </a:lnTo>
+                <a:cubicBezTo>
+                  <a:pt x="3835142" y="4547869"/>
+                  <a:pt x="3831033" y="4549038"/>
+                  <a:pt x="3826700" y="4549892"/>
+                </a:cubicBezTo>
+                <a:cubicBezTo>
+                  <a:pt x="3823957" y="4539088"/>
+                  <a:pt x="3789397" y="4555374"/>
+                  <a:pt x="3794865" y="4545523"/>
+                </a:cubicBezTo>
+                <a:cubicBezTo>
+                  <a:pt x="3770584" y="4548337"/>
+                  <a:pt x="3782159" y="4538224"/>
+                  <a:pt x="3759852" y="4549496"/>
+                </a:cubicBezTo>
+                <a:cubicBezTo>
+                  <a:pt x="3715905" y="4546697"/>
+                  <a:pt x="3692864" y="4558132"/>
+                  <a:pt x="3653239" y="4549970"/>
+                </a:cubicBezTo>
+                <a:cubicBezTo>
+                  <a:pt x="3660931" y="4554163"/>
+                  <a:pt x="3567553" y="4553744"/>
+                  <a:pt x="3554756" y="4552963"/>
+                </a:cubicBezTo>
+                <a:lnTo>
+                  <a:pt x="3511343" y="4552282"/>
+                </a:lnTo>
+                <a:lnTo>
+                  <a:pt x="3476178" y="4551540"/>
+                </a:lnTo>
+                <a:lnTo>
+                  <a:pt x="3477650" y="4558467"/>
+                </a:lnTo>
+                <a:cubicBezTo>
+                  <a:pt x="3467355" y="4557922"/>
+                  <a:pt x="3461066" y="4560277"/>
+                  <a:pt x="3456605" y="4564048"/>
+                </a:cubicBezTo>
+                <a:lnTo>
+                  <a:pt x="3428916" y="4551357"/>
+                </a:lnTo>
+                <a:lnTo>
+                  <a:pt x="3413192" y="4551476"/>
+                </a:lnTo>
+                <a:lnTo>
+                  <a:pt x="3385609" y="4555860"/>
+                </a:lnTo>
+                <a:lnTo>
+                  <a:pt x="3376421" y="4557888"/>
+                </a:lnTo>
+                <a:lnTo>
+                  <a:pt x="3307414" y="4543811"/>
+                </a:lnTo>
+                <a:lnTo>
+                  <a:pt x="3300685" y="4538163"/>
+                </a:lnTo>
+                <a:cubicBezTo>
+                  <a:pt x="3293468" y="4534686"/>
+                  <a:pt x="3283196" y="4533076"/>
+                  <a:pt x="3266080" y="4535707"/>
+                </a:cubicBezTo>
+                <a:lnTo>
+                  <a:pt x="3262145" y="4537206"/>
+                </a:lnTo>
+                <a:lnTo>
+                  <a:pt x="3233468" y="4528559"/>
+                </a:lnTo>
+                <a:cubicBezTo>
+                  <a:pt x="3224213" y="4524624"/>
+                  <a:pt x="3125184" y="4519671"/>
+                  <a:pt x="3118476" y="4513311"/>
+                </a:cubicBezTo>
+                <a:cubicBezTo>
+                  <a:pt x="3010039" y="4529055"/>
+                  <a:pt x="3002573" y="4501116"/>
+                  <a:pt x="2897364" y="4505308"/>
+                </a:cubicBezTo>
+                <a:cubicBezTo>
+                  <a:pt x="2806245" y="4462735"/>
+                  <a:pt x="2748772" y="4488666"/>
+                  <a:pt x="2667093" y="4482464"/>
+                </a:cubicBezTo>
+                <a:cubicBezTo>
+                  <a:pt x="2589297" y="4478101"/>
+                  <a:pt x="2553275" y="4491877"/>
+                  <a:pt x="2448752" y="4491308"/>
+                </a:cubicBezTo>
+                <a:cubicBezTo>
+                  <a:pt x="2338005" y="4482023"/>
+                  <a:pt x="2176624" y="4486957"/>
+                  <a:pt x="2052050" y="4466857"/>
+                </a:cubicBezTo>
+                <a:cubicBezTo>
+                  <a:pt x="1954172" y="4460387"/>
+                  <a:pt x="1953833" y="4465171"/>
+                  <a:pt x="1915952" y="4464669"/>
+                </a:cubicBezTo>
+                <a:cubicBezTo>
+                  <a:pt x="1903354" y="4467427"/>
+                  <a:pt x="1836826" y="4459363"/>
+                  <a:pt x="1824767" y="4463841"/>
+                </a:cubicBezTo>
+                <a:lnTo>
+                  <a:pt x="1818446" y="4466162"/>
+                </a:lnTo>
+                <a:lnTo>
+                  <a:pt x="1792979" y="4467533"/>
+                </a:lnTo>
+                <a:lnTo>
+                  <a:pt x="1786007" y="4477820"/>
+                </a:lnTo>
+                <a:lnTo>
+                  <a:pt x="1700890" y="4486737"/>
+                </a:lnTo>
+                <a:cubicBezTo>
+                  <a:pt x="1644305" y="4461695"/>
+                  <a:pt x="1595991" y="4491570"/>
+                  <a:pt x="1496036" y="4490777"/>
+                </a:cubicBezTo>
+                <a:cubicBezTo>
+                  <a:pt x="1469547" y="4482126"/>
+                  <a:pt x="1364133" y="4461070"/>
+                  <a:pt x="1344435" y="4473538"/>
+                </a:cubicBezTo>
+                <a:lnTo>
+                  <a:pt x="1328066" y="4473650"/>
+                </a:lnTo>
+                <a:lnTo>
+                  <a:pt x="1307929" y="4472224"/>
+                </a:lnTo>
+                <a:cubicBezTo>
+                  <a:pt x="1297296" y="4472938"/>
+                  <a:pt x="1286253" y="4474917"/>
+                  <a:pt x="1276712" y="4477775"/>
+                </a:cubicBezTo>
+                <a:lnTo>
+                  <a:pt x="1259786" y="4486039"/>
+                </a:lnTo>
+                <a:lnTo>
+                  <a:pt x="1254149" y="4485243"/>
+                </a:lnTo>
+                <a:lnTo>
+                  <a:pt x="1253835" y="4482397"/>
+                </a:lnTo>
+                <a:cubicBezTo>
+                  <a:pt x="1242111" y="4472542"/>
+                  <a:pt x="1167700" y="4491972"/>
+                  <a:pt x="1202349" y="4472878"/>
+                </a:cubicBezTo>
+                <a:cubicBezTo>
+                  <a:pt x="1189242" y="4471823"/>
+                  <a:pt x="1167161" y="4433285"/>
+                  <a:pt x="1134209" y="4436320"/>
+                </a:cubicBezTo>
+                <a:cubicBezTo>
+                  <a:pt x="1089697" y="4442366"/>
+                  <a:pt x="1100423" y="4432039"/>
+                  <a:pt x="1055333" y="4428602"/>
+                </a:cubicBezTo>
+                <a:cubicBezTo>
+                  <a:pt x="1041136" y="4406270"/>
+                  <a:pt x="1045585" y="4424774"/>
+                  <a:pt x="1023656" y="4415806"/>
+                </a:cubicBezTo>
+                <a:cubicBezTo>
+                  <a:pt x="1022285" y="4432773"/>
+                  <a:pt x="999484" y="4400086"/>
+                  <a:pt x="989393" y="4417111"/>
+                </a:cubicBezTo>
+                <a:cubicBezTo>
+                  <a:pt x="985722" y="4414939"/>
+                  <a:pt x="982483" y="4412299"/>
+                  <a:pt x="979308" y="4409520"/>
+                </a:cubicBezTo>
+                <a:lnTo>
+                  <a:pt x="977641" y="4408074"/>
+                </a:lnTo>
+                <a:lnTo>
+                  <a:pt x="969438" y="4405286"/>
+                </a:lnTo>
+                <a:lnTo>
+                  <a:pt x="969029" y="4400748"/>
+                </a:lnTo>
+                <a:lnTo>
+                  <a:pt x="958049" y="4393863"/>
+                </a:lnTo>
+                <a:cubicBezTo>
+                  <a:pt x="953642" y="4391864"/>
+                  <a:pt x="948557" y="4390392"/>
+                  <a:pt x="942423" y="4389778"/>
+                </a:cubicBezTo>
+                <a:cubicBezTo>
+                  <a:pt x="918991" y="4394276"/>
+                  <a:pt x="895417" y="4368106"/>
+                  <a:pt x="866111" y="4374574"/>
+                </a:cubicBezTo>
+                <a:cubicBezTo>
+                  <a:pt x="855715" y="4375510"/>
+                  <a:pt x="825849" y="4369575"/>
+                  <a:pt x="821619" y="4363075"/>
+                </a:cubicBezTo>
+                <a:cubicBezTo>
+                  <a:pt x="815684" y="4360729"/>
+                  <a:pt x="807891" y="4361298"/>
+                  <a:pt x="806545" y="4354932"/>
+                </a:cubicBezTo>
+                <a:cubicBezTo>
+                  <a:pt x="803633" y="4347030"/>
+                  <a:pt x="778973" y="4353793"/>
+                  <a:pt x="784265" y="4346098"/>
+                </a:cubicBezTo>
+                <a:cubicBezTo>
+                  <a:pt x="766827" y="4350629"/>
+                  <a:pt x="758410" y="4333644"/>
+                  <a:pt x="746361" y="4327585"/>
+                </a:cubicBezTo>
+                <a:cubicBezTo>
+                  <a:pt x="739295" y="4330130"/>
+                  <a:pt x="732924" y="4326969"/>
+                  <a:pt x="724833" y="4322280"/>
+                </a:cubicBezTo>
+                <a:lnTo>
+                  <a:pt x="692229" y="4311453"/>
+                </a:lnTo>
+                <a:lnTo>
+                  <a:pt x="682738" y="4309627"/>
+                </a:lnTo>
+                <a:lnTo>
+                  <a:pt x="678921" y="4309083"/>
+                </a:lnTo>
+                <a:lnTo>
+                  <a:pt x="646295" y="4309501"/>
+                </a:lnTo>
+                <a:cubicBezTo>
+                  <a:pt x="645816" y="4308195"/>
+                  <a:pt x="645067" y="4306921"/>
+                  <a:pt x="644071" y="4305725"/>
+                </a:cubicBezTo>
+                <a:lnTo>
+                  <a:pt x="634976" y="4300573"/>
+                </a:lnTo>
+                <a:lnTo>
+                  <a:pt x="625763" y="4302811"/>
+                </a:lnTo>
+                <a:cubicBezTo>
+                  <a:pt x="626730" y="4296354"/>
+                  <a:pt x="615876" y="4301668"/>
+                  <a:pt x="607674" y="4301837"/>
+                </a:cubicBezTo>
+                <a:lnTo>
+                  <a:pt x="602965" y="4300327"/>
+                </a:lnTo>
+                <a:lnTo>
+                  <a:pt x="586229" y="4312031"/>
+                </a:lnTo>
+                <a:cubicBezTo>
+                  <a:pt x="576553" y="4312302"/>
+                  <a:pt x="566131" y="4302031"/>
+                  <a:pt x="557275" y="4301289"/>
+                </a:cubicBezTo>
+                <a:lnTo>
+                  <a:pt x="526163" y="4297470"/>
+                </a:lnTo>
+                <a:lnTo>
+                  <a:pt x="516631" y="4299761"/>
+                </a:lnTo>
+                <a:cubicBezTo>
+                  <a:pt x="495873" y="4300309"/>
+                  <a:pt x="474152" y="4298655"/>
+                  <a:pt x="459412" y="4306052"/>
+                </a:cubicBezTo>
+                <a:cubicBezTo>
+                  <a:pt x="453422" y="4306923"/>
+                  <a:pt x="446771" y="4299312"/>
+                  <a:pt x="441733" y="4298450"/>
+                </a:cubicBezTo>
+                <a:lnTo>
+                  <a:pt x="428280" y="4294479"/>
+                </a:lnTo>
+                <a:lnTo>
+                  <a:pt x="425763" y="4290239"/>
+                </a:lnTo>
+                <a:lnTo>
+                  <a:pt x="416825" y="4289525"/>
+                </a:lnTo>
+                <a:lnTo>
+                  <a:pt x="414589" y="4288538"/>
+                </a:lnTo>
+                <a:cubicBezTo>
+                  <a:pt x="410330" y="4286638"/>
+                  <a:pt x="406074" y="4284884"/>
+                  <a:pt x="401639" y="4283681"/>
+                </a:cubicBezTo>
+                <a:cubicBezTo>
+                  <a:pt x="400291" y="4302346"/>
+                  <a:pt x="363682" y="4276528"/>
+                  <a:pt x="370415" y="4293067"/>
+                </a:cubicBezTo>
+                <a:cubicBezTo>
+                  <a:pt x="345802" y="4289707"/>
+                  <a:pt x="358667" y="4306330"/>
+                  <a:pt x="334938" y="4288364"/>
+                </a:cubicBezTo>
+                <a:cubicBezTo>
+                  <a:pt x="291417" y="4295790"/>
+                  <a:pt x="273753" y="4302034"/>
+                  <a:pt x="235237" y="4295882"/>
+                </a:cubicBezTo>
+                <a:cubicBezTo>
+                  <a:pt x="199669" y="4294212"/>
+                  <a:pt x="155293" y="4277040"/>
+                  <a:pt x="121525" y="4278339"/>
+                </a:cubicBezTo>
+                <a:cubicBezTo>
+                  <a:pt x="70380" y="4279224"/>
+                  <a:pt x="48578" y="4324896"/>
+                  <a:pt x="32621" y="4303674"/>
+                </a:cubicBezTo>
+                <a:cubicBezTo>
+                  <a:pt x="20541" y="4306410"/>
+                  <a:pt x="11582" y="4308037"/>
+                  <a:pt x="3115" y="4309103"/>
+                </a:cubicBezTo>
+                <a:lnTo>
+                  <a:pt x="0" y="4309345"/>
+                </a:lnTo>
+                <a:close/>
+              </a:path>
+            </a:pathLst>
+          </a:custGeom>
+          <a:solidFill>
+            <a:srgbClr val="82766A">
+              <a:alpha val="15000"/>
+            </a:srgbClr>
+          </a:solidFill>
+          <a:ln>
+            <a:noFill/>
+          </a:ln>
+        </p:spPr>
+        <p:style>
+          <a:lnRef idx="2">
+            <a:schemeClr val="accent1">
+              <a:shade val="50000"/>
+            </a:schemeClr>
+          </a:lnRef>
+          <a:fillRef idx="1">
+            <a:schemeClr val="accent1"/>
+          </a:fillRef>
+          <a:effectRef idx="0">
+            <a:schemeClr val="accent1"/>
+          </a:effectRef>
+          <a:fontRef idx="minor">
+            <a:schemeClr val="lt1"/>
+          </a:fontRef>
+        </p:style>
+        <p:txBody>
+          <a:bodyPr wrap="square" rtlCol="0" anchor="ctr">
+            <a:noAutofit/>
+          </a:bodyPr>
+          <a:lstStyle/>
+          <a:p>
+            <a:pPr algn="ctr"/>
+            <a:endParaRPr lang="en-US"/>
+          </a:p>
+        </p:txBody>
+      </p:sp>
+      <p:sp>
+        <p:nvSpPr>
+          <p:cNvPr id="2" name="Title 1">
+            <a:extLst>
+              <a:ext uri="{FF2B5EF4-FFF2-40B4-BE49-F238E27FC236}">
+                <a16:creationId xmlns:a16="http://schemas.microsoft.com/office/drawing/2014/main" id="{7CCAF139-A167-C9BD-7244-89DDE9542476}"/>
+              </a:ext>
+            </a:extLst>
+          </p:cNvPr>
+          <p:cNvSpPr>
+            <a:spLocks noGrp="1"/>
+          </p:cNvSpPr>
+          <p:nvPr>
+            <p:ph type="title"/>
+          </p:nvPr>
+        </p:nvSpPr>
+        <p:spPr>
+          <a:xfrm>
+            <a:off x="1136950" y="1876567"/>
+            <a:ext cx="3696708" cy="3104866"/>
+          </a:xfrm>
+        </p:spPr>
+        <p:txBody>
+          <a:bodyPr vert="horz" lIns="91440" tIns="45720" rIns="91440" bIns="45720" rtlCol="0" anchor="ctr">
+            <a:normAutofit/>
+          </a:bodyPr>
+          <a:lstStyle/>
+          <a:p>
+            <a:pPr algn="ctr">
+              <a:spcBef>
+                <a:spcPct val="0"/>
+              </a:spcBef>
+            </a:pPr>
+            <a:r>
+              <a:rPr lang="en-US" kern="1200">
+                <a:solidFill>
+                  <a:schemeClr val="tx1">
+                    <a:lumMod val="85000"/>
+                    <a:lumOff val="15000"/>
+                  </a:schemeClr>
+                </a:solidFill>
+                <a:latin typeface="+mj-lt"/>
+                <a:ea typeface="+mj-ea"/>
+                <a:cs typeface="+mj-cs"/>
+              </a:rPr>
+              <a:t>AWS Organization </a:t>
+            </a:r>
+            <a:r>
+              <a:rPr lang="en-US" b="0" i="0" kern="1200">
+                <a:solidFill>
+                  <a:schemeClr val="tx1">
+                    <a:lumMod val="85000"/>
+                    <a:lumOff val="15000"/>
+                  </a:schemeClr>
+                </a:solidFill>
+                <a:effectLst/>
+                <a:latin typeface="+mj-lt"/>
+                <a:ea typeface="+mj-ea"/>
+                <a:cs typeface="+mj-cs"/>
+              </a:rPr>
+              <a:t>Consolidated billing</a:t>
+            </a:r>
+            <a:endParaRPr lang="en-US" kern="1200">
+              <a:solidFill>
+                <a:schemeClr val="tx1">
+                  <a:lumMod val="85000"/>
+                  <a:lumOff val="15000"/>
+                </a:schemeClr>
+              </a:solidFill>
+              <a:latin typeface="+mj-lt"/>
+              <a:ea typeface="+mj-ea"/>
+              <a:cs typeface="+mj-cs"/>
+            </a:endParaRPr>
+          </a:p>
+        </p:txBody>
+      </p:sp>
+      <p:sp>
+        <p:nvSpPr>
+          <p:cNvPr id="21" name="Rectangle 6">
+            <a:extLst>
+              <a:ext uri="{FF2B5EF4-FFF2-40B4-BE49-F238E27FC236}">
+                <a16:creationId xmlns:a16="http://schemas.microsoft.com/office/drawing/2014/main" id="{0AC3A952-2574-44E9-9C98-DBC27EE14160}"/>
+              </a:ext>
+              <a:ext uri="{C183D7F6-B498-43B3-948B-1728B52AA6E4}">
+                <adec:decorative xmlns:adec="http://schemas.microsoft.com/office/drawing/2017/decorative" val="1"/>
+              </a:ext>
+            </a:extLst>
+          </p:cNvPr>
+          <p:cNvSpPr>
+            <a:spLocks noGrp="1" noRot="1" noChangeAspect="1" noMove="1" noResize="1" noEditPoints="1" noAdjustHandles="1" noChangeArrowheads="1" noChangeShapeType="1" noTextEdit="1"/>
+          </p:cNvSpPr>
+          <p:nvPr>
+            <p:extLst>
+              <p:ext uri="{386F3935-93C4-4BCD-93E2-E3B085C9AB24}">
+                <p16:designElem xmlns:p16="http://schemas.microsoft.com/office/powerpoint/2015/main" val="1"/>
+              </p:ext>
+            </p:extLst>
+          </p:nvPr>
+        </p:nvSpPr>
+        <p:spPr>
+          <a:xfrm>
+            <a:off x="2227836" y="964940"/>
+            <a:ext cx="1348547" cy="407804"/>
+          </a:xfrm>
+          <a:custGeom>
+            <a:avLst/>
+            <a:gdLst>
+              <a:gd name="connsiteX0" fmla="*/ 0 w 2142503"/>
+              <a:gd name="connsiteY0" fmla="*/ 0 h 571500"/>
+              <a:gd name="connsiteX1" fmla="*/ 2142503 w 2142503"/>
+              <a:gd name="connsiteY1" fmla="*/ 0 h 571500"/>
+              <a:gd name="connsiteX2" fmla="*/ 2142503 w 2142503"/>
+              <a:gd name="connsiteY2" fmla="*/ 571500 h 571500"/>
+              <a:gd name="connsiteX3" fmla="*/ 0 w 2142503"/>
+              <a:gd name="connsiteY3" fmla="*/ 571500 h 571500"/>
+              <a:gd name="connsiteX4" fmla="*/ 0 w 2142503"/>
+              <a:gd name="connsiteY4" fmla="*/ 0 h 571500"/>
+              <a:gd name="connsiteX0" fmla="*/ 0 w 2142503"/>
+              <a:gd name="connsiteY0" fmla="*/ 0 h 582145"/>
+              <a:gd name="connsiteX1" fmla="*/ 2142503 w 2142503"/>
+              <a:gd name="connsiteY1" fmla="*/ 0 h 582145"/>
+              <a:gd name="connsiteX2" fmla="*/ 2142503 w 2142503"/>
+              <a:gd name="connsiteY2" fmla="*/ 571500 h 582145"/>
+              <a:gd name="connsiteX3" fmla="*/ 2050917 w 2142503"/>
+              <a:gd name="connsiteY3" fmla="*/ 582088 h 582145"/>
+              <a:gd name="connsiteX4" fmla="*/ 0 w 2142503"/>
+              <a:gd name="connsiteY4" fmla="*/ 571500 h 582145"/>
+              <a:gd name="connsiteX5" fmla="*/ 0 w 2142503"/>
+              <a:gd name="connsiteY5" fmla="*/ 0 h 582145"/>
+              <a:gd name="connsiteX0" fmla="*/ 0 w 2159832"/>
+              <a:gd name="connsiteY0" fmla="*/ 0 h 582145"/>
+              <a:gd name="connsiteX1" fmla="*/ 2142503 w 2159832"/>
+              <a:gd name="connsiteY1" fmla="*/ 0 h 582145"/>
+              <a:gd name="connsiteX2" fmla="*/ 2159829 w 2159832"/>
+              <a:gd name="connsiteY2" fmla="*/ 96526 h 582145"/>
+              <a:gd name="connsiteX3" fmla="*/ 2142503 w 2159832"/>
+              <a:gd name="connsiteY3" fmla="*/ 571500 h 582145"/>
+              <a:gd name="connsiteX4" fmla="*/ 2050917 w 2159832"/>
+              <a:gd name="connsiteY4" fmla="*/ 582088 h 582145"/>
+              <a:gd name="connsiteX5" fmla="*/ 0 w 2159832"/>
+              <a:gd name="connsiteY5" fmla="*/ 571500 h 582145"/>
+              <a:gd name="connsiteX6" fmla="*/ 0 w 2159832"/>
+              <a:gd name="connsiteY6" fmla="*/ 0 h 582145"/>
+              <a:gd name="connsiteX0" fmla="*/ 0 w 2159832"/>
+              <a:gd name="connsiteY0" fmla="*/ 12386 h 594531"/>
+              <a:gd name="connsiteX1" fmla="*/ 67826 w 2159832"/>
+              <a:gd name="connsiteY1" fmla="*/ 0 h 594531"/>
+              <a:gd name="connsiteX2" fmla="*/ 2142503 w 2159832"/>
+              <a:gd name="connsiteY2" fmla="*/ 12386 h 594531"/>
+              <a:gd name="connsiteX3" fmla="*/ 2159829 w 2159832"/>
+              <a:gd name="connsiteY3" fmla="*/ 108912 h 594531"/>
+              <a:gd name="connsiteX4" fmla="*/ 2142503 w 2159832"/>
+              <a:gd name="connsiteY4" fmla="*/ 583886 h 594531"/>
+              <a:gd name="connsiteX5" fmla="*/ 2050917 w 2159832"/>
+              <a:gd name="connsiteY5" fmla="*/ 594474 h 594531"/>
+              <a:gd name="connsiteX6" fmla="*/ 0 w 2159832"/>
+              <a:gd name="connsiteY6" fmla="*/ 583886 h 594531"/>
+              <a:gd name="connsiteX7" fmla="*/ 0 w 2159832"/>
+              <a:gd name="connsiteY7" fmla="*/ 12386 h 594531"/>
+              <a:gd name="connsiteX0" fmla="*/ 0 w 2168908"/>
+              <a:gd name="connsiteY0" fmla="*/ 26000 h 594531"/>
+              <a:gd name="connsiteX1" fmla="*/ 76902 w 2168908"/>
+              <a:gd name="connsiteY1" fmla="*/ 0 h 594531"/>
+              <a:gd name="connsiteX2" fmla="*/ 2151579 w 2168908"/>
+              <a:gd name="connsiteY2" fmla="*/ 12386 h 594531"/>
+              <a:gd name="connsiteX3" fmla="*/ 2168905 w 2168908"/>
+              <a:gd name="connsiteY3" fmla="*/ 108912 h 594531"/>
+              <a:gd name="connsiteX4" fmla="*/ 2151579 w 2168908"/>
+              <a:gd name="connsiteY4" fmla="*/ 583886 h 594531"/>
+              <a:gd name="connsiteX5" fmla="*/ 2059993 w 2168908"/>
+              <a:gd name="connsiteY5" fmla="*/ 594474 h 594531"/>
+              <a:gd name="connsiteX6" fmla="*/ 9076 w 2168908"/>
+              <a:gd name="connsiteY6" fmla="*/ 583886 h 594531"/>
+              <a:gd name="connsiteX7" fmla="*/ 0 w 2168908"/>
+              <a:gd name="connsiteY7" fmla="*/ 26000 h 594531"/>
+              <a:gd name="connsiteX0" fmla="*/ 5393 w 2174301"/>
+              <a:gd name="connsiteY0" fmla="*/ 26000 h 594531"/>
+              <a:gd name="connsiteX1" fmla="*/ 82295 w 2174301"/>
+              <a:gd name="connsiteY1" fmla="*/ 0 h 594531"/>
+              <a:gd name="connsiteX2" fmla="*/ 2156972 w 2174301"/>
+              <a:gd name="connsiteY2" fmla="*/ 12386 h 594531"/>
+              <a:gd name="connsiteX3" fmla="*/ 2174298 w 2174301"/>
+              <a:gd name="connsiteY3" fmla="*/ 108912 h 594531"/>
+              <a:gd name="connsiteX4" fmla="*/ 2156972 w 2174301"/>
+              <a:gd name="connsiteY4" fmla="*/ 583886 h 594531"/>
+              <a:gd name="connsiteX5" fmla="*/ 2065386 w 2174301"/>
+              <a:gd name="connsiteY5" fmla="*/ 594474 h 594531"/>
+              <a:gd name="connsiteX6" fmla="*/ 14469 w 2174301"/>
+              <a:gd name="connsiteY6" fmla="*/ 583886 h 594531"/>
+              <a:gd name="connsiteX7" fmla="*/ 5393 w 2174301"/>
+              <a:gd name="connsiteY7" fmla="*/ 26000 h 594531"/>
+              <a:gd name="connsiteX0" fmla="*/ 5393 w 2174301"/>
+              <a:gd name="connsiteY0" fmla="*/ 26000 h 594531"/>
+              <a:gd name="connsiteX1" fmla="*/ 82295 w 2174301"/>
+              <a:gd name="connsiteY1" fmla="*/ 0 h 594531"/>
+              <a:gd name="connsiteX2" fmla="*/ 2156972 w 2174301"/>
+              <a:gd name="connsiteY2" fmla="*/ 12386 h 594531"/>
+              <a:gd name="connsiteX3" fmla="*/ 2174298 w 2174301"/>
+              <a:gd name="connsiteY3" fmla="*/ 108912 h 594531"/>
+              <a:gd name="connsiteX4" fmla="*/ 2156972 w 2174301"/>
+              <a:gd name="connsiteY4" fmla="*/ 583886 h 594531"/>
+              <a:gd name="connsiteX5" fmla="*/ 2065386 w 2174301"/>
+              <a:gd name="connsiteY5" fmla="*/ 594474 h 594531"/>
+              <a:gd name="connsiteX6" fmla="*/ 14469 w 2174301"/>
+              <a:gd name="connsiteY6" fmla="*/ 583886 h 594531"/>
+              <a:gd name="connsiteX7" fmla="*/ 5393 w 2174301"/>
+              <a:gd name="connsiteY7" fmla="*/ 26000 h 594531"/>
+              <a:gd name="connsiteX0" fmla="*/ 5393 w 2174301"/>
+              <a:gd name="connsiteY0" fmla="*/ 26000 h 594531"/>
+              <a:gd name="connsiteX1" fmla="*/ 82295 w 2174301"/>
+              <a:gd name="connsiteY1" fmla="*/ 0 h 594531"/>
+              <a:gd name="connsiteX2" fmla="*/ 2156972 w 2174301"/>
+              <a:gd name="connsiteY2" fmla="*/ 12386 h 594531"/>
+              <a:gd name="connsiteX3" fmla="*/ 2174298 w 2174301"/>
+              <a:gd name="connsiteY3" fmla="*/ 108912 h 594531"/>
+              <a:gd name="connsiteX4" fmla="*/ 2156972 w 2174301"/>
+              <a:gd name="connsiteY4" fmla="*/ 583886 h 594531"/>
+              <a:gd name="connsiteX5" fmla="*/ 2065386 w 2174301"/>
+              <a:gd name="connsiteY5" fmla="*/ 594474 h 594531"/>
+              <a:gd name="connsiteX6" fmla="*/ 14469 w 2174301"/>
+              <a:gd name="connsiteY6" fmla="*/ 583886 h 594531"/>
+              <a:gd name="connsiteX7" fmla="*/ 5393 w 2174301"/>
+              <a:gd name="connsiteY7" fmla="*/ 26000 h 594531"/>
+              <a:gd name="connsiteX0" fmla="*/ 5393 w 2174301"/>
+              <a:gd name="connsiteY0" fmla="*/ 26000 h 594531"/>
+              <a:gd name="connsiteX1" fmla="*/ 82295 w 2174301"/>
+              <a:gd name="connsiteY1" fmla="*/ 0 h 594531"/>
+              <a:gd name="connsiteX2" fmla="*/ 2156972 w 2174301"/>
+              <a:gd name="connsiteY2" fmla="*/ 12386 h 594531"/>
+              <a:gd name="connsiteX3" fmla="*/ 2174298 w 2174301"/>
+              <a:gd name="connsiteY3" fmla="*/ 108912 h 594531"/>
+              <a:gd name="connsiteX4" fmla="*/ 2156972 w 2174301"/>
+              <a:gd name="connsiteY4" fmla="*/ 583886 h 594531"/>
+              <a:gd name="connsiteX5" fmla="*/ 2065386 w 2174301"/>
+              <a:gd name="connsiteY5" fmla="*/ 594474 h 594531"/>
+              <a:gd name="connsiteX6" fmla="*/ 14469 w 2174301"/>
+              <a:gd name="connsiteY6" fmla="*/ 583886 h 594531"/>
+              <a:gd name="connsiteX7" fmla="*/ 5393 w 2174301"/>
+              <a:gd name="connsiteY7" fmla="*/ 26000 h 594531"/>
+              <a:gd name="connsiteX0" fmla="*/ 147197 w 2316105"/>
+              <a:gd name="connsiteY0" fmla="*/ 26000 h 594531"/>
+              <a:gd name="connsiteX1" fmla="*/ 224099 w 2316105"/>
+              <a:gd name="connsiteY1" fmla="*/ 0 h 594531"/>
+              <a:gd name="connsiteX2" fmla="*/ 2298776 w 2316105"/>
+              <a:gd name="connsiteY2" fmla="*/ 12386 h 594531"/>
+              <a:gd name="connsiteX3" fmla="*/ 2316102 w 2316105"/>
+              <a:gd name="connsiteY3" fmla="*/ 108912 h 594531"/>
+              <a:gd name="connsiteX4" fmla="*/ 2298776 w 2316105"/>
+              <a:gd name="connsiteY4" fmla="*/ 583886 h 594531"/>
+              <a:gd name="connsiteX5" fmla="*/ 2207190 w 2316105"/>
+              <a:gd name="connsiteY5" fmla="*/ 594474 h 594531"/>
+              <a:gd name="connsiteX6" fmla="*/ 156273 w 2316105"/>
+              <a:gd name="connsiteY6" fmla="*/ 583886 h 594531"/>
+              <a:gd name="connsiteX7" fmla="*/ 142416 w 2316105"/>
+              <a:gd name="connsiteY7" fmla="*/ 235975 h 594531"/>
+              <a:gd name="connsiteX8" fmla="*/ 147197 w 2316105"/>
+              <a:gd name="connsiteY8" fmla="*/ 26000 h 594531"/>
+              <a:gd name="connsiteX0" fmla="*/ 154684 w 2323592"/>
+              <a:gd name="connsiteY0" fmla="*/ 26000 h 594531"/>
+              <a:gd name="connsiteX1" fmla="*/ 231586 w 2323592"/>
+              <a:gd name="connsiteY1" fmla="*/ 0 h 594531"/>
+              <a:gd name="connsiteX2" fmla="*/ 2306263 w 2323592"/>
+              <a:gd name="connsiteY2" fmla="*/ 12386 h 594531"/>
+              <a:gd name="connsiteX3" fmla="*/ 2323589 w 2323592"/>
+              <a:gd name="connsiteY3" fmla="*/ 108912 h 594531"/>
+              <a:gd name="connsiteX4" fmla="*/ 2306263 w 2323592"/>
+              <a:gd name="connsiteY4" fmla="*/ 583886 h 594531"/>
+              <a:gd name="connsiteX5" fmla="*/ 2214677 w 2323592"/>
+              <a:gd name="connsiteY5" fmla="*/ 594474 h 594531"/>
+              <a:gd name="connsiteX6" fmla="*/ 163760 w 2323592"/>
+              <a:gd name="connsiteY6" fmla="*/ 583886 h 594531"/>
+              <a:gd name="connsiteX7" fmla="*/ 158979 w 2323592"/>
+              <a:gd name="connsiteY7" fmla="*/ 403879 h 594531"/>
+              <a:gd name="connsiteX8" fmla="*/ 149903 w 2323592"/>
+              <a:gd name="connsiteY8" fmla="*/ 235975 h 594531"/>
+              <a:gd name="connsiteX9" fmla="*/ 154684 w 2323592"/>
+              <a:gd name="connsiteY9" fmla="*/ 26000 h 594531"/>
+              <a:gd name="connsiteX0" fmla="*/ 13665 w 2182573"/>
+              <a:gd name="connsiteY0" fmla="*/ 26000 h 594531"/>
+              <a:gd name="connsiteX1" fmla="*/ 90567 w 2182573"/>
+              <a:gd name="connsiteY1" fmla="*/ 0 h 594531"/>
+              <a:gd name="connsiteX2" fmla="*/ 2165244 w 2182573"/>
+              <a:gd name="connsiteY2" fmla="*/ 12386 h 594531"/>
+              <a:gd name="connsiteX3" fmla="*/ 2182570 w 2182573"/>
+              <a:gd name="connsiteY3" fmla="*/ 108912 h 594531"/>
+              <a:gd name="connsiteX4" fmla="*/ 2165244 w 2182573"/>
+              <a:gd name="connsiteY4" fmla="*/ 583886 h 594531"/>
+              <a:gd name="connsiteX5" fmla="*/ 2073658 w 2182573"/>
+              <a:gd name="connsiteY5" fmla="*/ 594474 h 594531"/>
+              <a:gd name="connsiteX6" fmla="*/ 22741 w 2182573"/>
+              <a:gd name="connsiteY6" fmla="*/ 583886 h 594531"/>
+              <a:gd name="connsiteX7" fmla="*/ 17960 w 2182573"/>
+              <a:gd name="connsiteY7" fmla="*/ 403879 h 594531"/>
+              <a:gd name="connsiteX8" fmla="*/ 8884 w 2182573"/>
+              <a:gd name="connsiteY8" fmla="*/ 235975 h 594531"/>
+              <a:gd name="connsiteX9" fmla="*/ 13665 w 2182573"/>
+              <a:gd name="connsiteY9" fmla="*/ 26000 h 594531"/>
+              <a:gd name="connsiteX0" fmla="*/ 13665 w 2202120"/>
+              <a:gd name="connsiteY0" fmla="*/ 26000 h 594531"/>
+              <a:gd name="connsiteX1" fmla="*/ 90567 w 2202120"/>
+              <a:gd name="connsiteY1" fmla="*/ 0 h 594531"/>
+              <a:gd name="connsiteX2" fmla="*/ 2165244 w 2202120"/>
+              <a:gd name="connsiteY2" fmla="*/ 12386 h 594531"/>
+              <a:gd name="connsiteX3" fmla="*/ 2182570 w 2202120"/>
+              <a:gd name="connsiteY3" fmla="*/ 108912 h 594531"/>
+              <a:gd name="connsiteX4" fmla="*/ 2192471 w 2202120"/>
+              <a:gd name="connsiteY4" fmla="*/ 583886 h 594531"/>
+              <a:gd name="connsiteX5" fmla="*/ 2073658 w 2202120"/>
+              <a:gd name="connsiteY5" fmla="*/ 594474 h 594531"/>
+              <a:gd name="connsiteX6" fmla="*/ 22741 w 2202120"/>
+              <a:gd name="connsiteY6" fmla="*/ 583886 h 594531"/>
+              <a:gd name="connsiteX7" fmla="*/ 17960 w 2202120"/>
+              <a:gd name="connsiteY7" fmla="*/ 403879 h 594531"/>
+              <a:gd name="connsiteX8" fmla="*/ 8884 w 2202120"/>
+              <a:gd name="connsiteY8" fmla="*/ 235975 h 594531"/>
+              <a:gd name="connsiteX9" fmla="*/ 13665 w 2202120"/>
+              <a:gd name="connsiteY9" fmla="*/ 26000 h 594531"/>
+              <a:gd name="connsiteX0" fmla="*/ 13665 w 2202036"/>
+              <a:gd name="connsiteY0" fmla="*/ 26000 h 594531"/>
+              <a:gd name="connsiteX1" fmla="*/ 90567 w 2202036"/>
+              <a:gd name="connsiteY1" fmla="*/ 0 h 594531"/>
+              <a:gd name="connsiteX2" fmla="*/ 2165244 w 2202036"/>
+              <a:gd name="connsiteY2" fmla="*/ 12386 h 594531"/>
+              <a:gd name="connsiteX3" fmla="*/ 2182570 w 2202036"/>
+              <a:gd name="connsiteY3" fmla="*/ 108912 h 594531"/>
+              <a:gd name="connsiteX4" fmla="*/ 2191645 w 2202036"/>
+              <a:gd name="connsiteY4" fmla="*/ 422031 h 594531"/>
+              <a:gd name="connsiteX5" fmla="*/ 2192471 w 2202036"/>
+              <a:gd name="connsiteY5" fmla="*/ 583886 h 594531"/>
+              <a:gd name="connsiteX6" fmla="*/ 2073658 w 2202036"/>
+              <a:gd name="connsiteY6" fmla="*/ 594474 h 594531"/>
+              <a:gd name="connsiteX7" fmla="*/ 22741 w 2202036"/>
+              <a:gd name="connsiteY7" fmla="*/ 583886 h 594531"/>
+              <a:gd name="connsiteX8" fmla="*/ 17960 w 2202036"/>
+              <a:gd name="connsiteY8" fmla="*/ 403879 h 594531"/>
+              <a:gd name="connsiteX9" fmla="*/ 8884 w 2202036"/>
+              <a:gd name="connsiteY9" fmla="*/ 235975 h 594531"/>
+              <a:gd name="connsiteX10" fmla="*/ 13665 w 2202036"/>
+              <a:gd name="connsiteY10" fmla="*/ 26000 h 594531"/>
+              <a:gd name="connsiteX0" fmla="*/ 142254 w 2330625"/>
+              <a:gd name="connsiteY0" fmla="*/ 26000 h 594531"/>
+              <a:gd name="connsiteX1" fmla="*/ 219156 w 2330625"/>
+              <a:gd name="connsiteY1" fmla="*/ 0 h 594531"/>
+              <a:gd name="connsiteX2" fmla="*/ 2293833 w 2330625"/>
+              <a:gd name="connsiteY2" fmla="*/ 12386 h 594531"/>
+              <a:gd name="connsiteX3" fmla="*/ 2311159 w 2330625"/>
+              <a:gd name="connsiteY3" fmla="*/ 108912 h 594531"/>
+              <a:gd name="connsiteX4" fmla="*/ 2320234 w 2330625"/>
+              <a:gd name="connsiteY4" fmla="*/ 422031 h 594531"/>
+              <a:gd name="connsiteX5" fmla="*/ 2321060 w 2330625"/>
+              <a:gd name="connsiteY5" fmla="*/ 583886 h 594531"/>
+              <a:gd name="connsiteX6" fmla="*/ 2202247 w 2330625"/>
+              <a:gd name="connsiteY6" fmla="*/ 594474 h 594531"/>
+              <a:gd name="connsiteX7" fmla="*/ 151330 w 2330625"/>
+              <a:gd name="connsiteY7" fmla="*/ 583886 h 594531"/>
+              <a:gd name="connsiteX8" fmla="*/ 155624 w 2330625"/>
+              <a:gd name="connsiteY8" fmla="*/ 512790 h 594531"/>
+              <a:gd name="connsiteX9" fmla="*/ 146549 w 2330625"/>
+              <a:gd name="connsiteY9" fmla="*/ 403879 h 594531"/>
+              <a:gd name="connsiteX10" fmla="*/ 137473 w 2330625"/>
+              <a:gd name="connsiteY10" fmla="*/ 235975 h 594531"/>
+              <a:gd name="connsiteX11" fmla="*/ 142254 w 2330625"/>
+              <a:gd name="connsiteY11" fmla="*/ 26000 h 594531"/>
+              <a:gd name="connsiteX0" fmla="*/ 13413 w 2201784"/>
+              <a:gd name="connsiteY0" fmla="*/ 26000 h 594531"/>
+              <a:gd name="connsiteX1" fmla="*/ 90315 w 2201784"/>
+              <a:gd name="connsiteY1" fmla="*/ 0 h 594531"/>
+              <a:gd name="connsiteX2" fmla="*/ 2164992 w 2201784"/>
+              <a:gd name="connsiteY2" fmla="*/ 12386 h 594531"/>
+              <a:gd name="connsiteX3" fmla="*/ 2182318 w 2201784"/>
+              <a:gd name="connsiteY3" fmla="*/ 108912 h 594531"/>
+              <a:gd name="connsiteX4" fmla="*/ 2191393 w 2201784"/>
+              <a:gd name="connsiteY4" fmla="*/ 422031 h 594531"/>
+              <a:gd name="connsiteX5" fmla="*/ 2192219 w 2201784"/>
+              <a:gd name="connsiteY5" fmla="*/ 583886 h 594531"/>
+              <a:gd name="connsiteX6" fmla="*/ 2073406 w 2201784"/>
+              <a:gd name="connsiteY6" fmla="*/ 594474 h 594531"/>
+              <a:gd name="connsiteX7" fmla="*/ 22489 w 2201784"/>
+              <a:gd name="connsiteY7" fmla="*/ 583886 h 594531"/>
+              <a:gd name="connsiteX8" fmla="*/ 26783 w 2201784"/>
+              <a:gd name="connsiteY8" fmla="*/ 512790 h 594531"/>
+              <a:gd name="connsiteX9" fmla="*/ 17708 w 2201784"/>
+              <a:gd name="connsiteY9" fmla="*/ 403879 h 594531"/>
+              <a:gd name="connsiteX10" fmla="*/ 8632 w 2201784"/>
+              <a:gd name="connsiteY10" fmla="*/ 235975 h 594531"/>
+              <a:gd name="connsiteX11" fmla="*/ 13413 w 2201784"/>
+              <a:gd name="connsiteY11" fmla="*/ 26000 h 594531"/>
+              <a:gd name="connsiteX0" fmla="*/ 13413 w 2201784"/>
+              <a:gd name="connsiteY0" fmla="*/ 26000 h 594531"/>
+              <a:gd name="connsiteX1" fmla="*/ 90315 w 2201784"/>
+              <a:gd name="connsiteY1" fmla="*/ 0 h 594531"/>
+              <a:gd name="connsiteX2" fmla="*/ 2170127 w 2201784"/>
+              <a:gd name="connsiteY2" fmla="*/ 33245 h 594531"/>
+              <a:gd name="connsiteX3" fmla="*/ 2182318 w 2201784"/>
+              <a:gd name="connsiteY3" fmla="*/ 108912 h 594531"/>
+              <a:gd name="connsiteX4" fmla="*/ 2191393 w 2201784"/>
+              <a:gd name="connsiteY4" fmla="*/ 422031 h 594531"/>
+              <a:gd name="connsiteX5" fmla="*/ 2192219 w 2201784"/>
+              <a:gd name="connsiteY5" fmla="*/ 583886 h 594531"/>
+              <a:gd name="connsiteX6" fmla="*/ 2073406 w 2201784"/>
+              <a:gd name="connsiteY6" fmla="*/ 594474 h 594531"/>
+              <a:gd name="connsiteX7" fmla="*/ 22489 w 2201784"/>
+              <a:gd name="connsiteY7" fmla="*/ 583886 h 594531"/>
+              <a:gd name="connsiteX8" fmla="*/ 26783 w 2201784"/>
+              <a:gd name="connsiteY8" fmla="*/ 512790 h 594531"/>
+              <a:gd name="connsiteX9" fmla="*/ 17708 w 2201784"/>
+              <a:gd name="connsiteY9" fmla="*/ 403879 h 594531"/>
+              <a:gd name="connsiteX10" fmla="*/ 8632 w 2201784"/>
+              <a:gd name="connsiteY10" fmla="*/ 235975 h 594531"/>
+              <a:gd name="connsiteX11" fmla="*/ 13413 w 2201784"/>
+              <a:gd name="connsiteY11" fmla="*/ 26000 h 594531"/>
+              <a:gd name="connsiteX0" fmla="*/ 13413 w 2201784"/>
+              <a:gd name="connsiteY0" fmla="*/ 26000 h 594531"/>
+              <a:gd name="connsiteX1" fmla="*/ 90315 w 2201784"/>
+              <a:gd name="connsiteY1" fmla="*/ 0 h 594531"/>
+              <a:gd name="connsiteX2" fmla="*/ 2170127 w 2201784"/>
+              <a:gd name="connsiteY2" fmla="*/ 33245 h 594531"/>
+              <a:gd name="connsiteX3" fmla="*/ 2182318 w 2201784"/>
+              <a:gd name="connsiteY3" fmla="*/ 108912 h 594531"/>
+              <a:gd name="connsiteX4" fmla="*/ 2191393 w 2201784"/>
+              <a:gd name="connsiteY4" fmla="*/ 422031 h 594531"/>
+              <a:gd name="connsiteX5" fmla="*/ 2192219 w 2201784"/>
+              <a:gd name="connsiteY5" fmla="*/ 583886 h 594531"/>
+              <a:gd name="connsiteX6" fmla="*/ 2073406 w 2201784"/>
+              <a:gd name="connsiteY6" fmla="*/ 594474 h 594531"/>
+              <a:gd name="connsiteX7" fmla="*/ 22489 w 2201784"/>
+              <a:gd name="connsiteY7" fmla="*/ 583886 h 594531"/>
+              <a:gd name="connsiteX8" fmla="*/ 26783 w 2201784"/>
+              <a:gd name="connsiteY8" fmla="*/ 512790 h 594531"/>
+              <a:gd name="connsiteX9" fmla="*/ 17708 w 2201784"/>
+              <a:gd name="connsiteY9" fmla="*/ 403879 h 594531"/>
+              <a:gd name="connsiteX10" fmla="*/ 8632 w 2201784"/>
+              <a:gd name="connsiteY10" fmla="*/ 235975 h 594531"/>
+              <a:gd name="connsiteX11" fmla="*/ 13413 w 2201784"/>
+              <a:gd name="connsiteY11" fmla="*/ 26000 h 594531"/>
+            </a:gdLst>
+            <a:ahLst/>
+            <a:cxnLst>
+              <a:cxn ang="0">
+                <a:pos x="connsiteX0" y="connsiteY0"/>
+              </a:cxn>
+              <a:cxn ang="0">
+                <a:pos x="connsiteX1" y="connsiteY1"/>
+              </a:cxn>
+              <a:cxn ang="0">
+                <a:pos x="connsiteX2" y="connsiteY2"/>
+              </a:cxn>
+              <a:cxn ang="0">
+                <a:pos x="connsiteX3" y="connsiteY3"/>
+              </a:cxn>
+              <a:cxn ang="0">
+                <a:pos x="connsiteX4" y="connsiteY4"/>
+              </a:cxn>
+              <a:cxn ang="0">
+                <a:pos x="connsiteX5" y="connsiteY5"/>
+              </a:cxn>
+              <a:cxn ang="0">
+                <a:pos x="connsiteX6" y="connsiteY6"/>
+              </a:cxn>
+              <a:cxn ang="0">
+                <a:pos x="connsiteX7" y="connsiteY7"/>
+              </a:cxn>
+              <a:cxn ang="0">
+                <a:pos x="connsiteX8" y="connsiteY8"/>
+              </a:cxn>
+              <a:cxn ang="0">
+                <a:pos x="connsiteX9" y="connsiteY9"/>
+              </a:cxn>
+              <a:cxn ang="0">
+                <a:pos x="connsiteX10" y="connsiteY10"/>
+              </a:cxn>
+              <a:cxn ang="0">
+                <a:pos x="connsiteX11" y="connsiteY11"/>
+              </a:cxn>
+            </a:cxnLst>
+            <a:rect l="l" t="t" r="r" b="b"/>
+            <a:pathLst>
+              <a:path w="2201784" h="594531">
+                <a:moveTo>
+                  <a:pt x="13413" y="26000"/>
+                </a:moveTo>
+                <a:cubicBezTo>
+                  <a:pt x="37534" y="24897"/>
+                  <a:pt x="66194" y="1103"/>
+                  <a:pt x="90315" y="0"/>
+                </a:cubicBezTo>
+                <a:cubicBezTo>
+                  <a:pt x="781874" y="4129"/>
+                  <a:pt x="1607589" y="24681"/>
+                  <a:pt x="2170127" y="33245"/>
+                </a:cubicBezTo>
+                <a:cubicBezTo>
+                  <a:pt x="2169852" y="63908"/>
+                  <a:pt x="2182593" y="78249"/>
+                  <a:pt x="2182318" y="108912"/>
+                </a:cubicBezTo>
+                <a:cubicBezTo>
+                  <a:pt x="2188231" y="177186"/>
+                  <a:pt x="2189743" y="342869"/>
+                  <a:pt x="2191393" y="422031"/>
+                </a:cubicBezTo>
+                <a:cubicBezTo>
+                  <a:pt x="2193043" y="501193"/>
+                  <a:pt x="2213396" y="555146"/>
+                  <a:pt x="2192219" y="583886"/>
+                </a:cubicBezTo>
+                <a:cubicBezTo>
+                  <a:pt x="2172279" y="582877"/>
+                  <a:pt x="2093346" y="595483"/>
+                  <a:pt x="2073406" y="594474"/>
+                </a:cubicBezTo>
+                <a:lnTo>
+                  <a:pt x="22489" y="583886"/>
+                </a:lnTo>
+                <a:cubicBezTo>
+                  <a:pt x="5849" y="592962"/>
+                  <a:pt x="27580" y="542791"/>
+                  <a:pt x="26783" y="512790"/>
+                </a:cubicBezTo>
+                <a:cubicBezTo>
+                  <a:pt x="25986" y="482789"/>
+                  <a:pt x="18464" y="450015"/>
+                  <a:pt x="17708" y="403879"/>
+                </a:cubicBezTo>
+                <a:cubicBezTo>
+                  <a:pt x="16952" y="357743"/>
+                  <a:pt x="-14855" y="308787"/>
+                  <a:pt x="8632" y="235975"/>
+                </a:cubicBezTo>
+                <a:cubicBezTo>
+                  <a:pt x="7119" y="142994"/>
+                  <a:pt x="-201" y="65329"/>
+                  <a:pt x="13413" y="26000"/>
+                </a:cubicBezTo>
+                <a:close/>
+              </a:path>
+            </a:pathLst>
+          </a:custGeom>
+          <a:solidFill>
+            <a:srgbClr val="D9D4D0">
+              <a:alpha val="35000"/>
+            </a:srgbClr>
+          </a:solidFill>
+          <a:ln>
+            <a:noFill/>
+          </a:ln>
+          <a:effectLst>
+            <a:softEdge rad="6350"/>
+          </a:effectLst>
+        </p:spPr>
+        <p:style>
+          <a:lnRef idx="2">
+            <a:schemeClr val="accent1">
+              <a:shade val="50000"/>
+            </a:schemeClr>
+          </a:lnRef>
+          <a:fillRef idx="1">
+            <a:schemeClr val="accent1"/>
+          </a:fillRef>
+          <a:effectRef idx="0">
+            <a:schemeClr val="accent1"/>
+          </a:effectRef>
+          <a:fontRef idx="minor">
+            <a:schemeClr val="lt1"/>
+          </a:fontRef>
+        </p:style>
+        <p:txBody>
+          <a:bodyPr rtlCol="0" anchor="ctr"/>
+          <a:lstStyle/>
+          <a:p>
+            <a:pPr algn="ctr"/>
+            <a:endParaRPr lang="en-US" dirty="0"/>
+          </a:p>
+        </p:txBody>
+      </p:sp>
+      <p:sp>
+        <p:nvSpPr>
+          <p:cNvPr id="3" name="Text Placeholder 2">
+            <a:extLst>
+              <a:ext uri="{FF2B5EF4-FFF2-40B4-BE49-F238E27FC236}">
+                <a16:creationId xmlns:a16="http://schemas.microsoft.com/office/drawing/2014/main" id="{BA1593EF-87D1-555A-F1C1-28FE1794E198}"/>
+              </a:ext>
+            </a:extLst>
+          </p:cNvPr>
+          <p:cNvSpPr>
+            <a:spLocks noGrp="1"/>
+          </p:cNvSpPr>
+          <p:nvPr>
+            <p:ph type="body" idx="1"/>
+          </p:nvPr>
+        </p:nvSpPr>
+        <p:spPr>
+          <a:xfrm>
+            <a:off x="6074795" y="1168843"/>
+            <a:ext cx="5146913" cy="4564048"/>
+          </a:xfrm>
+        </p:spPr>
+        <p:txBody>
+          <a:bodyPr vert="horz" lIns="91440" tIns="45720" rIns="91440" bIns="45720" rtlCol="0" anchor="ctr">
+            <a:normAutofit/>
+          </a:bodyPr>
+          <a:lstStyle/>
+          <a:p>
+            <a:pPr indent="-228600">
+              <a:spcAft>
+                <a:spcPts val="600"/>
+              </a:spcAft>
+              <a:buFont typeface="Arial" panose="020B0604020202020204" pitchFamily="34" charset="0"/>
+              <a:buChar char="•"/>
+            </a:pPr>
+            <a:r>
+              <a:rPr lang="en-US" sz="1400" b="1" i="0" dirty="0">
+                <a:solidFill>
+                  <a:schemeClr val="tx1">
+                    <a:lumMod val="85000"/>
+                    <a:lumOff val="15000"/>
+                  </a:schemeClr>
+                </a:solidFill>
+                <a:effectLst/>
+              </a:rPr>
+              <a:t>Overview:</a:t>
+            </a:r>
+            <a:endParaRPr lang="en-US" sz="1400" b="0" i="0" dirty="0">
+              <a:solidFill>
+                <a:schemeClr val="tx1">
+                  <a:lumMod val="85000"/>
+                  <a:lumOff val="15000"/>
+                </a:schemeClr>
+              </a:solidFill>
+              <a:effectLst/>
+            </a:endParaRPr>
+          </a:p>
+          <a:p>
+            <a:pPr marL="742950" lvl="1" indent="-228600">
+              <a:spcAft>
+                <a:spcPts val="600"/>
+              </a:spcAft>
+              <a:buFont typeface="Arial" panose="020B0604020202020204" pitchFamily="34" charset="0"/>
+              <a:buChar char="•"/>
+            </a:pPr>
+            <a:r>
+              <a:rPr lang="en-US" sz="1400" b="0" i="0" dirty="0">
+                <a:solidFill>
+                  <a:schemeClr val="tx1">
+                    <a:lumMod val="85000"/>
+                    <a:lumOff val="15000"/>
+                  </a:schemeClr>
+                </a:solidFill>
+                <a:effectLst/>
+              </a:rPr>
+              <a:t>Primarily focuses on billing and cost management aspects within AWS Organizations.</a:t>
+            </a:r>
+          </a:p>
+          <a:p>
+            <a:pPr marL="742950" lvl="1" indent="-228600">
+              <a:spcAft>
+                <a:spcPts val="600"/>
+              </a:spcAft>
+              <a:buFont typeface="Arial" panose="020B0604020202020204" pitchFamily="34" charset="0"/>
+              <a:buChar char="•"/>
+            </a:pPr>
+            <a:r>
+              <a:rPr lang="en-US" sz="1400" b="0" i="0" dirty="0">
+                <a:solidFill>
+                  <a:schemeClr val="tx1">
+                    <a:lumMod val="85000"/>
+                    <a:lumOff val="15000"/>
+                  </a:schemeClr>
+                </a:solidFill>
+                <a:effectLst/>
+              </a:rPr>
+              <a:t>Streamlines the financial aspects of managing multiple AWS accounts.</a:t>
+            </a:r>
+          </a:p>
+          <a:p>
+            <a:pPr indent="-228600">
+              <a:spcAft>
+                <a:spcPts val="600"/>
+              </a:spcAft>
+              <a:buFont typeface="Arial" panose="020B0604020202020204" pitchFamily="34" charset="0"/>
+              <a:buChar char="•"/>
+            </a:pPr>
+            <a:r>
+              <a:rPr lang="en-US" sz="1400" b="1" i="0" dirty="0">
+                <a:solidFill>
+                  <a:schemeClr val="tx1">
+                    <a:lumMod val="85000"/>
+                    <a:lumOff val="15000"/>
+                  </a:schemeClr>
+                </a:solidFill>
+                <a:effectLst/>
+              </a:rPr>
+              <a:t>Key Features:</a:t>
+            </a:r>
+            <a:endParaRPr lang="en-US" sz="1400" b="0" i="0" dirty="0">
+              <a:solidFill>
+                <a:schemeClr val="tx1">
+                  <a:lumMod val="85000"/>
+                  <a:lumOff val="15000"/>
+                </a:schemeClr>
+              </a:solidFill>
+              <a:effectLst/>
+            </a:endParaRPr>
+          </a:p>
+          <a:p>
+            <a:pPr marL="742950" lvl="1" indent="-228600">
+              <a:spcAft>
+                <a:spcPts val="600"/>
+              </a:spcAft>
+              <a:buFont typeface="Arial" panose="020B0604020202020204" pitchFamily="34" charset="0"/>
+              <a:buChar char="•"/>
+            </a:pPr>
+            <a:r>
+              <a:rPr lang="en-US" sz="1400" b="1" i="0" dirty="0">
+                <a:solidFill>
+                  <a:schemeClr val="tx1">
+                    <a:lumMod val="85000"/>
+                    <a:lumOff val="15000"/>
+                  </a:schemeClr>
+                </a:solidFill>
+                <a:effectLst/>
+              </a:rPr>
+              <a:t>Single Payment:</a:t>
+            </a:r>
+            <a:r>
+              <a:rPr lang="en-US" sz="1400" b="0" i="0" dirty="0">
+                <a:solidFill>
+                  <a:schemeClr val="tx1">
+                    <a:lumMod val="85000"/>
+                    <a:lumOff val="15000"/>
+                  </a:schemeClr>
+                </a:solidFill>
+                <a:effectLst/>
+              </a:rPr>
+              <a:t> Receive a single bill for all linked AWS accounts.</a:t>
+            </a:r>
+          </a:p>
+          <a:p>
+            <a:pPr marL="742950" lvl="1" indent="-228600">
+              <a:spcAft>
+                <a:spcPts val="600"/>
+              </a:spcAft>
+              <a:buFont typeface="Arial" panose="020B0604020202020204" pitchFamily="34" charset="0"/>
+              <a:buChar char="•"/>
+            </a:pPr>
+            <a:r>
+              <a:rPr lang="en-US" sz="1400" b="1" i="0" dirty="0">
+                <a:solidFill>
+                  <a:schemeClr val="tx1">
+                    <a:lumMod val="85000"/>
+                    <a:lumOff val="15000"/>
+                  </a:schemeClr>
+                </a:solidFill>
+                <a:effectLst/>
+              </a:rPr>
+              <a:t>Cost Allocation:</a:t>
+            </a:r>
+            <a:r>
+              <a:rPr lang="en-US" sz="1400" b="0" i="0" dirty="0">
+                <a:solidFill>
+                  <a:schemeClr val="tx1">
+                    <a:lumMod val="85000"/>
+                    <a:lumOff val="15000"/>
+                  </a:schemeClr>
+                </a:solidFill>
+                <a:effectLst/>
+              </a:rPr>
+              <a:t> Gain insights into detailed cost tracking across all linked accounts.</a:t>
+            </a:r>
+          </a:p>
+          <a:p>
+            <a:pPr marL="742950" lvl="1" indent="-228600">
+              <a:spcAft>
+                <a:spcPts val="600"/>
+              </a:spcAft>
+              <a:buFont typeface="Arial" panose="020B0604020202020204" pitchFamily="34" charset="0"/>
+              <a:buChar char="•"/>
+            </a:pPr>
+            <a:r>
+              <a:rPr lang="en-US" sz="1400" b="1" i="0" dirty="0">
+                <a:solidFill>
+                  <a:schemeClr val="tx1">
+                    <a:lumMod val="85000"/>
+                    <a:lumOff val="15000"/>
+                  </a:schemeClr>
+                </a:solidFill>
+                <a:effectLst/>
+              </a:rPr>
+              <a:t>Volume Discounts:</a:t>
+            </a:r>
+            <a:r>
+              <a:rPr lang="en-US" sz="1400" b="0" i="0" dirty="0">
+                <a:solidFill>
+                  <a:schemeClr val="tx1">
+                    <a:lumMod val="85000"/>
+                    <a:lumOff val="15000"/>
+                  </a:schemeClr>
+                </a:solidFill>
+                <a:effectLst/>
+              </a:rPr>
+              <a:t> Benefit from volume discounts based on aggregate usage.</a:t>
+            </a:r>
+          </a:p>
+          <a:p>
+            <a:pPr indent="-228600">
+              <a:spcAft>
+                <a:spcPts val="600"/>
+              </a:spcAft>
+              <a:buFont typeface="Arial" panose="020B0604020202020204" pitchFamily="34" charset="0"/>
+              <a:buChar char="•"/>
+            </a:pPr>
+            <a:r>
+              <a:rPr lang="en-US" sz="1400" b="1" i="0" dirty="0">
+                <a:solidFill>
+                  <a:schemeClr val="tx1">
+                    <a:lumMod val="85000"/>
+                    <a:lumOff val="15000"/>
+                  </a:schemeClr>
+                </a:solidFill>
+                <a:effectLst/>
+              </a:rPr>
+              <a:t>Use Cases:</a:t>
+            </a:r>
+            <a:endParaRPr lang="en-US" sz="1400" b="0" i="0" dirty="0">
+              <a:solidFill>
+                <a:schemeClr val="tx1">
+                  <a:lumMod val="85000"/>
+                  <a:lumOff val="15000"/>
+                </a:schemeClr>
+              </a:solidFill>
+              <a:effectLst/>
+            </a:endParaRPr>
+          </a:p>
+          <a:p>
+            <a:pPr marL="742950" lvl="1" indent="-228600">
+              <a:spcAft>
+                <a:spcPts val="600"/>
+              </a:spcAft>
+              <a:buFont typeface="Arial" panose="020B0604020202020204" pitchFamily="34" charset="0"/>
+              <a:buChar char="•"/>
+            </a:pPr>
+            <a:r>
+              <a:rPr lang="en-US" sz="1400" b="0" i="0" dirty="0">
+                <a:solidFill>
+                  <a:schemeClr val="tx1">
+                    <a:lumMod val="85000"/>
+                    <a:lumOff val="15000"/>
+                  </a:schemeClr>
+                </a:solidFill>
+                <a:effectLst/>
+              </a:rPr>
+              <a:t>Organizations seeking a simplified billing process for multiple AWS accounts.</a:t>
+            </a:r>
+          </a:p>
+          <a:p>
+            <a:pPr marL="742950" lvl="1" indent="-228600">
+              <a:spcAft>
+                <a:spcPts val="600"/>
+              </a:spcAft>
+              <a:buFont typeface="Arial" panose="020B0604020202020204" pitchFamily="34" charset="0"/>
+              <a:buChar char="•"/>
+            </a:pPr>
+            <a:r>
+              <a:rPr lang="en-US" sz="1400" b="0" i="0" dirty="0">
+                <a:solidFill>
+                  <a:schemeClr val="tx1">
+                    <a:lumMod val="85000"/>
+                    <a:lumOff val="15000"/>
+                  </a:schemeClr>
+                </a:solidFill>
+                <a:effectLst/>
+              </a:rPr>
+              <a:t>Emphasis on cost visibility and cost management.</a:t>
+            </a:r>
+            <a:endParaRPr lang="en-US" sz="1400" dirty="0">
+              <a:solidFill>
+                <a:schemeClr val="tx1">
+                  <a:lumMod val="85000"/>
+                  <a:lumOff val="15000"/>
+                </a:schemeClr>
+              </a:solidFill>
+            </a:endParaRPr>
+          </a:p>
+        </p:txBody>
+      </p:sp>
+    </p:spTree>
+    <p:extLst>
+      <p:ext uri="{BB962C8B-B14F-4D97-AF65-F5344CB8AC3E}">
+        <p14:creationId xmlns:p14="http://schemas.microsoft.com/office/powerpoint/2010/main" val="2630656675"/>
+      </p:ext>
+    </p:extLst>
+  </p:cSld>
+  <p:clrMapOvr>
+    <a:masterClrMapping/>
+  </p:clrMapOvr>
+</p:sld>
+</file>
+
+<file path=ppt/slides/slide4.xml><?xml version="1.0" encoding="utf-8"?>
+<p:sld xmlns:a="http://schemas.openxmlformats.org/drawingml/2006/main" xmlns:r="http://schemas.openxmlformats.org/officeDocument/2006/relationships" xmlns:p="http://schemas.openxmlformats.org/presentationml/2006/main">
+  <p:cSld>
+    <p:bg>
+      <p:bgPr>
+        <a:solidFill>
+          <a:schemeClr val="bg1"/>
+        </a:solidFill>
+        <a:effectLst/>
+      </p:bgPr>
+    </p:bg>
+    <p:spTree>
+      <p:nvGrpSpPr>
+        <p:cNvPr id="1" name=""/>
+        <p:cNvGrpSpPr/>
+        <p:nvPr/>
+      </p:nvGrpSpPr>
+      <p:grpSpPr>
+        <a:xfrm>
+          <a:off x="0" y="0"/>
+          <a:ext cx="0" cy="0"/>
+          <a:chOff x="0" y="0"/>
+          <a:chExt cx="0" cy="0"/>
+        </a:xfrm>
+      </p:grpSpPr>
+      <p:sp useBgFill="1">
+        <p:nvSpPr>
+          <p:cNvPr id="8" name="Rectangle 7">
+            <a:extLst>
+              <a:ext uri="{FF2B5EF4-FFF2-40B4-BE49-F238E27FC236}">
+                <a16:creationId xmlns:a16="http://schemas.microsoft.com/office/drawing/2014/main" id="{2515456E-B1B1-48C1-8164-7E567F5D40D4}"/>
+              </a:ext>
+              <a:ext uri="{C183D7F6-B498-43B3-948B-1728B52AA6E4}">
+                <adec:decorative xmlns:adec="http://schemas.microsoft.com/office/drawing/2017/decorative" val="1"/>
+              </a:ext>
+            </a:extLst>
+          </p:cNvPr>
+          <p:cNvSpPr>
+            <a:spLocks noGrp="1" noRot="1" noChangeAspect="1" noMove="1" noResize="1" noEditPoints="1" noAdjustHandles="1" noChangeArrowheads="1" noChangeShapeType="1" noTextEdit="1"/>
+          </p:cNvSpPr>
+          <p:nvPr>
+            <p:extLst>
+              <p:ext uri="{386F3935-93C4-4BCD-93E2-E3B085C9AB24}">
+                <p16:designElem xmlns:p16="http://schemas.microsoft.com/office/powerpoint/2015/main" val="1"/>
+              </p:ext>
+            </p:extLst>
+          </p:nvPr>
+        </p:nvSpPr>
+        <p:spPr>
+          <a:xfrm>
+            <a:off x="0" y="0"/>
+            <a:ext cx="12192000" cy="6858000"/>
+          </a:xfrm>
+          <a:prstGeom prst="rect">
+            <a:avLst/>
+          </a:prstGeom>
+          <a:ln w="12700" cap="flat" cmpd="sng" algn="ctr">
+            <a:noFill/>
+            <a:prstDash val="solid"/>
+            <a:miter lim="800000"/>
+          </a:ln>
+          <a:effectLst/>
+          <a:extLst>
+            <a:ext uri="{91240B29-F687-4F45-9708-019B960494DF}">
+              <a14:hiddenLine xmlns:a14="http://schemas.microsoft.com/office/drawing/2010/main" w="12700" cap="flat" cmpd="sng" algn="ctr">
+                <a:solidFill>
+                  <a:schemeClr val="accent1">
+                    <a:shade val="50000"/>
+                  </a:schemeClr>
+                </a:solidFill>
+                <a:prstDash val="solid"/>
+                <a:miter lim="800000"/>
+              </a14:hiddenLine>
+            </a:ext>
+          </a:extLst>
+        </p:spPr>
+        <p:style>
+          <a:lnRef idx="2">
+            <a:schemeClr val="accent1">
+              <a:shade val="50000"/>
+            </a:schemeClr>
+          </a:lnRef>
+          <a:fillRef idx="1">
+            <a:schemeClr val="accent1"/>
+          </a:fillRef>
+          <a:effectRef idx="0">
+            <a:schemeClr val="accent1"/>
+          </a:effectRef>
+          <a:fontRef idx="minor">
+            <a:schemeClr val="lt1"/>
+          </a:fontRef>
+        </p:style>
+        <p:txBody>
+          <a:bodyPr rtlCol="0" anchor="ctr"/>
+          <a:lstStyle/>
+          <a:p>
+            <a:pPr algn="ctr"/>
+            <a:endParaRPr lang="en-US"/>
+          </a:p>
+        </p:txBody>
+      </p:sp>
+      <p:sp>
+        <p:nvSpPr>
+          <p:cNvPr id="10" name="Freeform: Shape 9">
+            <a:extLst>
+              <a:ext uri="{FF2B5EF4-FFF2-40B4-BE49-F238E27FC236}">
+                <a16:creationId xmlns:a16="http://schemas.microsoft.com/office/drawing/2014/main" id="{5ACE1903-CB02-4CD2-9D19-41ECD819D46E}"/>
+              </a:ext>
+              <a:ext uri="{C183D7F6-B498-43B3-948B-1728B52AA6E4}">
+                <adec:decorative xmlns:adec="http://schemas.microsoft.com/office/drawing/2017/decorative" val="1"/>
+              </a:ext>
+            </a:extLst>
+          </p:cNvPr>
+          <p:cNvSpPr>
+            <a:spLocks noGrp="1" noRot="1" noChangeAspect="1" noMove="1" noResize="1" noEditPoints="1" noAdjustHandles="1" noChangeArrowheads="1" noChangeShapeType="1" noTextEdit="1"/>
+          </p:cNvSpPr>
+          <p:nvPr>
+            <p:extLst>
+              <p:ext uri="{386F3935-93C4-4BCD-93E2-E3B085C9AB24}">
+                <p16:designElem xmlns:p16="http://schemas.microsoft.com/office/powerpoint/2015/main" val="1"/>
+              </p:ext>
+            </p:extLst>
+          </p:nvPr>
+        </p:nvSpPr>
+        <p:spPr>
+          <a:xfrm>
+            <a:off x="643467" y="1168842"/>
+            <a:ext cx="4683674" cy="4564048"/>
+          </a:xfrm>
+          <a:custGeom>
+            <a:avLst/>
+            <a:gdLst>
+              <a:gd name="connsiteX0" fmla="*/ 0 w 4683674"/>
+              <a:gd name="connsiteY0" fmla="*/ 0 h 4564048"/>
+              <a:gd name="connsiteX1" fmla="*/ 4683674 w 4683674"/>
+              <a:gd name="connsiteY1" fmla="*/ 0 h 4564048"/>
+              <a:gd name="connsiteX2" fmla="*/ 4683674 w 4683674"/>
+              <a:gd name="connsiteY2" fmla="*/ 4379420 h 4564048"/>
+              <a:gd name="connsiteX3" fmla="*/ 4673671 w 4683674"/>
+              <a:gd name="connsiteY3" fmla="*/ 4378840 h 4564048"/>
+              <a:gd name="connsiteX4" fmla="*/ 4668303 w 4683674"/>
+              <a:gd name="connsiteY4" fmla="*/ 4382142 h 4564048"/>
+              <a:gd name="connsiteX5" fmla="*/ 4660562 w 4683674"/>
+              <a:gd name="connsiteY5" fmla="*/ 4374448 h 4564048"/>
+              <a:gd name="connsiteX6" fmla="*/ 4645215 w 4683674"/>
+              <a:gd name="connsiteY6" fmla="*/ 4371375 h 4564048"/>
+              <a:gd name="connsiteX7" fmla="*/ 4579761 w 4683674"/>
+              <a:gd name="connsiteY7" fmla="*/ 4375210 h 4564048"/>
+              <a:gd name="connsiteX8" fmla="*/ 4568074 w 4683674"/>
+              <a:gd name="connsiteY8" fmla="*/ 4373416 h 4564048"/>
+              <a:gd name="connsiteX9" fmla="*/ 4554149 w 4683674"/>
+              <a:gd name="connsiteY9" fmla="*/ 4378650 h 4564048"/>
+              <a:gd name="connsiteX10" fmla="*/ 4524620 w 4683674"/>
+              <a:gd name="connsiteY10" fmla="*/ 4386604 h 4564048"/>
+              <a:gd name="connsiteX11" fmla="*/ 4505841 w 4683674"/>
+              <a:gd name="connsiteY11" fmla="*/ 4396541 h 4564048"/>
+              <a:gd name="connsiteX12" fmla="*/ 4500482 w 4683674"/>
+              <a:gd name="connsiteY12" fmla="*/ 4392332 h 4564048"/>
+              <a:gd name="connsiteX13" fmla="*/ 4488387 w 4683674"/>
+              <a:gd name="connsiteY13" fmla="*/ 4390994 h 4564048"/>
+              <a:gd name="connsiteX14" fmla="*/ 4438484 w 4683674"/>
+              <a:gd name="connsiteY14" fmla="*/ 4397951 h 4564048"/>
+              <a:gd name="connsiteX15" fmla="*/ 4429332 w 4683674"/>
+              <a:gd name="connsiteY15" fmla="*/ 4397340 h 4564048"/>
+              <a:gd name="connsiteX16" fmla="*/ 4419149 w 4683674"/>
+              <a:gd name="connsiteY16" fmla="*/ 4402124 h 4564048"/>
+              <a:gd name="connsiteX17" fmla="*/ 4359785 w 4683674"/>
+              <a:gd name="connsiteY17" fmla="*/ 4430931 h 4564048"/>
+              <a:gd name="connsiteX18" fmla="*/ 4359139 w 4683674"/>
+              <a:gd name="connsiteY18" fmla="*/ 4433856 h 4564048"/>
+              <a:gd name="connsiteX19" fmla="*/ 4340592 w 4683674"/>
+              <a:gd name="connsiteY19" fmla="*/ 4436136 h 4564048"/>
+              <a:gd name="connsiteX20" fmla="*/ 4335770 w 4683674"/>
+              <a:gd name="connsiteY20" fmla="*/ 4441526 h 4564048"/>
+              <a:gd name="connsiteX21" fmla="*/ 4326252 w 4683674"/>
+              <a:gd name="connsiteY21" fmla="*/ 4443308 h 4564048"/>
+              <a:gd name="connsiteX22" fmla="*/ 4257540 w 4683674"/>
+              <a:gd name="connsiteY22" fmla="*/ 4463117 h 4564048"/>
+              <a:gd name="connsiteX23" fmla="*/ 4245512 w 4683674"/>
+              <a:gd name="connsiteY23" fmla="*/ 4464119 h 4564048"/>
+              <a:gd name="connsiteX24" fmla="*/ 4233621 w 4683674"/>
+              <a:gd name="connsiteY24" fmla="*/ 4476195 h 4564048"/>
+              <a:gd name="connsiteX25" fmla="*/ 4187084 w 4683674"/>
+              <a:gd name="connsiteY25" fmla="*/ 4481018 h 4564048"/>
+              <a:gd name="connsiteX26" fmla="*/ 4171513 w 4683674"/>
+              <a:gd name="connsiteY26" fmla="*/ 4482231 h 4564048"/>
+              <a:gd name="connsiteX27" fmla="*/ 4164564 w 4683674"/>
+              <a:gd name="connsiteY27" fmla="*/ 4483140 h 4564048"/>
+              <a:gd name="connsiteX28" fmla="*/ 4165685 w 4683674"/>
+              <a:gd name="connsiteY28" fmla="*/ 4488934 h 4564048"/>
+              <a:gd name="connsiteX29" fmla="*/ 4147125 w 4683674"/>
+              <a:gd name="connsiteY29" fmla="*/ 4493318 h 4564048"/>
+              <a:gd name="connsiteX30" fmla="*/ 4125154 w 4683674"/>
+              <a:gd name="connsiteY30" fmla="*/ 4510572 h 4564048"/>
+              <a:gd name="connsiteX31" fmla="*/ 4106103 w 4683674"/>
+              <a:gd name="connsiteY31" fmla="*/ 4523887 h 4564048"/>
+              <a:gd name="connsiteX32" fmla="*/ 4091879 w 4683674"/>
+              <a:gd name="connsiteY32" fmla="*/ 4524368 h 4564048"/>
+              <a:gd name="connsiteX33" fmla="*/ 4024147 w 4683674"/>
+              <a:gd name="connsiteY33" fmla="*/ 4533649 h 4564048"/>
+              <a:gd name="connsiteX34" fmla="*/ 4006667 w 4683674"/>
+              <a:gd name="connsiteY34" fmla="*/ 4536715 h 4564048"/>
+              <a:gd name="connsiteX35" fmla="*/ 3960069 w 4683674"/>
+              <a:gd name="connsiteY35" fmla="*/ 4538590 h 4564048"/>
+              <a:gd name="connsiteX36" fmla="*/ 3852451 w 4683674"/>
+              <a:gd name="connsiteY36" fmla="*/ 4542685 h 4564048"/>
+              <a:gd name="connsiteX37" fmla="*/ 3850255 w 4683674"/>
+              <a:gd name="connsiteY37" fmla="*/ 4545236 h 4564048"/>
+              <a:gd name="connsiteX38" fmla="*/ 3841400 w 4683674"/>
+              <a:gd name="connsiteY38" fmla="*/ 4545965 h 4564048"/>
+              <a:gd name="connsiteX39" fmla="*/ 3839247 w 4683674"/>
+              <a:gd name="connsiteY39" fmla="*/ 4546615 h 4564048"/>
+              <a:gd name="connsiteX40" fmla="*/ 3826700 w 4683674"/>
+              <a:gd name="connsiteY40" fmla="*/ 4549892 h 4564048"/>
+              <a:gd name="connsiteX41" fmla="*/ 3794865 w 4683674"/>
+              <a:gd name="connsiteY41" fmla="*/ 4545523 h 4564048"/>
+              <a:gd name="connsiteX42" fmla="*/ 3759852 w 4683674"/>
+              <a:gd name="connsiteY42" fmla="*/ 4549496 h 4564048"/>
+              <a:gd name="connsiteX43" fmla="*/ 3653239 w 4683674"/>
+              <a:gd name="connsiteY43" fmla="*/ 4549970 h 4564048"/>
+              <a:gd name="connsiteX44" fmla="*/ 3554756 w 4683674"/>
+              <a:gd name="connsiteY44" fmla="*/ 4552963 h 4564048"/>
+              <a:gd name="connsiteX45" fmla="*/ 3511343 w 4683674"/>
+              <a:gd name="connsiteY45" fmla="*/ 4552282 h 4564048"/>
+              <a:gd name="connsiteX46" fmla="*/ 3476178 w 4683674"/>
+              <a:gd name="connsiteY46" fmla="*/ 4551540 h 4564048"/>
+              <a:gd name="connsiteX47" fmla="*/ 3477650 w 4683674"/>
+              <a:gd name="connsiteY47" fmla="*/ 4558467 h 4564048"/>
+              <a:gd name="connsiteX48" fmla="*/ 3456605 w 4683674"/>
+              <a:gd name="connsiteY48" fmla="*/ 4564048 h 4564048"/>
+              <a:gd name="connsiteX49" fmla="*/ 3428916 w 4683674"/>
+              <a:gd name="connsiteY49" fmla="*/ 4551357 h 4564048"/>
+              <a:gd name="connsiteX50" fmla="*/ 3413192 w 4683674"/>
+              <a:gd name="connsiteY50" fmla="*/ 4551476 h 4564048"/>
+              <a:gd name="connsiteX51" fmla="*/ 3385609 w 4683674"/>
+              <a:gd name="connsiteY51" fmla="*/ 4555860 h 4564048"/>
+              <a:gd name="connsiteX52" fmla="*/ 3376421 w 4683674"/>
+              <a:gd name="connsiteY52" fmla="*/ 4557888 h 4564048"/>
+              <a:gd name="connsiteX53" fmla="*/ 3307414 w 4683674"/>
+              <a:gd name="connsiteY53" fmla="*/ 4543811 h 4564048"/>
+              <a:gd name="connsiteX54" fmla="*/ 3300685 w 4683674"/>
+              <a:gd name="connsiteY54" fmla="*/ 4538163 h 4564048"/>
+              <a:gd name="connsiteX55" fmla="*/ 3266080 w 4683674"/>
+              <a:gd name="connsiteY55" fmla="*/ 4535707 h 4564048"/>
+              <a:gd name="connsiteX56" fmla="*/ 3262145 w 4683674"/>
+              <a:gd name="connsiteY56" fmla="*/ 4537206 h 4564048"/>
+              <a:gd name="connsiteX57" fmla="*/ 3233468 w 4683674"/>
+              <a:gd name="connsiteY57" fmla="*/ 4528559 h 4564048"/>
+              <a:gd name="connsiteX58" fmla="*/ 3118476 w 4683674"/>
+              <a:gd name="connsiteY58" fmla="*/ 4513311 h 4564048"/>
+              <a:gd name="connsiteX59" fmla="*/ 2897364 w 4683674"/>
+              <a:gd name="connsiteY59" fmla="*/ 4505308 h 4564048"/>
+              <a:gd name="connsiteX60" fmla="*/ 2667093 w 4683674"/>
+              <a:gd name="connsiteY60" fmla="*/ 4482464 h 4564048"/>
+              <a:gd name="connsiteX61" fmla="*/ 2448752 w 4683674"/>
+              <a:gd name="connsiteY61" fmla="*/ 4491308 h 4564048"/>
+              <a:gd name="connsiteX62" fmla="*/ 2052050 w 4683674"/>
+              <a:gd name="connsiteY62" fmla="*/ 4466857 h 4564048"/>
+              <a:gd name="connsiteX63" fmla="*/ 1915952 w 4683674"/>
+              <a:gd name="connsiteY63" fmla="*/ 4464669 h 4564048"/>
+              <a:gd name="connsiteX64" fmla="*/ 1824767 w 4683674"/>
+              <a:gd name="connsiteY64" fmla="*/ 4463841 h 4564048"/>
+              <a:gd name="connsiteX65" fmla="*/ 1818446 w 4683674"/>
+              <a:gd name="connsiteY65" fmla="*/ 4466162 h 4564048"/>
+              <a:gd name="connsiteX66" fmla="*/ 1792979 w 4683674"/>
+              <a:gd name="connsiteY66" fmla="*/ 4467533 h 4564048"/>
+              <a:gd name="connsiteX67" fmla="*/ 1786007 w 4683674"/>
+              <a:gd name="connsiteY67" fmla="*/ 4477820 h 4564048"/>
+              <a:gd name="connsiteX68" fmla="*/ 1700890 w 4683674"/>
+              <a:gd name="connsiteY68" fmla="*/ 4486737 h 4564048"/>
+              <a:gd name="connsiteX69" fmla="*/ 1496036 w 4683674"/>
+              <a:gd name="connsiteY69" fmla="*/ 4490777 h 4564048"/>
+              <a:gd name="connsiteX70" fmla="*/ 1344435 w 4683674"/>
+              <a:gd name="connsiteY70" fmla="*/ 4473538 h 4564048"/>
+              <a:gd name="connsiteX71" fmla="*/ 1328066 w 4683674"/>
+              <a:gd name="connsiteY71" fmla="*/ 4473650 h 4564048"/>
+              <a:gd name="connsiteX72" fmla="*/ 1307929 w 4683674"/>
+              <a:gd name="connsiteY72" fmla="*/ 4472224 h 4564048"/>
+              <a:gd name="connsiteX73" fmla="*/ 1276712 w 4683674"/>
+              <a:gd name="connsiteY73" fmla="*/ 4477775 h 4564048"/>
+              <a:gd name="connsiteX74" fmla="*/ 1259786 w 4683674"/>
+              <a:gd name="connsiteY74" fmla="*/ 4486039 h 4564048"/>
+              <a:gd name="connsiteX75" fmla="*/ 1254149 w 4683674"/>
+              <a:gd name="connsiteY75" fmla="*/ 4485243 h 4564048"/>
+              <a:gd name="connsiteX76" fmla="*/ 1253835 w 4683674"/>
+              <a:gd name="connsiteY76" fmla="*/ 4482397 h 4564048"/>
+              <a:gd name="connsiteX77" fmla="*/ 1202349 w 4683674"/>
+              <a:gd name="connsiteY77" fmla="*/ 4472878 h 4564048"/>
+              <a:gd name="connsiteX78" fmla="*/ 1134209 w 4683674"/>
+              <a:gd name="connsiteY78" fmla="*/ 4436320 h 4564048"/>
+              <a:gd name="connsiteX79" fmla="*/ 1055333 w 4683674"/>
+              <a:gd name="connsiteY79" fmla="*/ 4428602 h 4564048"/>
+              <a:gd name="connsiteX80" fmla="*/ 1023656 w 4683674"/>
+              <a:gd name="connsiteY80" fmla="*/ 4415806 h 4564048"/>
+              <a:gd name="connsiteX81" fmla="*/ 989393 w 4683674"/>
+              <a:gd name="connsiteY81" fmla="*/ 4417111 h 4564048"/>
+              <a:gd name="connsiteX82" fmla="*/ 979308 w 4683674"/>
+              <a:gd name="connsiteY82" fmla="*/ 4409520 h 4564048"/>
+              <a:gd name="connsiteX83" fmla="*/ 977641 w 4683674"/>
+              <a:gd name="connsiteY83" fmla="*/ 4408074 h 4564048"/>
+              <a:gd name="connsiteX84" fmla="*/ 969438 w 4683674"/>
+              <a:gd name="connsiteY84" fmla="*/ 4405286 h 4564048"/>
+              <a:gd name="connsiteX85" fmla="*/ 969029 w 4683674"/>
+              <a:gd name="connsiteY85" fmla="*/ 4400748 h 4564048"/>
+              <a:gd name="connsiteX86" fmla="*/ 958049 w 4683674"/>
+              <a:gd name="connsiteY86" fmla="*/ 4393863 h 4564048"/>
+              <a:gd name="connsiteX87" fmla="*/ 942423 w 4683674"/>
+              <a:gd name="connsiteY87" fmla="*/ 4389778 h 4564048"/>
+              <a:gd name="connsiteX88" fmla="*/ 866111 w 4683674"/>
+              <a:gd name="connsiteY88" fmla="*/ 4374574 h 4564048"/>
+              <a:gd name="connsiteX89" fmla="*/ 821619 w 4683674"/>
+              <a:gd name="connsiteY89" fmla="*/ 4363075 h 4564048"/>
+              <a:gd name="connsiteX90" fmla="*/ 806545 w 4683674"/>
+              <a:gd name="connsiteY90" fmla="*/ 4354932 h 4564048"/>
+              <a:gd name="connsiteX91" fmla="*/ 784265 w 4683674"/>
+              <a:gd name="connsiteY91" fmla="*/ 4346098 h 4564048"/>
+              <a:gd name="connsiteX92" fmla="*/ 746361 w 4683674"/>
+              <a:gd name="connsiteY92" fmla="*/ 4327585 h 4564048"/>
+              <a:gd name="connsiteX93" fmla="*/ 724833 w 4683674"/>
+              <a:gd name="connsiteY93" fmla="*/ 4322280 h 4564048"/>
+              <a:gd name="connsiteX94" fmla="*/ 692229 w 4683674"/>
+              <a:gd name="connsiteY94" fmla="*/ 4311453 h 4564048"/>
+              <a:gd name="connsiteX95" fmla="*/ 682738 w 4683674"/>
+              <a:gd name="connsiteY95" fmla="*/ 4309627 h 4564048"/>
+              <a:gd name="connsiteX96" fmla="*/ 678921 w 4683674"/>
+              <a:gd name="connsiteY96" fmla="*/ 4309083 h 4564048"/>
+              <a:gd name="connsiteX97" fmla="*/ 646295 w 4683674"/>
+              <a:gd name="connsiteY97" fmla="*/ 4309501 h 4564048"/>
+              <a:gd name="connsiteX98" fmla="*/ 644071 w 4683674"/>
+              <a:gd name="connsiteY98" fmla="*/ 4305725 h 4564048"/>
+              <a:gd name="connsiteX99" fmla="*/ 634976 w 4683674"/>
+              <a:gd name="connsiteY99" fmla="*/ 4300573 h 4564048"/>
+              <a:gd name="connsiteX100" fmla="*/ 625763 w 4683674"/>
+              <a:gd name="connsiteY100" fmla="*/ 4302811 h 4564048"/>
+              <a:gd name="connsiteX101" fmla="*/ 607674 w 4683674"/>
+              <a:gd name="connsiteY101" fmla="*/ 4301837 h 4564048"/>
+              <a:gd name="connsiteX102" fmla="*/ 602965 w 4683674"/>
+              <a:gd name="connsiteY102" fmla="*/ 4300327 h 4564048"/>
+              <a:gd name="connsiteX103" fmla="*/ 586229 w 4683674"/>
+              <a:gd name="connsiteY103" fmla="*/ 4312031 h 4564048"/>
+              <a:gd name="connsiteX104" fmla="*/ 557275 w 4683674"/>
+              <a:gd name="connsiteY104" fmla="*/ 4301289 h 4564048"/>
+              <a:gd name="connsiteX105" fmla="*/ 526163 w 4683674"/>
+              <a:gd name="connsiteY105" fmla="*/ 4297470 h 4564048"/>
+              <a:gd name="connsiteX106" fmla="*/ 516631 w 4683674"/>
+              <a:gd name="connsiteY106" fmla="*/ 4299761 h 4564048"/>
+              <a:gd name="connsiteX107" fmla="*/ 459412 w 4683674"/>
+              <a:gd name="connsiteY107" fmla="*/ 4306052 h 4564048"/>
+              <a:gd name="connsiteX108" fmla="*/ 441733 w 4683674"/>
+              <a:gd name="connsiteY108" fmla="*/ 4298450 h 4564048"/>
+              <a:gd name="connsiteX109" fmla="*/ 428280 w 4683674"/>
+              <a:gd name="connsiteY109" fmla="*/ 4294479 h 4564048"/>
+              <a:gd name="connsiteX110" fmla="*/ 425763 w 4683674"/>
+              <a:gd name="connsiteY110" fmla="*/ 4290239 h 4564048"/>
+              <a:gd name="connsiteX111" fmla="*/ 416825 w 4683674"/>
+              <a:gd name="connsiteY111" fmla="*/ 4289525 h 4564048"/>
+              <a:gd name="connsiteX112" fmla="*/ 414589 w 4683674"/>
+              <a:gd name="connsiteY112" fmla="*/ 4288538 h 4564048"/>
+              <a:gd name="connsiteX113" fmla="*/ 401639 w 4683674"/>
+              <a:gd name="connsiteY113" fmla="*/ 4283681 h 4564048"/>
+              <a:gd name="connsiteX114" fmla="*/ 370415 w 4683674"/>
+              <a:gd name="connsiteY114" fmla="*/ 4293067 h 4564048"/>
+              <a:gd name="connsiteX115" fmla="*/ 334938 w 4683674"/>
+              <a:gd name="connsiteY115" fmla="*/ 4288364 h 4564048"/>
+              <a:gd name="connsiteX116" fmla="*/ 235237 w 4683674"/>
+              <a:gd name="connsiteY116" fmla="*/ 4295882 h 4564048"/>
+              <a:gd name="connsiteX117" fmla="*/ 121525 w 4683674"/>
+              <a:gd name="connsiteY117" fmla="*/ 4278339 h 4564048"/>
+              <a:gd name="connsiteX118" fmla="*/ 32621 w 4683674"/>
+              <a:gd name="connsiteY118" fmla="*/ 4303674 h 4564048"/>
+              <a:gd name="connsiteX119" fmla="*/ 3115 w 4683674"/>
+              <a:gd name="connsiteY119" fmla="*/ 4309103 h 4564048"/>
+              <a:gd name="connsiteX120" fmla="*/ 0 w 4683674"/>
+              <a:gd name="connsiteY120" fmla="*/ 4309345 h 4564048"/>
+            </a:gdLst>
+            <a:ahLst/>
+            <a:cxnLst>
+              <a:cxn ang="0">
+                <a:pos x="connsiteX0" y="connsiteY0"/>
+              </a:cxn>
+              <a:cxn ang="0">
+                <a:pos x="connsiteX1" y="connsiteY1"/>
+              </a:cxn>
+              <a:cxn ang="0">
+                <a:pos x="connsiteX2" y="connsiteY2"/>
+              </a:cxn>
+              <a:cxn ang="0">
+                <a:pos x="connsiteX3" y="connsiteY3"/>
+              </a:cxn>
+              <a:cxn ang="0">
+                <a:pos x="connsiteX4" y="connsiteY4"/>
+              </a:cxn>
+              <a:cxn ang="0">
+                <a:pos x="connsiteX5" y="connsiteY5"/>
+              </a:cxn>
+              <a:cxn ang="0">
+                <a:pos x="connsiteX6" y="connsiteY6"/>
+              </a:cxn>
+              <a:cxn ang="0">
+                <a:pos x="connsiteX7" y="connsiteY7"/>
+              </a:cxn>
+              <a:cxn ang="0">
+                <a:pos x="connsiteX8" y="connsiteY8"/>
+              </a:cxn>
+              <a:cxn ang="0">
+                <a:pos x="connsiteX9" y="connsiteY9"/>
+              </a:cxn>
+              <a:cxn ang="0">
+                <a:pos x="connsiteX10" y="connsiteY10"/>
+              </a:cxn>
+              <a:cxn ang="0">
+                <a:pos x="connsiteX11" y="connsiteY11"/>
+              </a:cxn>
+              <a:cxn ang="0">
+                <a:pos x="connsiteX12" y="connsiteY12"/>
+              </a:cxn>
+              <a:cxn ang="0">
+                <a:pos x="connsiteX13" y="connsiteY13"/>
+              </a:cxn>
+              <a:cxn ang="0">
+                <a:pos x="connsiteX14" y="connsiteY14"/>
+              </a:cxn>
+              <a:cxn ang="0">
+                <a:pos x="connsiteX15" y="connsiteY15"/>
+              </a:cxn>
+              <a:cxn ang="0">
+                <a:pos x="connsiteX16" y="connsiteY16"/>
+              </a:cxn>
+              <a:cxn ang="0">
+                <a:pos x="connsiteX17" y="connsiteY17"/>
+              </a:cxn>
+              <a:cxn ang="0">
+                <a:pos x="connsiteX18" y="connsiteY18"/>
+              </a:cxn>
+              <a:cxn ang="0">
+                <a:pos x="connsiteX19" y="connsiteY19"/>
+              </a:cxn>
+              <a:cxn ang="0">
+                <a:pos x="connsiteX20" y="connsiteY20"/>
+              </a:cxn>
+              <a:cxn ang="0">
+                <a:pos x="connsiteX21" y="connsiteY21"/>
+              </a:cxn>
+              <a:cxn ang="0">
+                <a:pos x="connsiteX22" y="connsiteY22"/>
+              </a:cxn>
+              <a:cxn ang="0">
+                <a:pos x="connsiteX23" y="connsiteY23"/>
+              </a:cxn>
+              <a:cxn ang="0">
+                <a:pos x="connsiteX24" y="connsiteY24"/>
+              </a:cxn>
+              <a:cxn ang="0">
+                <a:pos x="connsiteX25" y="connsiteY25"/>
+              </a:cxn>
+              <a:cxn ang="0">
+                <a:pos x="connsiteX26" y="connsiteY26"/>
+              </a:cxn>
+              <a:cxn ang="0">
+                <a:pos x="connsiteX27" y="connsiteY27"/>
+              </a:cxn>
+              <a:cxn ang="0">
+                <a:pos x="connsiteX28" y="connsiteY28"/>
+              </a:cxn>
+              <a:cxn ang="0">
+                <a:pos x="connsiteX29" y="connsiteY29"/>
+              </a:cxn>
+              <a:cxn ang="0">
+                <a:pos x="connsiteX30" y="connsiteY30"/>
+              </a:cxn>
+              <a:cxn ang="0">
+                <a:pos x="connsiteX31" y="connsiteY31"/>
+              </a:cxn>
+              <a:cxn ang="0">
+                <a:pos x="connsiteX32" y="connsiteY32"/>
+              </a:cxn>
+              <a:cxn ang="0">
+                <a:pos x="connsiteX33" y="connsiteY33"/>
+              </a:cxn>
+              <a:cxn ang="0">
+                <a:pos x="connsiteX34" y="connsiteY34"/>
+              </a:cxn>
+              <a:cxn ang="0">
+                <a:pos x="connsiteX35" y="connsiteY35"/>
+              </a:cxn>
+              <a:cxn ang="0">
+                <a:pos x="connsiteX36" y="connsiteY36"/>
+              </a:cxn>
+              <a:cxn ang="0">
+                <a:pos x="connsiteX37" y="connsiteY37"/>
+              </a:cxn>
+              <a:cxn ang="0">
+                <a:pos x="connsiteX38" y="connsiteY38"/>
+              </a:cxn>
+              <a:cxn ang="0">
+                <a:pos x="connsiteX39" y="connsiteY39"/>
+              </a:cxn>
+              <a:cxn ang="0">
+                <a:pos x="connsiteX40" y="connsiteY40"/>
+              </a:cxn>
+              <a:cxn ang="0">
+                <a:pos x="connsiteX41" y="connsiteY41"/>
+              </a:cxn>
+              <a:cxn ang="0">
+                <a:pos x="connsiteX42" y="connsiteY42"/>
+              </a:cxn>
+              <a:cxn ang="0">
+                <a:pos x="connsiteX43" y="connsiteY43"/>
+              </a:cxn>
+              <a:cxn ang="0">
+                <a:pos x="connsiteX44" y="connsiteY44"/>
+              </a:cxn>
+              <a:cxn ang="0">
+                <a:pos x="connsiteX45" y="connsiteY45"/>
+              </a:cxn>
+              <a:cxn ang="0">
+                <a:pos x="connsiteX46" y="connsiteY46"/>
+              </a:cxn>
+              <a:cxn ang="0">
+                <a:pos x="connsiteX47" y="connsiteY47"/>
+              </a:cxn>
+              <a:cxn ang="0">
+                <a:pos x="connsiteX48" y="connsiteY48"/>
+              </a:cxn>
+              <a:cxn ang="0">
+                <a:pos x="connsiteX49" y="connsiteY49"/>
+              </a:cxn>
+              <a:cxn ang="0">
+                <a:pos x="connsiteX50" y="connsiteY50"/>
+              </a:cxn>
+              <a:cxn ang="0">
+                <a:pos x="connsiteX51" y="connsiteY51"/>
+              </a:cxn>
+              <a:cxn ang="0">
+                <a:pos x="connsiteX52" y="connsiteY52"/>
+              </a:cxn>
+              <a:cxn ang="0">
+                <a:pos x="connsiteX53" y="connsiteY53"/>
+              </a:cxn>
+              <a:cxn ang="0">
+                <a:pos x="connsiteX54" y="connsiteY54"/>
+              </a:cxn>
+              <a:cxn ang="0">
+                <a:pos x="connsiteX55" y="connsiteY55"/>
+              </a:cxn>
+              <a:cxn ang="0">
+                <a:pos x="connsiteX56" y="connsiteY56"/>
+              </a:cxn>
+              <a:cxn ang="0">
+                <a:pos x="connsiteX57" y="connsiteY57"/>
+              </a:cxn>
+              <a:cxn ang="0">
+                <a:pos x="connsiteX58" y="connsiteY58"/>
+              </a:cxn>
+              <a:cxn ang="0">
+                <a:pos x="connsiteX59" y="connsiteY59"/>
+              </a:cxn>
+              <a:cxn ang="0">
+                <a:pos x="connsiteX60" y="connsiteY60"/>
+              </a:cxn>
+              <a:cxn ang="0">
+                <a:pos x="connsiteX61" y="connsiteY61"/>
+              </a:cxn>
+              <a:cxn ang="0">
+                <a:pos x="connsiteX62" y="connsiteY62"/>
+              </a:cxn>
+              <a:cxn ang="0">
+                <a:pos x="connsiteX63" y="connsiteY63"/>
+              </a:cxn>
+              <a:cxn ang="0">
+                <a:pos x="connsiteX64" y="connsiteY64"/>
+              </a:cxn>
+              <a:cxn ang="0">
+                <a:pos x="connsiteX65" y="connsiteY65"/>
+              </a:cxn>
+              <a:cxn ang="0">
+                <a:pos x="connsiteX66" y="connsiteY66"/>
+              </a:cxn>
+              <a:cxn ang="0">
+                <a:pos x="connsiteX67" y="connsiteY67"/>
+              </a:cxn>
+              <a:cxn ang="0">
+                <a:pos x="connsiteX68" y="connsiteY68"/>
+              </a:cxn>
+              <a:cxn ang="0">
+                <a:pos x="connsiteX69" y="connsiteY69"/>
+              </a:cxn>
+              <a:cxn ang="0">
+                <a:pos x="connsiteX70" y="connsiteY70"/>
+              </a:cxn>
+              <a:cxn ang="0">
+                <a:pos x="connsiteX71" y="connsiteY71"/>
+              </a:cxn>
+              <a:cxn ang="0">
+                <a:pos x="connsiteX72" y="connsiteY72"/>
+              </a:cxn>
+              <a:cxn ang="0">
+                <a:pos x="connsiteX73" y="connsiteY73"/>
+              </a:cxn>
+              <a:cxn ang="0">
+                <a:pos x="connsiteX74" y="connsiteY74"/>
+              </a:cxn>
+              <a:cxn ang="0">
+                <a:pos x="connsiteX75" y="connsiteY75"/>
+              </a:cxn>
+              <a:cxn ang="0">
+                <a:pos x="connsiteX76" y="connsiteY76"/>
+              </a:cxn>
+              <a:cxn ang="0">
+                <a:pos x="connsiteX77" y="connsiteY77"/>
+              </a:cxn>
+              <a:cxn ang="0">
+                <a:pos x="connsiteX78" y="connsiteY78"/>
+              </a:cxn>
+              <a:cxn ang="0">
+                <a:pos x="connsiteX79" y="connsiteY79"/>
+              </a:cxn>
+              <a:cxn ang="0">
+                <a:pos x="connsiteX80" y="connsiteY80"/>
+              </a:cxn>
+              <a:cxn ang="0">
+                <a:pos x="connsiteX81" y="connsiteY81"/>
+              </a:cxn>
+              <a:cxn ang="0">
+                <a:pos x="connsiteX82" y="connsiteY82"/>
+              </a:cxn>
+              <a:cxn ang="0">
+                <a:pos x="connsiteX83" y="connsiteY83"/>
+              </a:cxn>
+              <a:cxn ang="0">
+                <a:pos x="connsiteX84" y="connsiteY84"/>
+              </a:cxn>
+              <a:cxn ang="0">
+                <a:pos x="connsiteX85" y="connsiteY85"/>
+              </a:cxn>
+              <a:cxn ang="0">
+                <a:pos x="connsiteX86" y="connsiteY86"/>
+              </a:cxn>
+              <a:cxn ang="0">
+                <a:pos x="connsiteX87" y="connsiteY87"/>
+              </a:cxn>
+              <a:cxn ang="0">
+                <a:pos x="connsiteX88" y="connsiteY88"/>
+              </a:cxn>
+              <a:cxn ang="0">
+                <a:pos x="connsiteX89" y="connsiteY89"/>
+              </a:cxn>
+              <a:cxn ang="0">
+                <a:pos x="connsiteX90" y="connsiteY90"/>
+              </a:cxn>
+              <a:cxn ang="0">
+                <a:pos x="connsiteX91" y="connsiteY91"/>
+              </a:cxn>
+              <a:cxn ang="0">
+                <a:pos x="connsiteX92" y="connsiteY92"/>
+              </a:cxn>
+              <a:cxn ang="0">
+                <a:pos x="connsiteX93" y="connsiteY93"/>
+              </a:cxn>
+              <a:cxn ang="0">
+                <a:pos x="connsiteX94" y="connsiteY94"/>
+              </a:cxn>
+              <a:cxn ang="0">
+                <a:pos x="connsiteX95" y="connsiteY95"/>
+              </a:cxn>
+              <a:cxn ang="0">
+                <a:pos x="connsiteX96" y="connsiteY96"/>
+              </a:cxn>
+              <a:cxn ang="0">
+                <a:pos x="connsiteX97" y="connsiteY97"/>
+              </a:cxn>
+              <a:cxn ang="0">
+                <a:pos x="connsiteX98" y="connsiteY98"/>
+              </a:cxn>
+              <a:cxn ang="0">
+                <a:pos x="connsiteX99" y="connsiteY99"/>
+              </a:cxn>
+              <a:cxn ang="0">
+                <a:pos x="connsiteX100" y="connsiteY100"/>
+              </a:cxn>
+              <a:cxn ang="0">
+                <a:pos x="connsiteX101" y="connsiteY101"/>
+              </a:cxn>
+              <a:cxn ang="0">
+                <a:pos x="connsiteX102" y="connsiteY102"/>
+              </a:cxn>
+              <a:cxn ang="0">
+                <a:pos x="connsiteX103" y="connsiteY103"/>
+              </a:cxn>
+              <a:cxn ang="0">
+                <a:pos x="connsiteX104" y="connsiteY104"/>
+              </a:cxn>
+              <a:cxn ang="0">
+                <a:pos x="connsiteX105" y="connsiteY105"/>
+              </a:cxn>
+              <a:cxn ang="0">
+                <a:pos x="connsiteX106" y="connsiteY106"/>
+              </a:cxn>
+              <a:cxn ang="0">
+                <a:pos x="connsiteX107" y="connsiteY107"/>
+              </a:cxn>
+              <a:cxn ang="0">
+                <a:pos x="connsiteX108" y="connsiteY108"/>
+              </a:cxn>
+              <a:cxn ang="0">
+                <a:pos x="connsiteX109" y="connsiteY109"/>
+              </a:cxn>
+              <a:cxn ang="0">
+                <a:pos x="connsiteX110" y="connsiteY110"/>
+              </a:cxn>
+              <a:cxn ang="0">
+                <a:pos x="connsiteX111" y="connsiteY111"/>
+              </a:cxn>
+              <a:cxn ang="0">
+                <a:pos x="connsiteX112" y="connsiteY112"/>
+              </a:cxn>
+              <a:cxn ang="0">
+                <a:pos x="connsiteX113" y="connsiteY113"/>
+              </a:cxn>
+              <a:cxn ang="0">
+                <a:pos x="connsiteX114" y="connsiteY114"/>
+              </a:cxn>
+              <a:cxn ang="0">
+                <a:pos x="connsiteX115" y="connsiteY115"/>
+              </a:cxn>
+              <a:cxn ang="0">
+                <a:pos x="connsiteX116" y="connsiteY116"/>
+              </a:cxn>
+              <a:cxn ang="0">
+                <a:pos x="connsiteX117" y="connsiteY117"/>
+              </a:cxn>
+              <a:cxn ang="0">
+                <a:pos x="connsiteX118" y="connsiteY118"/>
+              </a:cxn>
+              <a:cxn ang="0">
+                <a:pos x="connsiteX119" y="connsiteY119"/>
+              </a:cxn>
+              <a:cxn ang="0">
+                <a:pos x="connsiteX120" y="connsiteY120"/>
+              </a:cxn>
+            </a:cxnLst>
+            <a:rect l="l" t="t" r="r" b="b"/>
+            <a:pathLst>
+              <a:path w="4683674" h="4564048">
+                <a:moveTo>
+                  <a:pt x="0" y="0"/>
+                </a:moveTo>
+                <a:lnTo>
+                  <a:pt x="4683674" y="0"/>
+                </a:lnTo>
+                <a:lnTo>
+                  <a:pt x="4683674" y="4379420"/>
+                </a:lnTo>
+                <a:lnTo>
+                  <a:pt x="4673671" y="4378840"/>
+                </a:lnTo>
+                <a:lnTo>
+                  <a:pt x="4668303" y="4382142"/>
+                </a:lnTo>
+                <a:lnTo>
+                  <a:pt x="4660562" y="4374448"/>
+                </a:lnTo>
+                <a:cubicBezTo>
+                  <a:pt x="4656355" y="4371442"/>
+                  <a:pt x="4651457" y="4369784"/>
+                  <a:pt x="4645215" y="4371375"/>
+                </a:cubicBezTo>
+                <a:cubicBezTo>
+                  <a:pt x="4609044" y="4396149"/>
+                  <a:pt x="4641746" y="4356730"/>
+                  <a:pt x="4579761" y="4375210"/>
+                </a:cubicBezTo>
+                <a:cubicBezTo>
+                  <a:pt x="4577006" y="4378689"/>
+                  <a:pt x="4568410" y="4377372"/>
+                  <a:pt x="4568074" y="4373416"/>
+                </a:cubicBezTo>
+                <a:cubicBezTo>
+                  <a:pt x="4564387" y="4375383"/>
+                  <a:pt x="4556922" y="4384553"/>
+                  <a:pt x="4554149" y="4378650"/>
+                </a:cubicBezTo>
+                <a:cubicBezTo>
+                  <a:pt x="4543884" y="4380267"/>
+                  <a:pt x="4533963" y="4382948"/>
+                  <a:pt x="4524620" y="4386604"/>
+                </a:cubicBezTo>
+                <a:lnTo>
+                  <a:pt x="4505841" y="4396541"/>
+                </a:lnTo>
+                <a:lnTo>
+                  <a:pt x="4500482" y="4392332"/>
+                </a:lnTo>
+                <a:cubicBezTo>
+                  <a:pt x="4496952" y="4390347"/>
+                  <a:pt x="4493026" y="4389414"/>
+                  <a:pt x="4488387" y="4390994"/>
+                </a:cubicBezTo>
+                <a:cubicBezTo>
+                  <a:pt x="4463053" y="4411779"/>
+                  <a:pt x="4484273" y="4380259"/>
+                  <a:pt x="4438484" y="4397951"/>
+                </a:cubicBezTo>
+                <a:cubicBezTo>
+                  <a:pt x="4436716" y="4400724"/>
+                  <a:pt x="4429980" y="4400278"/>
+                  <a:pt x="4429332" y="4397340"/>
+                </a:cubicBezTo>
+                <a:cubicBezTo>
+                  <a:pt x="4426691" y="4399042"/>
+                  <a:pt x="4421867" y="4406365"/>
+                  <a:pt x="4419149" y="4402124"/>
+                </a:cubicBezTo>
+                <a:cubicBezTo>
+                  <a:pt x="4407558" y="4407723"/>
+                  <a:pt x="4369788" y="4425642"/>
+                  <a:pt x="4359785" y="4430931"/>
+                </a:cubicBezTo>
+                <a:lnTo>
+                  <a:pt x="4359139" y="4433856"/>
+                </a:lnTo>
+                <a:cubicBezTo>
+                  <a:pt x="4355940" y="4434724"/>
+                  <a:pt x="4344487" y="4434858"/>
+                  <a:pt x="4340592" y="4436136"/>
+                </a:cubicBezTo>
+                <a:lnTo>
+                  <a:pt x="4335770" y="4441526"/>
+                </a:lnTo>
+                <a:lnTo>
+                  <a:pt x="4326252" y="4443308"/>
+                </a:lnTo>
+                <a:lnTo>
+                  <a:pt x="4257540" y="4463117"/>
+                </a:lnTo>
+                <a:lnTo>
+                  <a:pt x="4245512" y="4464119"/>
+                </a:lnTo>
+                <a:cubicBezTo>
+                  <a:pt x="4240161" y="4466068"/>
+                  <a:pt x="4236009" y="4469767"/>
+                  <a:pt x="4233621" y="4476195"/>
+                </a:cubicBezTo>
+                <a:cubicBezTo>
+                  <a:pt x="4223883" y="4479012"/>
+                  <a:pt x="4196741" y="4479467"/>
+                  <a:pt x="4187084" y="4481018"/>
+                </a:cubicBezTo>
+                <a:lnTo>
+                  <a:pt x="4171513" y="4482231"/>
+                </a:lnTo>
+                <a:lnTo>
+                  <a:pt x="4164564" y="4483140"/>
+                </a:lnTo>
+                <a:lnTo>
+                  <a:pt x="4165685" y="4488934"/>
+                </a:lnTo>
+                <a:lnTo>
+                  <a:pt x="4147125" y="4493318"/>
+                </a:lnTo>
+                <a:cubicBezTo>
+                  <a:pt x="4141442" y="4496732"/>
+                  <a:pt x="4133773" y="4503479"/>
+                  <a:pt x="4125154" y="4510572"/>
+                </a:cubicBezTo>
+                <a:lnTo>
+                  <a:pt x="4106103" y="4523887"/>
+                </a:lnTo>
+                <a:lnTo>
+                  <a:pt x="4091879" y="4524368"/>
+                </a:lnTo>
+                <a:cubicBezTo>
+                  <a:pt x="4070874" y="4526861"/>
+                  <a:pt x="4038349" y="4531592"/>
+                  <a:pt x="4024147" y="4533649"/>
+                </a:cubicBezTo>
+                <a:cubicBezTo>
+                  <a:pt x="4020340" y="4537148"/>
+                  <a:pt x="4013205" y="4536000"/>
+                  <a:pt x="4006667" y="4536715"/>
+                </a:cubicBezTo>
+                <a:cubicBezTo>
+                  <a:pt x="4000081" y="4539985"/>
+                  <a:pt x="3969515" y="4540224"/>
+                  <a:pt x="3960069" y="4538590"/>
+                </a:cubicBezTo>
+                <a:lnTo>
+                  <a:pt x="3852451" y="4542685"/>
+                </a:lnTo>
+                <a:lnTo>
+                  <a:pt x="3850255" y="4545236"/>
+                </a:lnTo>
+                <a:lnTo>
+                  <a:pt x="3841400" y="4545965"/>
+                </a:lnTo>
+                <a:lnTo>
+                  <a:pt x="3839247" y="4546615"/>
+                </a:lnTo>
+                <a:cubicBezTo>
+                  <a:pt x="3835142" y="4547869"/>
+                  <a:pt x="3831033" y="4549038"/>
+                  <a:pt x="3826700" y="4549892"/>
+                </a:cubicBezTo>
+                <a:cubicBezTo>
+                  <a:pt x="3823957" y="4539088"/>
+                  <a:pt x="3789397" y="4555374"/>
+                  <a:pt x="3794865" y="4545523"/>
+                </a:cubicBezTo>
+                <a:cubicBezTo>
+                  <a:pt x="3770584" y="4548337"/>
+                  <a:pt x="3782159" y="4538224"/>
+                  <a:pt x="3759852" y="4549496"/>
+                </a:cubicBezTo>
+                <a:cubicBezTo>
+                  <a:pt x="3715905" y="4546697"/>
+                  <a:pt x="3692864" y="4558132"/>
+                  <a:pt x="3653239" y="4549970"/>
+                </a:cubicBezTo>
+                <a:cubicBezTo>
+                  <a:pt x="3660931" y="4554163"/>
+                  <a:pt x="3567553" y="4553744"/>
+                  <a:pt x="3554756" y="4552963"/>
+                </a:cubicBezTo>
+                <a:lnTo>
+                  <a:pt x="3511343" y="4552282"/>
+                </a:lnTo>
+                <a:lnTo>
+                  <a:pt x="3476178" y="4551540"/>
+                </a:lnTo>
+                <a:lnTo>
+                  <a:pt x="3477650" y="4558467"/>
+                </a:lnTo>
+                <a:cubicBezTo>
+                  <a:pt x="3467355" y="4557922"/>
+                  <a:pt x="3461066" y="4560277"/>
+                  <a:pt x="3456605" y="4564048"/>
+                </a:cubicBezTo>
+                <a:lnTo>
+                  <a:pt x="3428916" y="4551357"/>
+                </a:lnTo>
+                <a:lnTo>
+                  <a:pt x="3413192" y="4551476"/>
+                </a:lnTo>
+                <a:lnTo>
+                  <a:pt x="3385609" y="4555860"/>
+                </a:lnTo>
+                <a:lnTo>
+                  <a:pt x="3376421" y="4557888"/>
+                </a:lnTo>
+                <a:lnTo>
+                  <a:pt x="3307414" y="4543811"/>
+                </a:lnTo>
+                <a:lnTo>
+                  <a:pt x="3300685" y="4538163"/>
+                </a:lnTo>
+                <a:cubicBezTo>
+                  <a:pt x="3293468" y="4534686"/>
+                  <a:pt x="3283196" y="4533076"/>
+                  <a:pt x="3266080" y="4535707"/>
+                </a:cubicBezTo>
+                <a:lnTo>
+                  <a:pt x="3262145" y="4537206"/>
+                </a:lnTo>
+                <a:lnTo>
+                  <a:pt x="3233468" y="4528559"/>
+                </a:lnTo>
+                <a:cubicBezTo>
+                  <a:pt x="3224213" y="4524624"/>
+                  <a:pt x="3125184" y="4519671"/>
+                  <a:pt x="3118476" y="4513311"/>
+                </a:cubicBezTo>
+                <a:cubicBezTo>
+                  <a:pt x="3010039" y="4529055"/>
+                  <a:pt x="3002573" y="4501116"/>
+                  <a:pt x="2897364" y="4505308"/>
+                </a:cubicBezTo>
+                <a:cubicBezTo>
+                  <a:pt x="2806245" y="4462735"/>
+                  <a:pt x="2748772" y="4488666"/>
+                  <a:pt x="2667093" y="4482464"/>
+                </a:cubicBezTo>
+                <a:cubicBezTo>
+                  <a:pt x="2589297" y="4478101"/>
+                  <a:pt x="2553275" y="4491877"/>
+                  <a:pt x="2448752" y="4491308"/>
+                </a:cubicBezTo>
+                <a:cubicBezTo>
+                  <a:pt x="2338005" y="4482023"/>
+                  <a:pt x="2176624" y="4486957"/>
+                  <a:pt x="2052050" y="4466857"/>
+                </a:cubicBezTo>
+                <a:cubicBezTo>
+                  <a:pt x="1954172" y="4460387"/>
+                  <a:pt x="1953833" y="4465171"/>
+                  <a:pt x="1915952" y="4464669"/>
+                </a:cubicBezTo>
+                <a:cubicBezTo>
+                  <a:pt x="1903354" y="4467427"/>
+                  <a:pt x="1836826" y="4459363"/>
+                  <a:pt x="1824767" y="4463841"/>
+                </a:cubicBezTo>
+                <a:lnTo>
+                  <a:pt x="1818446" y="4466162"/>
+                </a:lnTo>
+                <a:lnTo>
+                  <a:pt x="1792979" y="4467533"/>
+                </a:lnTo>
+                <a:lnTo>
+                  <a:pt x="1786007" y="4477820"/>
+                </a:lnTo>
+                <a:lnTo>
+                  <a:pt x="1700890" y="4486737"/>
+                </a:lnTo>
+                <a:cubicBezTo>
+                  <a:pt x="1644305" y="4461695"/>
+                  <a:pt x="1595991" y="4491570"/>
+                  <a:pt x="1496036" y="4490777"/>
+                </a:cubicBezTo>
+                <a:cubicBezTo>
+                  <a:pt x="1469547" y="4482126"/>
+                  <a:pt x="1364133" y="4461070"/>
+                  <a:pt x="1344435" y="4473538"/>
+                </a:cubicBezTo>
+                <a:lnTo>
+                  <a:pt x="1328066" y="4473650"/>
+                </a:lnTo>
+                <a:lnTo>
+                  <a:pt x="1307929" y="4472224"/>
+                </a:lnTo>
+                <a:cubicBezTo>
+                  <a:pt x="1297296" y="4472938"/>
+                  <a:pt x="1286253" y="4474917"/>
+                  <a:pt x="1276712" y="4477775"/>
+                </a:cubicBezTo>
+                <a:lnTo>
+                  <a:pt x="1259786" y="4486039"/>
+                </a:lnTo>
+                <a:lnTo>
+                  <a:pt x="1254149" y="4485243"/>
+                </a:lnTo>
+                <a:lnTo>
+                  <a:pt x="1253835" y="4482397"/>
+                </a:lnTo>
+                <a:cubicBezTo>
+                  <a:pt x="1242111" y="4472542"/>
+                  <a:pt x="1167700" y="4491972"/>
+                  <a:pt x="1202349" y="4472878"/>
+                </a:cubicBezTo>
+                <a:cubicBezTo>
+                  <a:pt x="1189242" y="4471823"/>
+                  <a:pt x="1167161" y="4433285"/>
+                  <a:pt x="1134209" y="4436320"/>
+                </a:cubicBezTo>
+                <a:cubicBezTo>
+                  <a:pt x="1089697" y="4442366"/>
+                  <a:pt x="1100423" y="4432039"/>
+                  <a:pt x="1055333" y="4428602"/>
+                </a:cubicBezTo>
+                <a:cubicBezTo>
+                  <a:pt x="1041136" y="4406270"/>
+                  <a:pt x="1045585" y="4424774"/>
+                  <a:pt x="1023656" y="4415806"/>
+                </a:cubicBezTo>
+                <a:cubicBezTo>
+                  <a:pt x="1022285" y="4432773"/>
+                  <a:pt x="999484" y="4400086"/>
+                  <a:pt x="989393" y="4417111"/>
+                </a:cubicBezTo>
+                <a:cubicBezTo>
+                  <a:pt x="985722" y="4414939"/>
+                  <a:pt x="982483" y="4412299"/>
+                  <a:pt x="979308" y="4409520"/>
+                </a:cubicBezTo>
+                <a:lnTo>
+                  <a:pt x="977641" y="4408074"/>
+                </a:lnTo>
+                <a:lnTo>
+                  <a:pt x="969438" y="4405286"/>
+                </a:lnTo>
+                <a:lnTo>
+                  <a:pt x="969029" y="4400748"/>
+                </a:lnTo>
+                <a:lnTo>
+                  <a:pt x="958049" y="4393863"/>
+                </a:lnTo>
+                <a:cubicBezTo>
+                  <a:pt x="953642" y="4391864"/>
+                  <a:pt x="948557" y="4390392"/>
+                  <a:pt x="942423" y="4389778"/>
+                </a:cubicBezTo>
+                <a:cubicBezTo>
+                  <a:pt x="918991" y="4394276"/>
+                  <a:pt x="895417" y="4368106"/>
+                  <a:pt x="866111" y="4374574"/>
+                </a:cubicBezTo>
+                <a:cubicBezTo>
+                  <a:pt x="855715" y="4375510"/>
+                  <a:pt x="825849" y="4369575"/>
+                  <a:pt x="821619" y="4363075"/>
+                </a:cubicBezTo>
+                <a:cubicBezTo>
+                  <a:pt x="815684" y="4360729"/>
+                  <a:pt x="807891" y="4361298"/>
+                  <a:pt x="806545" y="4354932"/>
+                </a:cubicBezTo>
+                <a:cubicBezTo>
+                  <a:pt x="803633" y="4347030"/>
+                  <a:pt x="778973" y="4353793"/>
+                  <a:pt x="784265" y="4346098"/>
+                </a:cubicBezTo>
+                <a:cubicBezTo>
+                  <a:pt x="766827" y="4350629"/>
+                  <a:pt x="758410" y="4333644"/>
+                  <a:pt x="746361" y="4327585"/>
+                </a:cubicBezTo>
+                <a:cubicBezTo>
+                  <a:pt x="739295" y="4330130"/>
+                  <a:pt x="732924" y="4326969"/>
+                  <a:pt x="724833" y="4322280"/>
+                </a:cubicBezTo>
+                <a:lnTo>
+                  <a:pt x="692229" y="4311453"/>
+                </a:lnTo>
+                <a:lnTo>
+                  <a:pt x="682738" y="4309627"/>
+                </a:lnTo>
+                <a:lnTo>
+                  <a:pt x="678921" y="4309083"/>
+                </a:lnTo>
+                <a:lnTo>
+                  <a:pt x="646295" y="4309501"/>
+                </a:lnTo>
+                <a:cubicBezTo>
+                  <a:pt x="645816" y="4308195"/>
+                  <a:pt x="645067" y="4306921"/>
+                  <a:pt x="644071" y="4305725"/>
+                </a:cubicBezTo>
+                <a:lnTo>
+                  <a:pt x="634976" y="4300573"/>
+                </a:lnTo>
+                <a:lnTo>
+                  <a:pt x="625763" y="4302811"/>
+                </a:lnTo>
+                <a:cubicBezTo>
+                  <a:pt x="626730" y="4296354"/>
+                  <a:pt x="615876" y="4301668"/>
+                  <a:pt x="607674" y="4301837"/>
+                </a:cubicBezTo>
+                <a:lnTo>
+                  <a:pt x="602965" y="4300327"/>
+                </a:lnTo>
+                <a:lnTo>
+                  <a:pt x="586229" y="4312031"/>
+                </a:lnTo>
+                <a:cubicBezTo>
+                  <a:pt x="576553" y="4312302"/>
+                  <a:pt x="566131" y="4302031"/>
+                  <a:pt x="557275" y="4301289"/>
+                </a:cubicBezTo>
+                <a:lnTo>
+                  <a:pt x="526163" y="4297470"/>
+                </a:lnTo>
+                <a:lnTo>
+                  <a:pt x="516631" y="4299761"/>
+                </a:lnTo>
+                <a:cubicBezTo>
+                  <a:pt x="495873" y="4300309"/>
+                  <a:pt x="474152" y="4298655"/>
+                  <a:pt x="459412" y="4306052"/>
+                </a:cubicBezTo>
+                <a:cubicBezTo>
+                  <a:pt x="453422" y="4306923"/>
+                  <a:pt x="446771" y="4299312"/>
+                  <a:pt x="441733" y="4298450"/>
+                </a:cubicBezTo>
+                <a:lnTo>
+                  <a:pt x="428280" y="4294479"/>
+                </a:lnTo>
+                <a:lnTo>
+                  <a:pt x="425763" y="4290239"/>
+                </a:lnTo>
+                <a:lnTo>
+                  <a:pt x="416825" y="4289525"/>
+                </a:lnTo>
+                <a:lnTo>
+                  <a:pt x="414589" y="4288538"/>
+                </a:lnTo>
+                <a:cubicBezTo>
+                  <a:pt x="410330" y="4286638"/>
+                  <a:pt x="406074" y="4284884"/>
+                  <a:pt x="401639" y="4283681"/>
+                </a:cubicBezTo>
+                <a:cubicBezTo>
+                  <a:pt x="400291" y="4302346"/>
+                  <a:pt x="363682" y="4276528"/>
+                  <a:pt x="370415" y="4293067"/>
+                </a:cubicBezTo>
+                <a:cubicBezTo>
+                  <a:pt x="345802" y="4289707"/>
+                  <a:pt x="358667" y="4306330"/>
+                  <a:pt x="334938" y="4288364"/>
+                </a:cubicBezTo>
+                <a:cubicBezTo>
+                  <a:pt x="291417" y="4295790"/>
+                  <a:pt x="273753" y="4302034"/>
+                  <a:pt x="235237" y="4295882"/>
+                </a:cubicBezTo>
+                <a:cubicBezTo>
+                  <a:pt x="199669" y="4294212"/>
+                  <a:pt x="155293" y="4277040"/>
+                  <a:pt x="121525" y="4278339"/>
+                </a:cubicBezTo>
+                <a:cubicBezTo>
+                  <a:pt x="70380" y="4279224"/>
+                  <a:pt x="48578" y="4324896"/>
+                  <a:pt x="32621" y="4303674"/>
+                </a:cubicBezTo>
+                <a:cubicBezTo>
+                  <a:pt x="20541" y="4306410"/>
+                  <a:pt x="11582" y="4308037"/>
+                  <a:pt x="3115" y="4309103"/>
+                </a:cubicBezTo>
+                <a:lnTo>
+                  <a:pt x="0" y="4309345"/>
+                </a:lnTo>
+                <a:close/>
+              </a:path>
+            </a:pathLst>
+          </a:custGeom>
+          <a:solidFill>
+            <a:srgbClr val="82766A">
+              <a:alpha val="15000"/>
+            </a:srgbClr>
+          </a:solidFill>
+          <a:ln>
+            <a:noFill/>
+          </a:ln>
+        </p:spPr>
+        <p:style>
+          <a:lnRef idx="2">
+            <a:schemeClr val="accent1">
+              <a:shade val="50000"/>
+            </a:schemeClr>
+          </a:lnRef>
+          <a:fillRef idx="1">
+            <a:schemeClr val="accent1"/>
+          </a:fillRef>
+          <a:effectRef idx="0">
+            <a:schemeClr val="accent1"/>
+          </a:effectRef>
+          <a:fontRef idx="minor">
+            <a:schemeClr val="lt1"/>
+          </a:fontRef>
+        </p:style>
+        <p:txBody>
+          <a:bodyPr wrap="square" rtlCol="0" anchor="ctr">
+            <a:noAutofit/>
+          </a:bodyPr>
+          <a:lstStyle/>
+          <a:p>
+            <a:pPr algn="ctr"/>
+            <a:endParaRPr lang="en-US"/>
+          </a:p>
+        </p:txBody>
+      </p:sp>
+      <p:sp>
+        <p:nvSpPr>
+          <p:cNvPr id="2" name="Title 1">
+            <a:extLst>
+              <a:ext uri="{FF2B5EF4-FFF2-40B4-BE49-F238E27FC236}">
+                <a16:creationId xmlns:a16="http://schemas.microsoft.com/office/drawing/2014/main" id="{7CCAF139-A167-C9BD-7244-89DDE9542476}"/>
+              </a:ext>
+            </a:extLst>
+          </p:cNvPr>
+          <p:cNvSpPr>
+            <a:spLocks noGrp="1"/>
+          </p:cNvSpPr>
+          <p:nvPr>
+            <p:ph type="title"/>
+          </p:nvPr>
+        </p:nvSpPr>
+        <p:spPr>
+          <a:xfrm>
+            <a:off x="1136950" y="1876567"/>
+            <a:ext cx="3696708" cy="3104866"/>
+          </a:xfrm>
+        </p:spPr>
+        <p:txBody>
+          <a:bodyPr vert="horz" lIns="91440" tIns="45720" rIns="91440" bIns="45720" rtlCol="0" anchor="ctr">
+            <a:normAutofit/>
+          </a:bodyPr>
+          <a:lstStyle/>
+          <a:p>
+            <a:pPr algn="ctr">
+              <a:spcBef>
+                <a:spcPct val="0"/>
+              </a:spcBef>
+            </a:pPr>
+            <a:r>
+              <a:rPr lang="en-US" kern="1200">
+                <a:solidFill>
+                  <a:schemeClr val="tx1">
+                    <a:lumMod val="85000"/>
+                    <a:lumOff val="15000"/>
+                  </a:schemeClr>
+                </a:solidFill>
+                <a:latin typeface="+mj-lt"/>
+                <a:ea typeface="+mj-ea"/>
+                <a:cs typeface="+mj-cs"/>
+              </a:rPr>
+              <a:t>AWS Organization </a:t>
+            </a:r>
+            <a:r>
+              <a:rPr lang="en-US" b="1" kern="1200">
+                <a:solidFill>
+                  <a:schemeClr val="tx1">
+                    <a:lumMod val="85000"/>
+                    <a:lumOff val="15000"/>
+                  </a:schemeClr>
+                </a:solidFill>
+                <a:latin typeface="+mj-lt"/>
+                <a:ea typeface="+mj-ea"/>
+                <a:cs typeface="+mj-cs"/>
+              </a:rPr>
+              <a:t>All Features </a:t>
+            </a:r>
+            <a:endParaRPr lang="en-US" kern="1200">
+              <a:solidFill>
+                <a:schemeClr val="tx1">
+                  <a:lumMod val="85000"/>
+                  <a:lumOff val="15000"/>
+                </a:schemeClr>
+              </a:solidFill>
+              <a:latin typeface="+mj-lt"/>
+              <a:ea typeface="+mj-ea"/>
+              <a:cs typeface="+mj-cs"/>
+            </a:endParaRPr>
+          </a:p>
+        </p:txBody>
+      </p:sp>
+      <p:sp>
+        <p:nvSpPr>
+          <p:cNvPr id="12" name="Rectangle 6">
+            <a:extLst>
+              <a:ext uri="{FF2B5EF4-FFF2-40B4-BE49-F238E27FC236}">
+                <a16:creationId xmlns:a16="http://schemas.microsoft.com/office/drawing/2014/main" id="{0AC3A952-2574-44E9-9C98-DBC27EE14160}"/>
+              </a:ext>
+              <a:ext uri="{C183D7F6-B498-43B3-948B-1728B52AA6E4}">
+                <adec:decorative xmlns:adec="http://schemas.microsoft.com/office/drawing/2017/decorative" val="1"/>
+              </a:ext>
+            </a:extLst>
+          </p:cNvPr>
+          <p:cNvSpPr>
+            <a:spLocks noGrp="1" noRot="1" noChangeAspect="1" noMove="1" noResize="1" noEditPoints="1" noAdjustHandles="1" noChangeArrowheads="1" noChangeShapeType="1" noTextEdit="1"/>
+          </p:cNvSpPr>
+          <p:nvPr>
+            <p:extLst>
+              <p:ext uri="{386F3935-93C4-4BCD-93E2-E3B085C9AB24}">
+                <p16:designElem xmlns:p16="http://schemas.microsoft.com/office/powerpoint/2015/main" val="1"/>
+              </p:ext>
+            </p:extLst>
+          </p:nvPr>
+        </p:nvSpPr>
+        <p:spPr>
+          <a:xfrm>
+            <a:off x="2227836" y="964940"/>
+            <a:ext cx="1348547" cy="407804"/>
+          </a:xfrm>
+          <a:custGeom>
+            <a:avLst/>
+            <a:gdLst>
+              <a:gd name="connsiteX0" fmla="*/ 0 w 2142503"/>
+              <a:gd name="connsiteY0" fmla="*/ 0 h 571500"/>
+              <a:gd name="connsiteX1" fmla="*/ 2142503 w 2142503"/>
+              <a:gd name="connsiteY1" fmla="*/ 0 h 571500"/>
+              <a:gd name="connsiteX2" fmla="*/ 2142503 w 2142503"/>
+              <a:gd name="connsiteY2" fmla="*/ 571500 h 571500"/>
+              <a:gd name="connsiteX3" fmla="*/ 0 w 2142503"/>
+              <a:gd name="connsiteY3" fmla="*/ 571500 h 571500"/>
+              <a:gd name="connsiteX4" fmla="*/ 0 w 2142503"/>
+              <a:gd name="connsiteY4" fmla="*/ 0 h 571500"/>
+              <a:gd name="connsiteX0" fmla="*/ 0 w 2142503"/>
+              <a:gd name="connsiteY0" fmla="*/ 0 h 582145"/>
+              <a:gd name="connsiteX1" fmla="*/ 2142503 w 2142503"/>
+              <a:gd name="connsiteY1" fmla="*/ 0 h 582145"/>
+              <a:gd name="connsiteX2" fmla="*/ 2142503 w 2142503"/>
+              <a:gd name="connsiteY2" fmla="*/ 571500 h 582145"/>
+              <a:gd name="connsiteX3" fmla="*/ 2050917 w 2142503"/>
+              <a:gd name="connsiteY3" fmla="*/ 582088 h 582145"/>
+              <a:gd name="connsiteX4" fmla="*/ 0 w 2142503"/>
+              <a:gd name="connsiteY4" fmla="*/ 571500 h 582145"/>
+              <a:gd name="connsiteX5" fmla="*/ 0 w 2142503"/>
+              <a:gd name="connsiteY5" fmla="*/ 0 h 582145"/>
+              <a:gd name="connsiteX0" fmla="*/ 0 w 2159832"/>
+              <a:gd name="connsiteY0" fmla="*/ 0 h 582145"/>
+              <a:gd name="connsiteX1" fmla="*/ 2142503 w 2159832"/>
+              <a:gd name="connsiteY1" fmla="*/ 0 h 582145"/>
+              <a:gd name="connsiteX2" fmla="*/ 2159829 w 2159832"/>
+              <a:gd name="connsiteY2" fmla="*/ 96526 h 582145"/>
+              <a:gd name="connsiteX3" fmla="*/ 2142503 w 2159832"/>
+              <a:gd name="connsiteY3" fmla="*/ 571500 h 582145"/>
+              <a:gd name="connsiteX4" fmla="*/ 2050917 w 2159832"/>
+              <a:gd name="connsiteY4" fmla="*/ 582088 h 582145"/>
+              <a:gd name="connsiteX5" fmla="*/ 0 w 2159832"/>
+              <a:gd name="connsiteY5" fmla="*/ 571500 h 582145"/>
+              <a:gd name="connsiteX6" fmla="*/ 0 w 2159832"/>
+              <a:gd name="connsiteY6" fmla="*/ 0 h 582145"/>
+              <a:gd name="connsiteX0" fmla="*/ 0 w 2159832"/>
+              <a:gd name="connsiteY0" fmla="*/ 12386 h 594531"/>
+              <a:gd name="connsiteX1" fmla="*/ 67826 w 2159832"/>
+              <a:gd name="connsiteY1" fmla="*/ 0 h 594531"/>
+              <a:gd name="connsiteX2" fmla="*/ 2142503 w 2159832"/>
+              <a:gd name="connsiteY2" fmla="*/ 12386 h 594531"/>
+              <a:gd name="connsiteX3" fmla="*/ 2159829 w 2159832"/>
+              <a:gd name="connsiteY3" fmla="*/ 108912 h 594531"/>
+              <a:gd name="connsiteX4" fmla="*/ 2142503 w 2159832"/>
+              <a:gd name="connsiteY4" fmla="*/ 583886 h 594531"/>
+              <a:gd name="connsiteX5" fmla="*/ 2050917 w 2159832"/>
+              <a:gd name="connsiteY5" fmla="*/ 594474 h 594531"/>
+              <a:gd name="connsiteX6" fmla="*/ 0 w 2159832"/>
+              <a:gd name="connsiteY6" fmla="*/ 583886 h 594531"/>
+              <a:gd name="connsiteX7" fmla="*/ 0 w 2159832"/>
+              <a:gd name="connsiteY7" fmla="*/ 12386 h 594531"/>
+              <a:gd name="connsiteX0" fmla="*/ 0 w 2168908"/>
+              <a:gd name="connsiteY0" fmla="*/ 26000 h 594531"/>
+              <a:gd name="connsiteX1" fmla="*/ 76902 w 2168908"/>
+              <a:gd name="connsiteY1" fmla="*/ 0 h 594531"/>
+              <a:gd name="connsiteX2" fmla="*/ 2151579 w 2168908"/>
+              <a:gd name="connsiteY2" fmla="*/ 12386 h 594531"/>
+              <a:gd name="connsiteX3" fmla="*/ 2168905 w 2168908"/>
+              <a:gd name="connsiteY3" fmla="*/ 108912 h 594531"/>
+              <a:gd name="connsiteX4" fmla="*/ 2151579 w 2168908"/>
+              <a:gd name="connsiteY4" fmla="*/ 583886 h 594531"/>
+              <a:gd name="connsiteX5" fmla="*/ 2059993 w 2168908"/>
+              <a:gd name="connsiteY5" fmla="*/ 594474 h 594531"/>
+              <a:gd name="connsiteX6" fmla="*/ 9076 w 2168908"/>
+              <a:gd name="connsiteY6" fmla="*/ 583886 h 594531"/>
+              <a:gd name="connsiteX7" fmla="*/ 0 w 2168908"/>
+              <a:gd name="connsiteY7" fmla="*/ 26000 h 594531"/>
+              <a:gd name="connsiteX0" fmla="*/ 5393 w 2174301"/>
+              <a:gd name="connsiteY0" fmla="*/ 26000 h 594531"/>
+              <a:gd name="connsiteX1" fmla="*/ 82295 w 2174301"/>
+              <a:gd name="connsiteY1" fmla="*/ 0 h 594531"/>
+              <a:gd name="connsiteX2" fmla="*/ 2156972 w 2174301"/>
+              <a:gd name="connsiteY2" fmla="*/ 12386 h 594531"/>
+              <a:gd name="connsiteX3" fmla="*/ 2174298 w 2174301"/>
+              <a:gd name="connsiteY3" fmla="*/ 108912 h 594531"/>
+              <a:gd name="connsiteX4" fmla="*/ 2156972 w 2174301"/>
+              <a:gd name="connsiteY4" fmla="*/ 583886 h 594531"/>
+              <a:gd name="connsiteX5" fmla="*/ 2065386 w 2174301"/>
+              <a:gd name="connsiteY5" fmla="*/ 594474 h 594531"/>
+              <a:gd name="connsiteX6" fmla="*/ 14469 w 2174301"/>
+              <a:gd name="connsiteY6" fmla="*/ 583886 h 594531"/>
+              <a:gd name="connsiteX7" fmla="*/ 5393 w 2174301"/>
+              <a:gd name="connsiteY7" fmla="*/ 26000 h 594531"/>
+              <a:gd name="connsiteX0" fmla="*/ 5393 w 2174301"/>
+              <a:gd name="connsiteY0" fmla="*/ 26000 h 594531"/>
+              <a:gd name="connsiteX1" fmla="*/ 82295 w 2174301"/>
+              <a:gd name="connsiteY1" fmla="*/ 0 h 594531"/>
+              <a:gd name="connsiteX2" fmla="*/ 2156972 w 2174301"/>
+              <a:gd name="connsiteY2" fmla="*/ 12386 h 594531"/>
+              <a:gd name="connsiteX3" fmla="*/ 2174298 w 2174301"/>
+              <a:gd name="connsiteY3" fmla="*/ 108912 h 594531"/>
+              <a:gd name="connsiteX4" fmla="*/ 2156972 w 2174301"/>
+              <a:gd name="connsiteY4" fmla="*/ 583886 h 594531"/>
+              <a:gd name="connsiteX5" fmla="*/ 2065386 w 2174301"/>
+              <a:gd name="connsiteY5" fmla="*/ 594474 h 594531"/>
+              <a:gd name="connsiteX6" fmla="*/ 14469 w 2174301"/>
+              <a:gd name="connsiteY6" fmla="*/ 583886 h 594531"/>
+              <a:gd name="connsiteX7" fmla="*/ 5393 w 2174301"/>
+              <a:gd name="connsiteY7" fmla="*/ 26000 h 594531"/>
+              <a:gd name="connsiteX0" fmla="*/ 5393 w 2174301"/>
+              <a:gd name="connsiteY0" fmla="*/ 26000 h 594531"/>
+              <a:gd name="connsiteX1" fmla="*/ 82295 w 2174301"/>
+              <a:gd name="connsiteY1" fmla="*/ 0 h 594531"/>
+              <a:gd name="connsiteX2" fmla="*/ 2156972 w 2174301"/>
+              <a:gd name="connsiteY2" fmla="*/ 12386 h 594531"/>
+              <a:gd name="connsiteX3" fmla="*/ 2174298 w 2174301"/>
+              <a:gd name="connsiteY3" fmla="*/ 108912 h 594531"/>
+              <a:gd name="connsiteX4" fmla="*/ 2156972 w 2174301"/>
+              <a:gd name="connsiteY4" fmla="*/ 583886 h 594531"/>
+              <a:gd name="connsiteX5" fmla="*/ 2065386 w 2174301"/>
+              <a:gd name="connsiteY5" fmla="*/ 594474 h 594531"/>
+              <a:gd name="connsiteX6" fmla="*/ 14469 w 2174301"/>
+              <a:gd name="connsiteY6" fmla="*/ 583886 h 594531"/>
+              <a:gd name="connsiteX7" fmla="*/ 5393 w 2174301"/>
+              <a:gd name="connsiteY7" fmla="*/ 26000 h 594531"/>
+              <a:gd name="connsiteX0" fmla="*/ 5393 w 2174301"/>
+              <a:gd name="connsiteY0" fmla="*/ 26000 h 594531"/>
+              <a:gd name="connsiteX1" fmla="*/ 82295 w 2174301"/>
+              <a:gd name="connsiteY1" fmla="*/ 0 h 594531"/>
+              <a:gd name="connsiteX2" fmla="*/ 2156972 w 2174301"/>
+              <a:gd name="connsiteY2" fmla="*/ 12386 h 594531"/>
+              <a:gd name="connsiteX3" fmla="*/ 2174298 w 2174301"/>
+              <a:gd name="connsiteY3" fmla="*/ 108912 h 594531"/>
+              <a:gd name="connsiteX4" fmla="*/ 2156972 w 2174301"/>
+              <a:gd name="connsiteY4" fmla="*/ 583886 h 594531"/>
+              <a:gd name="connsiteX5" fmla="*/ 2065386 w 2174301"/>
+              <a:gd name="connsiteY5" fmla="*/ 594474 h 594531"/>
+              <a:gd name="connsiteX6" fmla="*/ 14469 w 2174301"/>
+              <a:gd name="connsiteY6" fmla="*/ 583886 h 594531"/>
+              <a:gd name="connsiteX7" fmla="*/ 5393 w 2174301"/>
+              <a:gd name="connsiteY7" fmla="*/ 26000 h 594531"/>
+              <a:gd name="connsiteX0" fmla="*/ 147197 w 2316105"/>
+              <a:gd name="connsiteY0" fmla="*/ 26000 h 594531"/>
+              <a:gd name="connsiteX1" fmla="*/ 224099 w 2316105"/>
+              <a:gd name="connsiteY1" fmla="*/ 0 h 594531"/>
+              <a:gd name="connsiteX2" fmla="*/ 2298776 w 2316105"/>
+              <a:gd name="connsiteY2" fmla="*/ 12386 h 594531"/>
+              <a:gd name="connsiteX3" fmla="*/ 2316102 w 2316105"/>
+              <a:gd name="connsiteY3" fmla="*/ 108912 h 594531"/>
+              <a:gd name="connsiteX4" fmla="*/ 2298776 w 2316105"/>
+              <a:gd name="connsiteY4" fmla="*/ 583886 h 594531"/>
+              <a:gd name="connsiteX5" fmla="*/ 2207190 w 2316105"/>
+              <a:gd name="connsiteY5" fmla="*/ 594474 h 594531"/>
+              <a:gd name="connsiteX6" fmla="*/ 156273 w 2316105"/>
+              <a:gd name="connsiteY6" fmla="*/ 583886 h 594531"/>
+              <a:gd name="connsiteX7" fmla="*/ 142416 w 2316105"/>
+              <a:gd name="connsiteY7" fmla="*/ 235975 h 594531"/>
+              <a:gd name="connsiteX8" fmla="*/ 147197 w 2316105"/>
+              <a:gd name="connsiteY8" fmla="*/ 26000 h 594531"/>
+              <a:gd name="connsiteX0" fmla="*/ 154684 w 2323592"/>
+              <a:gd name="connsiteY0" fmla="*/ 26000 h 594531"/>
+              <a:gd name="connsiteX1" fmla="*/ 231586 w 2323592"/>
+              <a:gd name="connsiteY1" fmla="*/ 0 h 594531"/>
+              <a:gd name="connsiteX2" fmla="*/ 2306263 w 2323592"/>
+              <a:gd name="connsiteY2" fmla="*/ 12386 h 594531"/>
+              <a:gd name="connsiteX3" fmla="*/ 2323589 w 2323592"/>
+              <a:gd name="connsiteY3" fmla="*/ 108912 h 594531"/>
+              <a:gd name="connsiteX4" fmla="*/ 2306263 w 2323592"/>
+              <a:gd name="connsiteY4" fmla="*/ 583886 h 594531"/>
+              <a:gd name="connsiteX5" fmla="*/ 2214677 w 2323592"/>
+              <a:gd name="connsiteY5" fmla="*/ 594474 h 594531"/>
+              <a:gd name="connsiteX6" fmla="*/ 163760 w 2323592"/>
+              <a:gd name="connsiteY6" fmla="*/ 583886 h 594531"/>
+              <a:gd name="connsiteX7" fmla="*/ 158979 w 2323592"/>
+              <a:gd name="connsiteY7" fmla="*/ 403879 h 594531"/>
+              <a:gd name="connsiteX8" fmla="*/ 149903 w 2323592"/>
+              <a:gd name="connsiteY8" fmla="*/ 235975 h 594531"/>
+              <a:gd name="connsiteX9" fmla="*/ 154684 w 2323592"/>
+              <a:gd name="connsiteY9" fmla="*/ 26000 h 594531"/>
+              <a:gd name="connsiteX0" fmla="*/ 13665 w 2182573"/>
+              <a:gd name="connsiteY0" fmla="*/ 26000 h 594531"/>
+              <a:gd name="connsiteX1" fmla="*/ 90567 w 2182573"/>
+              <a:gd name="connsiteY1" fmla="*/ 0 h 594531"/>
+              <a:gd name="connsiteX2" fmla="*/ 2165244 w 2182573"/>
+              <a:gd name="connsiteY2" fmla="*/ 12386 h 594531"/>
+              <a:gd name="connsiteX3" fmla="*/ 2182570 w 2182573"/>
+              <a:gd name="connsiteY3" fmla="*/ 108912 h 594531"/>
+              <a:gd name="connsiteX4" fmla="*/ 2165244 w 2182573"/>
+              <a:gd name="connsiteY4" fmla="*/ 583886 h 594531"/>
+              <a:gd name="connsiteX5" fmla="*/ 2073658 w 2182573"/>
+              <a:gd name="connsiteY5" fmla="*/ 594474 h 594531"/>
+              <a:gd name="connsiteX6" fmla="*/ 22741 w 2182573"/>
+              <a:gd name="connsiteY6" fmla="*/ 583886 h 594531"/>
+              <a:gd name="connsiteX7" fmla="*/ 17960 w 2182573"/>
+              <a:gd name="connsiteY7" fmla="*/ 403879 h 594531"/>
+              <a:gd name="connsiteX8" fmla="*/ 8884 w 2182573"/>
+              <a:gd name="connsiteY8" fmla="*/ 235975 h 594531"/>
+              <a:gd name="connsiteX9" fmla="*/ 13665 w 2182573"/>
+              <a:gd name="connsiteY9" fmla="*/ 26000 h 594531"/>
+              <a:gd name="connsiteX0" fmla="*/ 13665 w 2202120"/>
+              <a:gd name="connsiteY0" fmla="*/ 26000 h 594531"/>
+              <a:gd name="connsiteX1" fmla="*/ 90567 w 2202120"/>
+              <a:gd name="connsiteY1" fmla="*/ 0 h 594531"/>
+              <a:gd name="connsiteX2" fmla="*/ 2165244 w 2202120"/>
+              <a:gd name="connsiteY2" fmla="*/ 12386 h 594531"/>
+              <a:gd name="connsiteX3" fmla="*/ 2182570 w 2202120"/>
+              <a:gd name="connsiteY3" fmla="*/ 108912 h 594531"/>
+              <a:gd name="connsiteX4" fmla="*/ 2192471 w 2202120"/>
+              <a:gd name="connsiteY4" fmla="*/ 583886 h 594531"/>
+              <a:gd name="connsiteX5" fmla="*/ 2073658 w 2202120"/>
+              <a:gd name="connsiteY5" fmla="*/ 594474 h 594531"/>
+              <a:gd name="connsiteX6" fmla="*/ 22741 w 2202120"/>
+              <a:gd name="connsiteY6" fmla="*/ 583886 h 594531"/>
+              <a:gd name="connsiteX7" fmla="*/ 17960 w 2202120"/>
+              <a:gd name="connsiteY7" fmla="*/ 403879 h 594531"/>
+              <a:gd name="connsiteX8" fmla="*/ 8884 w 2202120"/>
+              <a:gd name="connsiteY8" fmla="*/ 235975 h 594531"/>
+              <a:gd name="connsiteX9" fmla="*/ 13665 w 2202120"/>
+              <a:gd name="connsiteY9" fmla="*/ 26000 h 594531"/>
+              <a:gd name="connsiteX0" fmla="*/ 13665 w 2202036"/>
+              <a:gd name="connsiteY0" fmla="*/ 26000 h 594531"/>
+              <a:gd name="connsiteX1" fmla="*/ 90567 w 2202036"/>
+              <a:gd name="connsiteY1" fmla="*/ 0 h 594531"/>
+              <a:gd name="connsiteX2" fmla="*/ 2165244 w 2202036"/>
+              <a:gd name="connsiteY2" fmla="*/ 12386 h 594531"/>
+              <a:gd name="connsiteX3" fmla="*/ 2182570 w 2202036"/>
+              <a:gd name="connsiteY3" fmla="*/ 108912 h 594531"/>
+              <a:gd name="connsiteX4" fmla="*/ 2191645 w 2202036"/>
+              <a:gd name="connsiteY4" fmla="*/ 422031 h 594531"/>
+              <a:gd name="connsiteX5" fmla="*/ 2192471 w 2202036"/>
+              <a:gd name="connsiteY5" fmla="*/ 583886 h 594531"/>
+              <a:gd name="connsiteX6" fmla="*/ 2073658 w 2202036"/>
+              <a:gd name="connsiteY6" fmla="*/ 594474 h 594531"/>
+              <a:gd name="connsiteX7" fmla="*/ 22741 w 2202036"/>
+              <a:gd name="connsiteY7" fmla="*/ 583886 h 594531"/>
+              <a:gd name="connsiteX8" fmla="*/ 17960 w 2202036"/>
+              <a:gd name="connsiteY8" fmla="*/ 403879 h 594531"/>
+              <a:gd name="connsiteX9" fmla="*/ 8884 w 2202036"/>
+              <a:gd name="connsiteY9" fmla="*/ 235975 h 594531"/>
+              <a:gd name="connsiteX10" fmla="*/ 13665 w 2202036"/>
+              <a:gd name="connsiteY10" fmla="*/ 26000 h 594531"/>
+              <a:gd name="connsiteX0" fmla="*/ 142254 w 2330625"/>
+              <a:gd name="connsiteY0" fmla="*/ 26000 h 594531"/>
+              <a:gd name="connsiteX1" fmla="*/ 219156 w 2330625"/>
+              <a:gd name="connsiteY1" fmla="*/ 0 h 594531"/>
+              <a:gd name="connsiteX2" fmla="*/ 2293833 w 2330625"/>
+              <a:gd name="connsiteY2" fmla="*/ 12386 h 594531"/>
+              <a:gd name="connsiteX3" fmla="*/ 2311159 w 2330625"/>
+              <a:gd name="connsiteY3" fmla="*/ 108912 h 594531"/>
+              <a:gd name="connsiteX4" fmla="*/ 2320234 w 2330625"/>
+              <a:gd name="connsiteY4" fmla="*/ 422031 h 594531"/>
+              <a:gd name="connsiteX5" fmla="*/ 2321060 w 2330625"/>
+              <a:gd name="connsiteY5" fmla="*/ 583886 h 594531"/>
+              <a:gd name="connsiteX6" fmla="*/ 2202247 w 2330625"/>
+              <a:gd name="connsiteY6" fmla="*/ 594474 h 594531"/>
+              <a:gd name="connsiteX7" fmla="*/ 151330 w 2330625"/>
+              <a:gd name="connsiteY7" fmla="*/ 583886 h 594531"/>
+              <a:gd name="connsiteX8" fmla="*/ 155624 w 2330625"/>
+              <a:gd name="connsiteY8" fmla="*/ 512790 h 594531"/>
+              <a:gd name="connsiteX9" fmla="*/ 146549 w 2330625"/>
+              <a:gd name="connsiteY9" fmla="*/ 403879 h 594531"/>
+              <a:gd name="connsiteX10" fmla="*/ 137473 w 2330625"/>
+              <a:gd name="connsiteY10" fmla="*/ 235975 h 594531"/>
+              <a:gd name="connsiteX11" fmla="*/ 142254 w 2330625"/>
+              <a:gd name="connsiteY11" fmla="*/ 26000 h 594531"/>
+              <a:gd name="connsiteX0" fmla="*/ 13413 w 2201784"/>
+              <a:gd name="connsiteY0" fmla="*/ 26000 h 594531"/>
+              <a:gd name="connsiteX1" fmla="*/ 90315 w 2201784"/>
+              <a:gd name="connsiteY1" fmla="*/ 0 h 594531"/>
+              <a:gd name="connsiteX2" fmla="*/ 2164992 w 2201784"/>
+              <a:gd name="connsiteY2" fmla="*/ 12386 h 594531"/>
+              <a:gd name="connsiteX3" fmla="*/ 2182318 w 2201784"/>
+              <a:gd name="connsiteY3" fmla="*/ 108912 h 594531"/>
+              <a:gd name="connsiteX4" fmla="*/ 2191393 w 2201784"/>
+              <a:gd name="connsiteY4" fmla="*/ 422031 h 594531"/>
+              <a:gd name="connsiteX5" fmla="*/ 2192219 w 2201784"/>
+              <a:gd name="connsiteY5" fmla="*/ 583886 h 594531"/>
+              <a:gd name="connsiteX6" fmla="*/ 2073406 w 2201784"/>
+              <a:gd name="connsiteY6" fmla="*/ 594474 h 594531"/>
+              <a:gd name="connsiteX7" fmla="*/ 22489 w 2201784"/>
+              <a:gd name="connsiteY7" fmla="*/ 583886 h 594531"/>
+              <a:gd name="connsiteX8" fmla="*/ 26783 w 2201784"/>
+              <a:gd name="connsiteY8" fmla="*/ 512790 h 594531"/>
+              <a:gd name="connsiteX9" fmla="*/ 17708 w 2201784"/>
+              <a:gd name="connsiteY9" fmla="*/ 403879 h 594531"/>
+              <a:gd name="connsiteX10" fmla="*/ 8632 w 2201784"/>
+              <a:gd name="connsiteY10" fmla="*/ 235975 h 594531"/>
+              <a:gd name="connsiteX11" fmla="*/ 13413 w 2201784"/>
+              <a:gd name="connsiteY11" fmla="*/ 26000 h 594531"/>
+              <a:gd name="connsiteX0" fmla="*/ 13413 w 2201784"/>
+              <a:gd name="connsiteY0" fmla="*/ 26000 h 594531"/>
+              <a:gd name="connsiteX1" fmla="*/ 90315 w 2201784"/>
+              <a:gd name="connsiteY1" fmla="*/ 0 h 594531"/>
+              <a:gd name="connsiteX2" fmla="*/ 2170127 w 2201784"/>
+              <a:gd name="connsiteY2" fmla="*/ 33245 h 594531"/>
+              <a:gd name="connsiteX3" fmla="*/ 2182318 w 2201784"/>
+              <a:gd name="connsiteY3" fmla="*/ 108912 h 594531"/>
+              <a:gd name="connsiteX4" fmla="*/ 2191393 w 2201784"/>
+              <a:gd name="connsiteY4" fmla="*/ 422031 h 594531"/>
+              <a:gd name="connsiteX5" fmla="*/ 2192219 w 2201784"/>
+              <a:gd name="connsiteY5" fmla="*/ 583886 h 594531"/>
+              <a:gd name="connsiteX6" fmla="*/ 2073406 w 2201784"/>
+              <a:gd name="connsiteY6" fmla="*/ 594474 h 594531"/>
+              <a:gd name="connsiteX7" fmla="*/ 22489 w 2201784"/>
+              <a:gd name="connsiteY7" fmla="*/ 583886 h 594531"/>
+              <a:gd name="connsiteX8" fmla="*/ 26783 w 2201784"/>
+              <a:gd name="connsiteY8" fmla="*/ 512790 h 594531"/>
+              <a:gd name="connsiteX9" fmla="*/ 17708 w 2201784"/>
+              <a:gd name="connsiteY9" fmla="*/ 403879 h 594531"/>
+              <a:gd name="connsiteX10" fmla="*/ 8632 w 2201784"/>
+              <a:gd name="connsiteY10" fmla="*/ 235975 h 594531"/>
+              <a:gd name="connsiteX11" fmla="*/ 13413 w 2201784"/>
+              <a:gd name="connsiteY11" fmla="*/ 26000 h 594531"/>
+              <a:gd name="connsiteX0" fmla="*/ 13413 w 2201784"/>
+              <a:gd name="connsiteY0" fmla="*/ 26000 h 594531"/>
+              <a:gd name="connsiteX1" fmla="*/ 90315 w 2201784"/>
+              <a:gd name="connsiteY1" fmla="*/ 0 h 594531"/>
+              <a:gd name="connsiteX2" fmla="*/ 2170127 w 2201784"/>
+              <a:gd name="connsiteY2" fmla="*/ 33245 h 594531"/>
+              <a:gd name="connsiteX3" fmla="*/ 2182318 w 2201784"/>
+              <a:gd name="connsiteY3" fmla="*/ 108912 h 594531"/>
+              <a:gd name="connsiteX4" fmla="*/ 2191393 w 2201784"/>
+              <a:gd name="connsiteY4" fmla="*/ 422031 h 594531"/>
+              <a:gd name="connsiteX5" fmla="*/ 2192219 w 2201784"/>
+              <a:gd name="connsiteY5" fmla="*/ 583886 h 594531"/>
+              <a:gd name="connsiteX6" fmla="*/ 2073406 w 2201784"/>
+              <a:gd name="connsiteY6" fmla="*/ 594474 h 594531"/>
+              <a:gd name="connsiteX7" fmla="*/ 22489 w 2201784"/>
+              <a:gd name="connsiteY7" fmla="*/ 583886 h 594531"/>
+              <a:gd name="connsiteX8" fmla="*/ 26783 w 2201784"/>
+              <a:gd name="connsiteY8" fmla="*/ 512790 h 594531"/>
+              <a:gd name="connsiteX9" fmla="*/ 17708 w 2201784"/>
+              <a:gd name="connsiteY9" fmla="*/ 403879 h 594531"/>
+              <a:gd name="connsiteX10" fmla="*/ 8632 w 2201784"/>
+              <a:gd name="connsiteY10" fmla="*/ 235975 h 594531"/>
+              <a:gd name="connsiteX11" fmla="*/ 13413 w 2201784"/>
+              <a:gd name="connsiteY11" fmla="*/ 26000 h 594531"/>
+            </a:gdLst>
+            <a:ahLst/>
+            <a:cxnLst>
+              <a:cxn ang="0">
+                <a:pos x="connsiteX0" y="connsiteY0"/>
+              </a:cxn>
+              <a:cxn ang="0">
+                <a:pos x="connsiteX1" y="connsiteY1"/>
+              </a:cxn>
+              <a:cxn ang="0">
+                <a:pos x="connsiteX2" y="connsiteY2"/>
+              </a:cxn>
+              <a:cxn ang="0">
+                <a:pos x="connsiteX3" y="connsiteY3"/>
+              </a:cxn>
+              <a:cxn ang="0">
+                <a:pos x="connsiteX4" y="connsiteY4"/>
+              </a:cxn>
+              <a:cxn ang="0">
+                <a:pos x="connsiteX5" y="connsiteY5"/>
+              </a:cxn>
+              <a:cxn ang="0">
+                <a:pos x="connsiteX6" y="connsiteY6"/>
+              </a:cxn>
+              <a:cxn ang="0">
+                <a:pos x="connsiteX7" y="connsiteY7"/>
+              </a:cxn>
+              <a:cxn ang="0">
+                <a:pos x="connsiteX8" y="connsiteY8"/>
+              </a:cxn>
+              <a:cxn ang="0">
+                <a:pos x="connsiteX9" y="connsiteY9"/>
+              </a:cxn>
+              <a:cxn ang="0">
+                <a:pos x="connsiteX10" y="connsiteY10"/>
+              </a:cxn>
+              <a:cxn ang="0">
+                <a:pos x="connsiteX11" y="connsiteY11"/>
+              </a:cxn>
+            </a:cxnLst>
+            <a:rect l="l" t="t" r="r" b="b"/>
+            <a:pathLst>
+              <a:path w="2201784" h="594531">
+                <a:moveTo>
+                  <a:pt x="13413" y="26000"/>
+                </a:moveTo>
+                <a:cubicBezTo>
+                  <a:pt x="37534" y="24897"/>
+                  <a:pt x="66194" y="1103"/>
+                  <a:pt x="90315" y="0"/>
+                </a:cubicBezTo>
+                <a:cubicBezTo>
+                  <a:pt x="781874" y="4129"/>
+                  <a:pt x="1607589" y="24681"/>
+                  <a:pt x="2170127" y="33245"/>
+                </a:cubicBezTo>
+                <a:cubicBezTo>
+                  <a:pt x="2169852" y="63908"/>
+                  <a:pt x="2182593" y="78249"/>
+                  <a:pt x="2182318" y="108912"/>
+                </a:cubicBezTo>
+                <a:cubicBezTo>
+                  <a:pt x="2188231" y="177186"/>
+                  <a:pt x="2189743" y="342869"/>
+                  <a:pt x="2191393" y="422031"/>
+                </a:cubicBezTo>
+                <a:cubicBezTo>
+                  <a:pt x="2193043" y="501193"/>
+                  <a:pt x="2213396" y="555146"/>
+                  <a:pt x="2192219" y="583886"/>
+                </a:cubicBezTo>
+                <a:cubicBezTo>
+                  <a:pt x="2172279" y="582877"/>
+                  <a:pt x="2093346" y="595483"/>
+                  <a:pt x="2073406" y="594474"/>
+                </a:cubicBezTo>
+                <a:lnTo>
+                  <a:pt x="22489" y="583886"/>
+                </a:lnTo>
+                <a:cubicBezTo>
+                  <a:pt x="5849" y="592962"/>
+                  <a:pt x="27580" y="542791"/>
+                  <a:pt x="26783" y="512790"/>
+                </a:cubicBezTo>
+                <a:cubicBezTo>
+                  <a:pt x="25986" y="482789"/>
+                  <a:pt x="18464" y="450015"/>
+                  <a:pt x="17708" y="403879"/>
+                </a:cubicBezTo>
+                <a:cubicBezTo>
+                  <a:pt x="16952" y="357743"/>
+                  <a:pt x="-14855" y="308787"/>
+                  <a:pt x="8632" y="235975"/>
+                </a:cubicBezTo>
+                <a:cubicBezTo>
+                  <a:pt x="7119" y="142994"/>
+                  <a:pt x="-201" y="65329"/>
+                  <a:pt x="13413" y="26000"/>
+                </a:cubicBezTo>
+                <a:close/>
+              </a:path>
+            </a:pathLst>
+          </a:custGeom>
+          <a:solidFill>
+            <a:srgbClr val="D9D4D0">
+              <a:alpha val="35000"/>
+            </a:srgbClr>
+          </a:solidFill>
+          <a:ln>
+            <a:noFill/>
+          </a:ln>
+          <a:effectLst>
+            <a:softEdge rad="6350"/>
+          </a:effectLst>
+        </p:spPr>
+        <p:style>
+          <a:lnRef idx="2">
+            <a:schemeClr val="accent1">
+              <a:shade val="50000"/>
+            </a:schemeClr>
+          </a:lnRef>
+          <a:fillRef idx="1">
+            <a:schemeClr val="accent1"/>
+          </a:fillRef>
+          <a:effectRef idx="0">
+            <a:schemeClr val="accent1"/>
+          </a:effectRef>
+          <a:fontRef idx="minor">
+            <a:schemeClr val="lt1"/>
+          </a:fontRef>
+        </p:style>
+        <p:txBody>
+          <a:bodyPr rtlCol="0" anchor="ctr"/>
+          <a:lstStyle/>
+          <a:p>
+            <a:pPr algn="ctr"/>
+            <a:endParaRPr lang="en-US" dirty="0"/>
+          </a:p>
+        </p:txBody>
+      </p:sp>
+      <p:sp>
+        <p:nvSpPr>
+          <p:cNvPr id="3" name="Text Placeholder 2">
+            <a:extLst>
+              <a:ext uri="{FF2B5EF4-FFF2-40B4-BE49-F238E27FC236}">
+                <a16:creationId xmlns:a16="http://schemas.microsoft.com/office/drawing/2014/main" id="{BA1593EF-87D1-555A-F1C1-28FE1794E198}"/>
+              </a:ext>
+            </a:extLst>
+          </p:cNvPr>
+          <p:cNvSpPr>
+            <a:spLocks noGrp="1"/>
+          </p:cNvSpPr>
+          <p:nvPr>
+            <p:ph type="body" idx="1"/>
+          </p:nvPr>
+        </p:nvSpPr>
+        <p:spPr>
+          <a:xfrm>
+            <a:off x="6074795" y="1168843"/>
+            <a:ext cx="5146913" cy="4564048"/>
+          </a:xfrm>
+        </p:spPr>
+        <p:txBody>
+          <a:bodyPr vert="horz" lIns="91440" tIns="45720" rIns="91440" bIns="45720" rtlCol="0" anchor="ctr">
+            <a:normAutofit lnSpcReduction="10000"/>
+          </a:bodyPr>
+          <a:lstStyle/>
+          <a:p>
+            <a:pPr indent="-228600">
+              <a:spcAft>
+                <a:spcPts val="600"/>
+              </a:spcAft>
+              <a:buFont typeface="Arial" panose="020B0604020202020204" pitchFamily="34" charset="0"/>
+              <a:buChar char="•"/>
+            </a:pPr>
+            <a:r>
+              <a:rPr lang="en-US" sz="1100" b="1" i="0" dirty="0">
+                <a:solidFill>
+                  <a:schemeClr val="tx1">
+                    <a:lumMod val="85000"/>
+                    <a:lumOff val="15000"/>
+                  </a:schemeClr>
+                </a:solidFill>
+                <a:effectLst/>
+              </a:rPr>
+              <a:t>Overview:</a:t>
+            </a:r>
+            <a:endParaRPr lang="en-US" sz="1100" b="0" i="0" dirty="0">
+              <a:solidFill>
+                <a:schemeClr val="tx1">
+                  <a:lumMod val="85000"/>
+                  <a:lumOff val="15000"/>
+                </a:schemeClr>
+              </a:solidFill>
+              <a:effectLst/>
+            </a:endParaRPr>
+          </a:p>
+          <a:p>
+            <a:pPr marL="742950" lvl="1" indent="-228600">
+              <a:spcAft>
+                <a:spcPts val="600"/>
+              </a:spcAft>
+              <a:buFont typeface="Arial" panose="020B0604020202020204" pitchFamily="34" charset="0"/>
+              <a:buChar char="•"/>
+            </a:pPr>
+            <a:r>
+              <a:rPr lang="en-US" sz="1100" b="0" i="0" dirty="0">
+                <a:solidFill>
+                  <a:schemeClr val="tx1">
+                    <a:lumMod val="85000"/>
+                    <a:lumOff val="15000"/>
+                  </a:schemeClr>
+                </a:solidFill>
+                <a:effectLst/>
+              </a:rPr>
+              <a:t>Encompasses the complete suite of AWS Organizations features for comprehensive organizational and operational management.</a:t>
+            </a:r>
+          </a:p>
+          <a:p>
+            <a:pPr marL="742950" lvl="1" indent="-228600">
+              <a:spcAft>
+                <a:spcPts val="600"/>
+              </a:spcAft>
+              <a:buFont typeface="Arial" panose="020B0604020202020204" pitchFamily="34" charset="0"/>
+              <a:buChar char="•"/>
+            </a:pPr>
+            <a:r>
+              <a:rPr lang="en-US" sz="1100" b="0" i="0" dirty="0">
+                <a:solidFill>
+                  <a:schemeClr val="tx1">
+                    <a:lumMod val="85000"/>
+                    <a:lumOff val="15000"/>
+                  </a:schemeClr>
+                </a:solidFill>
+                <a:effectLst/>
+              </a:rPr>
+              <a:t>Designed to provide a robust framework for governance, security, and resource management across multiple AWS accounts.</a:t>
+            </a:r>
+          </a:p>
+          <a:p>
+            <a:pPr indent="-228600">
+              <a:spcAft>
+                <a:spcPts val="600"/>
+              </a:spcAft>
+              <a:buFont typeface="Arial" panose="020B0604020202020204" pitchFamily="34" charset="0"/>
+              <a:buChar char="•"/>
+            </a:pPr>
+            <a:r>
+              <a:rPr lang="en-US" sz="1100" b="1" i="0" dirty="0">
+                <a:solidFill>
+                  <a:schemeClr val="tx1">
+                    <a:lumMod val="85000"/>
+                    <a:lumOff val="15000"/>
+                  </a:schemeClr>
+                </a:solidFill>
+                <a:effectLst/>
+              </a:rPr>
+              <a:t>Key Features:</a:t>
+            </a:r>
+            <a:endParaRPr lang="en-US" sz="1100" b="0" i="0" dirty="0">
+              <a:solidFill>
+                <a:schemeClr val="tx1">
+                  <a:lumMod val="85000"/>
+                  <a:lumOff val="15000"/>
+                </a:schemeClr>
+              </a:solidFill>
+              <a:effectLst/>
+            </a:endParaRPr>
+          </a:p>
+          <a:p>
+            <a:pPr marL="742950" lvl="1" indent="-228600">
+              <a:spcAft>
+                <a:spcPts val="600"/>
+              </a:spcAft>
+              <a:buFont typeface="Arial" panose="020B0604020202020204" pitchFamily="34" charset="0"/>
+              <a:buChar char="•"/>
+            </a:pPr>
+            <a:r>
+              <a:rPr lang="en-US" sz="1100" b="1" i="0" dirty="0">
+                <a:solidFill>
+                  <a:schemeClr val="tx1">
+                    <a:lumMod val="85000"/>
+                    <a:lumOff val="15000"/>
+                  </a:schemeClr>
+                </a:solidFill>
+                <a:effectLst/>
+              </a:rPr>
+              <a:t>Service Control Policies (SCPs):</a:t>
+            </a:r>
+            <a:r>
+              <a:rPr lang="en-US" sz="1100" b="0" i="0" dirty="0">
+                <a:solidFill>
+                  <a:schemeClr val="tx1">
+                    <a:lumMod val="85000"/>
+                    <a:lumOff val="15000"/>
+                  </a:schemeClr>
+                </a:solidFill>
+                <a:effectLst/>
+              </a:rPr>
+              <a:t> Fine-grained access controls to regulate permissions across accounts.</a:t>
+            </a:r>
+          </a:p>
+          <a:p>
+            <a:pPr marL="742950" lvl="1" indent="-228600">
+              <a:spcAft>
+                <a:spcPts val="600"/>
+              </a:spcAft>
+              <a:buFont typeface="Arial" panose="020B0604020202020204" pitchFamily="34" charset="0"/>
+              <a:buChar char="•"/>
+            </a:pPr>
+            <a:r>
+              <a:rPr lang="en-US" sz="1100" b="1" i="0" dirty="0">
+                <a:solidFill>
+                  <a:schemeClr val="tx1">
+                    <a:lumMod val="85000"/>
+                    <a:lumOff val="15000"/>
+                  </a:schemeClr>
+                </a:solidFill>
+                <a:effectLst/>
+              </a:rPr>
+              <a:t>Organizational Units (OUs):</a:t>
+            </a:r>
+            <a:r>
+              <a:rPr lang="en-US" sz="1100" b="0" i="0" dirty="0">
+                <a:solidFill>
+                  <a:schemeClr val="tx1">
+                    <a:lumMod val="85000"/>
+                    <a:lumOff val="15000"/>
+                  </a:schemeClr>
+                </a:solidFill>
+                <a:effectLst/>
+              </a:rPr>
+              <a:t> Allows structuring and organizing AWS accounts based on business units, applications, or environments.</a:t>
+            </a:r>
+          </a:p>
+          <a:p>
+            <a:pPr marL="742950" lvl="1" indent="-228600">
+              <a:spcAft>
+                <a:spcPts val="600"/>
+              </a:spcAft>
+              <a:buFont typeface="Arial" panose="020B0604020202020204" pitchFamily="34" charset="0"/>
+              <a:buChar char="•"/>
+            </a:pPr>
+            <a:r>
+              <a:rPr lang="en-US" sz="1100" b="1" i="0" dirty="0">
+                <a:solidFill>
+                  <a:schemeClr val="tx1">
+                    <a:lumMod val="85000"/>
+                    <a:lumOff val="15000"/>
+                  </a:schemeClr>
+                </a:solidFill>
+                <a:effectLst/>
+              </a:rPr>
+              <a:t>Tag Policies:</a:t>
+            </a:r>
+            <a:r>
+              <a:rPr lang="en-US" sz="1100" b="0" i="0" dirty="0">
+                <a:solidFill>
+                  <a:schemeClr val="tx1">
+                    <a:lumMod val="85000"/>
+                    <a:lumOff val="15000"/>
+                  </a:schemeClr>
+                </a:solidFill>
+                <a:effectLst/>
+              </a:rPr>
+              <a:t> Enforcement of tagging standards for resources across accounts.</a:t>
+            </a:r>
+          </a:p>
+          <a:p>
+            <a:pPr marL="742950" lvl="1" indent="-228600">
+              <a:spcAft>
+                <a:spcPts val="600"/>
+              </a:spcAft>
+              <a:buFont typeface="Arial" panose="020B0604020202020204" pitchFamily="34" charset="0"/>
+              <a:buChar char="•"/>
+            </a:pPr>
+            <a:r>
+              <a:rPr lang="en-US" sz="1100" b="1" i="0" dirty="0">
+                <a:solidFill>
+                  <a:schemeClr val="tx1">
+                    <a:lumMod val="85000"/>
+                    <a:lumOff val="15000"/>
+                  </a:schemeClr>
+                </a:solidFill>
+                <a:effectLst/>
+              </a:rPr>
+              <a:t>Consolidated Billing:</a:t>
+            </a:r>
+            <a:r>
+              <a:rPr lang="en-US" sz="1100" b="0" i="0" dirty="0">
+                <a:solidFill>
+                  <a:schemeClr val="tx1">
+                    <a:lumMod val="85000"/>
+                    <a:lumOff val="15000"/>
+                  </a:schemeClr>
+                </a:solidFill>
+                <a:effectLst/>
+              </a:rPr>
+              <a:t> The ability to centralize payment for multiple AWS accounts.</a:t>
+            </a:r>
+          </a:p>
+          <a:p>
+            <a:pPr marL="742950" lvl="1" indent="-228600">
+              <a:spcAft>
+                <a:spcPts val="600"/>
+              </a:spcAft>
+              <a:buFont typeface="Arial" panose="020B0604020202020204" pitchFamily="34" charset="0"/>
+              <a:buChar char="•"/>
+            </a:pPr>
+            <a:r>
+              <a:rPr lang="en-US" sz="1100" b="1" i="0" dirty="0">
+                <a:solidFill>
+                  <a:schemeClr val="tx1">
+                    <a:lumMod val="85000"/>
+                    <a:lumOff val="15000"/>
+                  </a:schemeClr>
+                </a:solidFill>
+                <a:effectLst/>
+              </a:rPr>
+              <a:t>Cross-Account Access:</a:t>
+            </a:r>
+            <a:r>
+              <a:rPr lang="en-US" sz="1100" b="0" i="0" dirty="0">
+                <a:solidFill>
+                  <a:schemeClr val="tx1">
+                    <a:lumMod val="85000"/>
+                    <a:lumOff val="15000"/>
+                  </a:schemeClr>
+                </a:solidFill>
+                <a:effectLst/>
+              </a:rPr>
+              <a:t> Facilitates secure access across accounts.</a:t>
+            </a:r>
+          </a:p>
+          <a:p>
+            <a:pPr marL="742950" lvl="1" indent="-228600">
+              <a:spcAft>
+                <a:spcPts val="600"/>
+              </a:spcAft>
+              <a:buFont typeface="Arial" panose="020B0604020202020204" pitchFamily="34" charset="0"/>
+              <a:buChar char="•"/>
+            </a:pPr>
+            <a:r>
+              <a:rPr lang="en-US" sz="1100" b="1" i="0" dirty="0">
+                <a:solidFill>
+                  <a:schemeClr val="tx1">
+                    <a:lumMod val="85000"/>
+                    <a:lumOff val="15000"/>
+                  </a:schemeClr>
+                </a:solidFill>
+                <a:effectLst/>
+              </a:rPr>
+              <a:t>Policy-Based Automation:</a:t>
+            </a:r>
+            <a:r>
+              <a:rPr lang="en-US" sz="1100" b="0" i="0" dirty="0">
+                <a:solidFill>
+                  <a:schemeClr val="tx1">
+                    <a:lumMod val="85000"/>
+                    <a:lumOff val="15000"/>
+                  </a:schemeClr>
+                </a:solidFill>
+                <a:effectLst/>
+              </a:rPr>
+              <a:t> Automate operational tasks using AWS Organizations policies.</a:t>
+            </a:r>
+          </a:p>
+          <a:p>
+            <a:pPr marL="742950" lvl="1" indent="-228600">
+              <a:spcAft>
+                <a:spcPts val="600"/>
+              </a:spcAft>
+              <a:buFont typeface="Arial" panose="020B0604020202020204" pitchFamily="34" charset="0"/>
+              <a:buChar char="•"/>
+            </a:pPr>
+            <a:r>
+              <a:rPr lang="en-US" sz="1100" b="1" i="0" dirty="0">
+                <a:solidFill>
+                  <a:schemeClr val="tx1">
+                    <a:lumMod val="85000"/>
+                    <a:lumOff val="15000"/>
+                  </a:schemeClr>
+                </a:solidFill>
+                <a:effectLst/>
+              </a:rPr>
+              <a:t>Security and Compliance:</a:t>
+            </a:r>
+            <a:r>
+              <a:rPr lang="en-US" sz="1100" b="0" i="0" dirty="0">
+                <a:solidFill>
+                  <a:schemeClr val="tx1">
+                    <a:lumMod val="85000"/>
+                    <a:lumOff val="15000"/>
+                  </a:schemeClr>
+                </a:solidFill>
+                <a:effectLst/>
+              </a:rPr>
+              <a:t> Provides tools for enforcing security and compliance standards.</a:t>
+            </a:r>
+          </a:p>
+          <a:p>
+            <a:pPr indent="-228600">
+              <a:spcAft>
+                <a:spcPts val="600"/>
+              </a:spcAft>
+              <a:buFont typeface="Arial" panose="020B0604020202020204" pitchFamily="34" charset="0"/>
+              <a:buChar char="•"/>
+            </a:pPr>
+            <a:r>
+              <a:rPr lang="en-US" sz="1100" b="1" i="0" dirty="0">
+                <a:solidFill>
+                  <a:schemeClr val="tx1">
+                    <a:lumMod val="85000"/>
+                    <a:lumOff val="15000"/>
+                  </a:schemeClr>
+                </a:solidFill>
+                <a:effectLst/>
+              </a:rPr>
+              <a:t>Use Cases:</a:t>
+            </a:r>
+            <a:endParaRPr lang="en-US" sz="1100" b="0" i="0" dirty="0">
+              <a:solidFill>
+                <a:schemeClr val="tx1">
+                  <a:lumMod val="85000"/>
+                  <a:lumOff val="15000"/>
+                </a:schemeClr>
+              </a:solidFill>
+              <a:effectLst/>
+            </a:endParaRPr>
+          </a:p>
+          <a:p>
+            <a:pPr marL="742950" lvl="1" indent="-228600">
+              <a:spcAft>
+                <a:spcPts val="600"/>
+              </a:spcAft>
+              <a:buFont typeface="Arial" panose="020B0604020202020204" pitchFamily="34" charset="0"/>
+              <a:buChar char="•"/>
+            </a:pPr>
+            <a:r>
+              <a:rPr lang="en-US" sz="1100" b="0" i="0" dirty="0">
+                <a:solidFill>
+                  <a:schemeClr val="tx1">
+                    <a:lumMod val="85000"/>
+                    <a:lumOff val="15000"/>
+                  </a:schemeClr>
+                </a:solidFill>
+                <a:effectLst/>
+              </a:rPr>
+              <a:t>Organizations with complex structures requiring detailed access controls and resource organization.</a:t>
+            </a:r>
+          </a:p>
+          <a:p>
+            <a:pPr marL="742950" lvl="1" indent="-228600">
+              <a:spcAft>
+                <a:spcPts val="600"/>
+              </a:spcAft>
+              <a:buFont typeface="Arial" panose="020B0604020202020204" pitchFamily="34" charset="0"/>
+              <a:buChar char="•"/>
+            </a:pPr>
+            <a:r>
+              <a:rPr lang="en-US" sz="1100" b="0" i="0" dirty="0">
+                <a:solidFill>
+                  <a:schemeClr val="tx1">
+                    <a:lumMod val="85000"/>
+                    <a:lumOff val="15000"/>
+                  </a:schemeClr>
+                </a:solidFill>
+                <a:effectLst/>
+              </a:rPr>
+              <a:t>Emphasis on security, compliance, and efficient resource management.</a:t>
+            </a:r>
+          </a:p>
+        </p:txBody>
+      </p:sp>
+    </p:spTree>
+    <p:extLst>
+      <p:ext uri="{BB962C8B-B14F-4D97-AF65-F5344CB8AC3E}">
+        <p14:creationId xmlns:p14="http://schemas.microsoft.com/office/powerpoint/2010/main" val="146541547"/>
+      </p:ext>
+    </p:extLst>
+  </p:cSld>
+  <p:clrMapOvr>
+    <a:masterClrMapping/>
+  </p:clrMapOvr>
+</p:sld>
+</file>
+
+<file path=ppt/slides/slide5.xml><?xml version="1.0" encoding="utf-8"?>
+<p:sld xmlns:a="http://schemas.openxmlformats.org/drawingml/2006/main" xmlns:r="http://schemas.openxmlformats.org/officeDocument/2006/relationships" xmlns:p="http://schemas.openxmlformats.org/presentationml/2006/main">
+  <p:cSld>
+    <p:bg>
+      <p:bgPr>
+        <a:solidFill>
+          <a:schemeClr val="bg1"/>
+        </a:solidFill>
+        <a:effectLst/>
+      </p:bgPr>
+    </p:bg>
+    <p:spTree>
+      <p:nvGrpSpPr>
+        <p:cNvPr id="1" name=""/>
+        <p:cNvGrpSpPr/>
+        <p:nvPr/>
+      </p:nvGrpSpPr>
+      <p:grpSpPr>
+        <a:xfrm>
+          <a:off x="0" y="0"/>
+          <a:ext cx="0" cy="0"/>
+          <a:chOff x="0" y="0"/>
+          <a:chExt cx="0" cy="0"/>
+        </a:xfrm>
+      </p:grpSpPr>
+      <p:sp useBgFill="1">
+        <p:nvSpPr>
+          <p:cNvPr id="8" name="Rectangle 7">
+            <a:extLst>
+              <a:ext uri="{FF2B5EF4-FFF2-40B4-BE49-F238E27FC236}">
+                <a16:creationId xmlns:a16="http://schemas.microsoft.com/office/drawing/2014/main" id="{2515456E-B1B1-48C1-8164-7E567F5D40D4}"/>
+              </a:ext>
+              <a:ext uri="{C183D7F6-B498-43B3-948B-1728B52AA6E4}">
+                <adec:decorative xmlns:adec="http://schemas.microsoft.com/office/drawing/2017/decorative" val="1"/>
+              </a:ext>
+            </a:extLst>
+          </p:cNvPr>
+          <p:cNvSpPr>
+            <a:spLocks noGrp="1" noRot="1" noChangeAspect="1" noMove="1" noResize="1" noEditPoints="1" noAdjustHandles="1" noChangeArrowheads="1" noChangeShapeType="1" noTextEdit="1"/>
+          </p:cNvSpPr>
+          <p:nvPr>
+            <p:extLst>
+              <p:ext uri="{386F3935-93C4-4BCD-93E2-E3B085C9AB24}">
+                <p16:designElem xmlns:p16="http://schemas.microsoft.com/office/powerpoint/2015/main" val="1"/>
+              </p:ext>
+            </p:extLst>
+          </p:nvPr>
+        </p:nvSpPr>
+        <p:spPr>
+          <a:xfrm>
+            <a:off x="0" y="0"/>
+            <a:ext cx="12192000" cy="6858000"/>
+          </a:xfrm>
+          <a:prstGeom prst="rect">
+            <a:avLst/>
+          </a:prstGeom>
+          <a:ln w="12700" cap="flat" cmpd="sng" algn="ctr">
+            <a:noFill/>
+            <a:prstDash val="solid"/>
+            <a:miter lim="800000"/>
+          </a:ln>
+          <a:effectLst/>
+          <a:extLst>
+            <a:ext uri="{91240B29-F687-4F45-9708-019B960494DF}">
+              <a14:hiddenLine xmlns:a14="http://schemas.microsoft.com/office/drawing/2010/main" w="12700" cap="flat" cmpd="sng" algn="ctr">
+                <a:solidFill>
+                  <a:schemeClr val="accent1">
+                    <a:shade val="50000"/>
+                  </a:schemeClr>
+                </a:solidFill>
+                <a:prstDash val="solid"/>
+                <a:miter lim="800000"/>
+              </a14:hiddenLine>
+            </a:ext>
+          </a:extLst>
+        </p:spPr>
+        <p:style>
+          <a:lnRef idx="2">
+            <a:schemeClr val="accent1">
+              <a:shade val="50000"/>
+            </a:schemeClr>
+          </a:lnRef>
+          <a:fillRef idx="1">
+            <a:schemeClr val="accent1"/>
+          </a:fillRef>
+          <a:effectRef idx="0">
+            <a:schemeClr val="accent1"/>
+          </a:effectRef>
+          <a:fontRef idx="minor">
+            <a:schemeClr val="lt1"/>
+          </a:fontRef>
+        </p:style>
+        <p:txBody>
+          <a:bodyPr rtlCol="0" anchor="ctr"/>
+          <a:lstStyle/>
+          <a:p>
+            <a:pPr algn="ctr"/>
+            <a:endParaRPr lang="en-US"/>
+          </a:p>
+        </p:txBody>
+      </p:sp>
+      <p:sp>
+        <p:nvSpPr>
+          <p:cNvPr id="10" name="Freeform: Shape 9">
+            <a:extLst>
+              <a:ext uri="{FF2B5EF4-FFF2-40B4-BE49-F238E27FC236}">
+                <a16:creationId xmlns:a16="http://schemas.microsoft.com/office/drawing/2014/main" id="{5ACE1903-CB02-4CD2-9D19-41ECD819D46E}"/>
+              </a:ext>
+              <a:ext uri="{C183D7F6-B498-43B3-948B-1728B52AA6E4}">
+                <adec:decorative xmlns:adec="http://schemas.microsoft.com/office/drawing/2017/decorative" val="1"/>
+              </a:ext>
+            </a:extLst>
+          </p:cNvPr>
+          <p:cNvSpPr>
+            <a:spLocks noGrp="1" noRot="1" noChangeAspect="1" noMove="1" noResize="1" noEditPoints="1" noAdjustHandles="1" noChangeArrowheads="1" noChangeShapeType="1" noTextEdit="1"/>
+          </p:cNvSpPr>
+          <p:nvPr>
+            <p:extLst>
+              <p:ext uri="{386F3935-93C4-4BCD-93E2-E3B085C9AB24}">
+                <p16:designElem xmlns:p16="http://schemas.microsoft.com/office/powerpoint/2015/main" val="1"/>
+              </p:ext>
+            </p:extLst>
+          </p:nvPr>
+        </p:nvSpPr>
+        <p:spPr>
+          <a:xfrm>
+            <a:off x="643467" y="1168842"/>
+            <a:ext cx="4683674" cy="4564048"/>
+          </a:xfrm>
+          <a:custGeom>
+            <a:avLst/>
+            <a:gdLst>
+              <a:gd name="connsiteX0" fmla="*/ 0 w 4683674"/>
+              <a:gd name="connsiteY0" fmla="*/ 0 h 4564048"/>
+              <a:gd name="connsiteX1" fmla="*/ 4683674 w 4683674"/>
+              <a:gd name="connsiteY1" fmla="*/ 0 h 4564048"/>
+              <a:gd name="connsiteX2" fmla="*/ 4683674 w 4683674"/>
+              <a:gd name="connsiteY2" fmla="*/ 4379420 h 4564048"/>
+              <a:gd name="connsiteX3" fmla="*/ 4673671 w 4683674"/>
+              <a:gd name="connsiteY3" fmla="*/ 4378840 h 4564048"/>
+              <a:gd name="connsiteX4" fmla="*/ 4668303 w 4683674"/>
+              <a:gd name="connsiteY4" fmla="*/ 4382142 h 4564048"/>
+              <a:gd name="connsiteX5" fmla="*/ 4660562 w 4683674"/>
+              <a:gd name="connsiteY5" fmla="*/ 4374448 h 4564048"/>
+              <a:gd name="connsiteX6" fmla="*/ 4645215 w 4683674"/>
+              <a:gd name="connsiteY6" fmla="*/ 4371375 h 4564048"/>
+              <a:gd name="connsiteX7" fmla="*/ 4579761 w 4683674"/>
+              <a:gd name="connsiteY7" fmla="*/ 4375210 h 4564048"/>
+              <a:gd name="connsiteX8" fmla="*/ 4568074 w 4683674"/>
+              <a:gd name="connsiteY8" fmla="*/ 4373416 h 4564048"/>
+              <a:gd name="connsiteX9" fmla="*/ 4554149 w 4683674"/>
+              <a:gd name="connsiteY9" fmla="*/ 4378650 h 4564048"/>
+              <a:gd name="connsiteX10" fmla="*/ 4524620 w 4683674"/>
+              <a:gd name="connsiteY10" fmla="*/ 4386604 h 4564048"/>
+              <a:gd name="connsiteX11" fmla="*/ 4505841 w 4683674"/>
+              <a:gd name="connsiteY11" fmla="*/ 4396541 h 4564048"/>
+              <a:gd name="connsiteX12" fmla="*/ 4500482 w 4683674"/>
+              <a:gd name="connsiteY12" fmla="*/ 4392332 h 4564048"/>
+              <a:gd name="connsiteX13" fmla="*/ 4488387 w 4683674"/>
+              <a:gd name="connsiteY13" fmla="*/ 4390994 h 4564048"/>
+              <a:gd name="connsiteX14" fmla="*/ 4438484 w 4683674"/>
+              <a:gd name="connsiteY14" fmla="*/ 4397951 h 4564048"/>
+              <a:gd name="connsiteX15" fmla="*/ 4429332 w 4683674"/>
+              <a:gd name="connsiteY15" fmla="*/ 4397340 h 4564048"/>
+              <a:gd name="connsiteX16" fmla="*/ 4419149 w 4683674"/>
+              <a:gd name="connsiteY16" fmla="*/ 4402124 h 4564048"/>
+              <a:gd name="connsiteX17" fmla="*/ 4359785 w 4683674"/>
+              <a:gd name="connsiteY17" fmla="*/ 4430931 h 4564048"/>
+              <a:gd name="connsiteX18" fmla="*/ 4359139 w 4683674"/>
+              <a:gd name="connsiteY18" fmla="*/ 4433856 h 4564048"/>
+              <a:gd name="connsiteX19" fmla="*/ 4340592 w 4683674"/>
+              <a:gd name="connsiteY19" fmla="*/ 4436136 h 4564048"/>
+              <a:gd name="connsiteX20" fmla="*/ 4335770 w 4683674"/>
+              <a:gd name="connsiteY20" fmla="*/ 4441526 h 4564048"/>
+              <a:gd name="connsiteX21" fmla="*/ 4326252 w 4683674"/>
+              <a:gd name="connsiteY21" fmla="*/ 4443308 h 4564048"/>
+              <a:gd name="connsiteX22" fmla="*/ 4257540 w 4683674"/>
+              <a:gd name="connsiteY22" fmla="*/ 4463117 h 4564048"/>
+              <a:gd name="connsiteX23" fmla="*/ 4245512 w 4683674"/>
+              <a:gd name="connsiteY23" fmla="*/ 4464119 h 4564048"/>
+              <a:gd name="connsiteX24" fmla="*/ 4233621 w 4683674"/>
+              <a:gd name="connsiteY24" fmla="*/ 4476195 h 4564048"/>
+              <a:gd name="connsiteX25" fmla="*/ 4187084 w 4683674"/>
+              <a:gd name="connsiteY25" fmla="*/ 4481018 h 4564048"/>
+              <a:gd name="connsiteX26" fmla="*/ 4171513 w 4683674"/>
+              <a:gd name="connsiteY26" fmla="*/ 4482231 h 4564048"/>
+              <a:gd name="connsiteX27" fmla="*/ 4164564 w 4683674"/>
+              <a:gd name="connsiteY27" fmla="*/ 4483140 h 4564048"/>
+              <a:gd name="connsiteX28" fmla="*/ 4165685 w 4683674"/>
+              <a:gd name="connsiteY28" fmla="*/ 4488934 h 4564048"/>
+              <a:gd name="connsiteX29" fmla="*/ 4147125 w 4683674"/>
+              <a:gd name="connsiteY29" fmla="*/ 4493318 h 4564048"/>
+              <a:gd name="connsiteX30" fmla="*/ 4125154 w 4683674"/>
+              <a:gd name="connsiteY30" fmla="*/ 4510572 h 4564048"/>
+              <a:gd name="connsiteX31" fmla="*/ 4106103 w 4683674"/>
+              <a:gd name="connsiteY31" fmla="*/ 4523887 h 4564048"/>
+              <a:gd name="connsiteX32" fmla="*/ 4091879 w 4683674"/>
+              <a:gd name="connsiteY32" fmla="*/ 4524368 h 4564048"/>
+              <a:gd name="connsiteX33" fmla="*/ 4024147 w 4683674"/>
+              <a:gd name="connsiteY33" fmla="*/ 4533649 h 4564048"/>
+              <a:gd name="connsiteX34" fmla="*/ 4006667 w 4683674"/>
+              <a:gd name="connsiteY34" fmla="*/ 4536715 h 4564048"/>
+              <a:gd name="connsiteX35" fmla="*/ 3960069 w 4683674"/>
+              <a:gd name="connsiteY35" fmla="*/ 4538590 h 4564048"/>
+              <a:gd name="connsiteX36" fmla="*/ 3852451 w 4683674"/>
+              <a:gd name="connsiteY36" fmla="*/ 4542685 h 4564048"/>
+              <a:gd name="connsiteX37" fmla="*/ 3850255 w 4683674"/>
+              <a:gd name="connsiteY37" fmla="*/ 4545236 h 4564048"/>
+              <a:gd name="connsiteX38" fmla="*/ 3841400 w 4683674"/>
+              <a:gd name="connsiteY38" fmla="*/ 4545965 h 4564048"/>
+              <a:gd name="connsiteX39" fmla="*/ 3839247 w 4683674"/>
+              <a:gd name="connsiteY39" fmla="*/ 4546615 h 4564048"/>
+              <a:gd name="connsiteX40" fmla="*/ 3826700 w 4683674"/>
+              <a:gd name="connsiteY40" fmla="*/ 4549892 h 4564048"/>
+              <a:gd name="connsiteX41" fmla="*/ 3794865 w 4683674"/>
+              <a:gd name="connsiteY41" fmla="*/ 4545523 h 4564048"/>
+              <a:gd name="connsiteX42" fmla="*/ 3759852 w 4683674"/>
+              <a:gd name="connsiteY42" fmla="*/ 4549496 h 4564048"/>
+              <a:gd name="connsiteX43" fmla="*/ 3653239 w 4683674"/>
+              <a:gd name="connsiteY43" fmla="*/ 4549970 h 4564048"/>
+              <a:gd name="connsiteX44" fmla="*/ 3554756 w 4683674"/>
+              <a:gd name="connsiteY44" fmla="*/ 4552963 h 4564048"/>
+              <a:gd name="connsiteX45" fmla="*/ 3511343 w 4683674"/>
+              <a:gd name="connsiteY45" fmla="*/ 4552282 h 4564048"/>
+              <a:gd name="connsiteX46" fmla="*/ 3476178 w 4683674"/>
+              <a:gd name="connsiteY46" fmla="*/ 4551540 h 4564048"/>
+              <a:gd name="connsiteX47" fmla="*/ 3477650 w 4683674"/>
+              <a:gd name="connsiteY47" fmla="*/ 4558467 h 4564048"/>
+              <a:gd name="connsiteX48" fmla="*/ 3456605 w 4683674"/>
+              <a:gd name="connsiteY48" fmla="*/ 4564048 h 4564048"/>
+              <a:gd name="connsiteX49" fmla="*/ 3428916 w 4683674"/>
+              <a:gd name="connsiteY49" fmla="*/ 4551357 h 4564048"/>
+              <a:gd name="connsiteX50" fmla="*/ 3413192 w 4683674"/>
+              <a:gd name="connsiteY50" fmla="*/ 4551476 h 4564048"/>
+              <a:gd name="connsiteX51" fmla="*/ 3385609 w 4683674"/>
+              <a:gd name="connsiteY51" fmla="*/ 4555860 h 4564048"/>
+              <a:gd name="connsiteX52" fmla="*/ 3376421 w 4683674"/>
+              <a:gd name="connsiteY52" fmla="*/ 4557888 h 4564048"/>
+              <a:gd name="connsiteX53" fmla="*/ 3307414 w 4683674"/>
+              <a:gd name="connsiteY53" fmla="*/ 4543811 h 4564048"/>
+              <a:gd name="connsiteX54" fmla="*/ 3300685 w 4683674"/>
+              <a:gd name="connsiteY54" fmla="*/ 4538163 h 4564048"/>
+              <a:gd name="connsiteX55" fmla="*/ 3266080 w 4683674"/>
+              <a:gd name="connsiteY55" fmla="*/ 4535707 h 4564048"/>
+              <a:gd name="connsiteX56" fmla="*/ 3262145 w 4683674"/>
+              <a:gd name="connsiteY56" fmla="*/ 4537206 h 4564048"/>
+              <a:gd name="connsiteX57" fmla="*/ 3233468 w 4683674"/>
+              <a:gd name="connsiteY57" fmla="*/ 4528559 h 4564048"/>
+              <a:gd name="connsiteX58" fmla="*/ 3118476 w 4683674"/>
+              <a:gd name="connsiteY58" fmla="*/ 4513311 h 4564048"/>
+              <a:gd name="connsiteX59" fmla="*/ 2897364 w 4683674"/>
+              <a:gd name="connsiteY59" fmla="*/ 4505308 h 4564048"/>
+              <a:gd name="connsiteX60" fmla="*/ 2667093 w 4683674"/>
+              <a:gd name="connsiteY60" fmla="*/ 4482464 h 4564048"/>
+              <a:gd name="connsiteX61" fmla="*/ 2448752 w 4683674"/>
+              <a:gd name="connsiteY61" fmla="*/ 4491308 h 4564048"/>
+              <a:gd name="connsiteX62" fmla="*/ 2052050 w 4683674"/>
+              <a:gd name="connsiteY62" fmla="*/ 4466857 h 4564048"/>
+              <a:gd name="connsiteX63" fmla="*/ 1915952 w 4683674"/>
+              <a:gd name="connsiteY63" fmla="*/ 4464669 h 4564048"/>
+              <a:gd name="connsiteX64" fmla="*/ 1824767 w 4683674"/>
+              <a:gd name="connsiteY64" fmla="*/ 4463841 h 4564048"/>
+              <a:gd name="connsiteX65" fmla="*/ 1818446 w 4683674"/>
+              <a:gd name="connsiteY65" fmla="*/ 4466162 h 4564048"/>
+              <a:gd name="connsiteX66" fmla="*/ 1792979 w 4683674"/>
+              <a:gd name="connsiteY66" fmla="*/ 4467533 h 4564048"/>
+              <a:gd name="connsiteX67" fmla="*/ 1786007 w 4683674"/>
+              <a:gd name="connsiteY67" fmla="*/ 4477820 h 4564048"/>
+              <a:gd name="connsiteX68" fmla="*/ 1700890 w 4683674"/>
+              <a:gd name="connsiteY68" fmla="*/ 4486737 h 4564048"/>
+              <a:gd name="connsiteX69" fmla="*/ 1496036 w 4683674"/>
+              <a:gd name="connsiteY69" fmla="*/ 4490777 h 4564048"/>
+              <a:gd name="connsiteX70" fmla="*/ 1344435 w 4683674"/>
+              <a:gd name="connsiteY70" fmla="*/ 4473538 h 4564048"/>
+              <a:gd name="connsiteX71" fmla="*/ 1328066 w 4683674"/>
+              <a:gd name="connsiteY71" fmla="*/ 4473650 h 4564048"/>
+              <a:gd name="connsiteX72" fmla="*/ 1307929 w 4683674"/>
+              <a:gd name="connsiteY72" fmla="*/ 4472224 h 4564048"/>
+              <a:gd name="connsiteX73" fmla="*/ 1276712 w 4683674"/>
+              <a:gd name="connsiteY73" fmla="*/ 4477775 h 4564048"/>
+              <a:gd name="connsiteX74" fmla="*/ 1259786 w 4683674"/>
+              <a:gd name="connsiteY74" fmla="*/ 4486039 h 4564048"/>
+              <a:gd name="connsiteX75" fmla="*/ 1254149 w 4683674"/>
+              <a:gd name="connsiteY75" fmla="*/ 4485243 h 4564048"/>
+              <a:gd name="connsiteX76" fmla="*/ 1253835 w 4683674"/>
+              <a:gd name="connsiteY76" fmla="*/ 4482397 h 4564048"/>
+              <a:gd name="connsiteX77" fmla="*/ 1202349 w 4683674"/>
+              <a:gd name="connsiteY77" fmla="*/ 4472878 h 4564048"/>
+              <a:gd name="connsiteX78" fmla="*/ 1134209 w 4683674"/>
+              <a:gd name="connsiteY78" fmla="*/ 4436320 h 4564048"/>
+              <a:gd name="connsiteX79" fmla="*/ 1055333 w 4683674"/>
+              <a:gd name="connsiteY79" fmla="*/ 4428602 h 4564048"/>
+              <a:gd name="connsiteX80" fmla="*/ 1023656 w 4683674"/>
+              <a:gd name="connsiteY80" fmla="*/ 4415806 h 4564048"/>
+              <a:gd name="connsiteX81" fmla="*/ 989393 w 4683674"/>
+              <a:gd name="connsiteY81" fmla="*/ 4417111 h 4564048"/>
+              <a:gd name="connsiteX82" fmla="*/ 979308 w 4683674"/>
+              <a:gd name="connsiteY82" fmla="*/ 4409520 h 4564048"/>
+              <a:gd name="connsiteX83" fmla="*/ 977641 w 4683674"/>
+              <a:gd name="connsiteY83" fmla="*/ 4408074 h 4564048"/>
+              <a:gd name="connsiteX84" fmla="*/ 969438 w 4683674"/>
+              <a:gd name="connsiteY84" fmla="*/ 4405286 h 4564048"/>
+              <a:gd name="connsiteX85" fmla="*/ 969029 w 4683674"/>
+              <a:gd name="connsiteY85" fmla="*/ 4400748 h 4564048"/>
+              <a:gd name="connsiteX86" fmla="*/ 958049 w 4683674"/>
+              <a:gd name="connsiteY86" fmla="*/ 4393863 h 4564048"/>
+              <a:gd name="connsiteX87" fmla="*/ 942423 w 4683674"/>
+              <a:gd name="connsiteY87" fmla="*/ 4389778 h 4564048"/>
+              <a:gd name="connsiteX88" fmla="*/ 866111 w 4683674"/>
+              <a:gd name="connsiteY88" fmla="*/ 4374574 h 4564048"/>
+              <a:gd name="connsiteX89" fmla="*/ 821619 w 4683674"/>
+              <a:gd name="connsiteY89" fmla="*/ 4363075 h 4564048"/>
+              <a:gd name="connsiteX90" fmla="*/ 806545 w 4683674"/>
+              <a:gd name="connsiteY90" fmla="*/ 4354932 h 4564048"/>
+              <a:gd name="connsiteX91" fmla="*/ 784265 w 4683674"/>
+              <a:gd name="connsiteY91" fmla="*/ 4346098 h 4564048"/>
+              <a:gd name="connsiteX92" fmla="*/ 746361 w 4683674"/>
+              <a:gd name="connsiteY92" fmla="*/ 4327585 h 4564048"/>
+              <a:gd name="connsiteX93" fmla="*/ 724833 w 4683674"/>
+              <a:gd name="connsiteY93" fmla="*/ 4322280 h 4564048"/>
+              <a:gd name="connsiteX94" fmla="*/ 692229 w 4683674"/>
+              <a:gd name="connsiteY94" fmla="*/ 4311453 h 4564048"/>
+              <a:gd name="connsiteX95" fmla="*/ 682738 w 4683674"/>
+              <a:gd name="connsiteY95" fmla="*/ 4309627 h 4564048"/>
+              <a:gd name="connsiteX96" fmla="*/ 678921 w 4683674"/>
+              <a:gd name="connsiteY96" fmla="*/ 4309083 h 4564048"/>
+              <a:gd name="connsiteX97" fmla="*/ 646295 w 4683674"/>
+              <a:gd name="connsiteY97" fmla="*/ 4309501 h 4564048"/>
+              <a:gd name="connsiteX98" fmla="*/ 644071 w 4683674"/>
+              <a:gd name="connsiteY98" fmla="*/ 4305725 h 4564048"/>
+              <a:gd name="connsiteX99" fmla="*/ 634976 w 4683674"/>
+              <a:gd name="connsiteY99" fmla="*/ 4300573 h 4564048"/>
+              <a:gd name="connsiteX100" fmla="*/ 625763 w 4683674"/>
+              <a:gd name="connsiteY100" fmla="*/ 4302811 h 4564048"/>
+              <a:gd name="connsiteX101" fmla="*/ 607674 w 4683674"/>
+              <a:gd name="connsiteY101" fmla="*/ 4301837 h 4564048"/>
+              <a:gd name="connsiteX102" fmla="*/ 602965 w 4683674"/>
+              <a:gd name="connsiteY102" fmla="*/ 4300327 h 4564048"/>
+              <a:gd name="connsiteX103" fmla="*/ 586229 w 4683674"/>
+              <a:gd name="connsiteY103" fmla="*/ 4312031 h 4564048"/>
+              <a:gd name="connsiteX104" fmla="*/ 557275 w 4683674"/>
+              <a:gd name="connsiteY104" fmla="*/ 4301289 h 4564048"/>
+              <a:gd name="connsiteX105" fmla="*/ 526163 w 4683674"/>
+              <a:gd name="connsiteY105" fmla="*/ 4297470 h 4564048"/>
+              <a:gd name="connsiteX106" fmla="*/ 516631 w 4683674"/>
+              <a:gd name="connsiteY106" fmla="*/ 4299761 h 4564048"/>
+              <a:gd name="connsiteX107" fmla="*/ 459412 w 4683674"/>
+              <a:gd name="connsiteY107" fmla="*/ 4306052 h 4564048"/>
+              <a:gd name="connsiteX108" fmla="*/ 441733 w 4683674"/>
+              <a:gd name="connsiteY108" fmla="*/ 4298450 h 4564048"/>
+              <a:gd name="connsiteX109" fmla="*/ 428280 w 4683674"/>
+              <a:gd name="connsiteY109" fmla="*/ 4294479 h 4564048"/>
+              <a:gd name="connsiteX110" fmla="*/ 425763 w 4683674"/>
+              <a:gd name="connsiteY110" fmla="*/ 4290239 h 4564048"/>
+              <a:gd name="connsiteX111" fmla="*/ 416825 w 4683674"/>
+              <a:gd name="connsiteY111" fmla="*/ 4289525 h 4564048"/>
+              <a:gd name="connsiteX112" fmla="*/ 414589 w 4683674"/>
+              <a:gd name="connsiteY112" fmla="*/ 4288538 h 4564048"/>
+              <a:gd name="connsiteX113" fmla="*/ 401639 w 4683674"/>
+              <a:gd name="connsiteY113" fmla="*/ 4283681 h 4564048"/>
+              <a:gd name="connsiteX114" fmla="*/ 370415 w 4683674"/>
+              <a:gd name="connsiteY114" fmla="*/ 4293067 h 4564048"/>
+              <a:gd name="connsiteX115" fmla="*/ 334938 w 4683674"/>
+              <a:gd name="connsiteY115" fmla="*/ 4288364 h 4564048"/>
+              <a:gd name="connsiteX116" fmla="*/ 235237 w 4683674"/>
+              <a:gd name="connsiteY116" fmla="*/ 4295882 h 4564048"/>
+              <a:gd name="connsiteX117" fmla="*/ 121525 w 4683674"/>
+              <a:gd name="connsiteY117" fmla="*/ 4278339 h 4564048"/>
+              <a:gd name="connsiteX118" fmla="*/ 32621 w 4683674"/>
+              <a:gd name="connsiteY118" fmla="*/ 4303674 h 4564048"/>
+              <a:gd name="connsiteX119" fmla="*/ 3115 w 4683674"/>
+              <a:gd name="connsiteY119" fmla="*/ 4309103 h 4564048"/>
+              <a:gd name="connsiteX120" fmla="*/ 0 w 4683674"/>
+              <a:gd name="connsiteY120" fmla="*/ 4309345 h 4564048"/>
+            </a:gdLst>
+            <a:ahLst/>
+            <a:cxnLst>
+              <a:cxn ang="0">
+                <a:pos x="connsiteX0" y="connsiteY0"/>
+              </a:cxn>
+              <a:cxn ang="0">
+                <a:pos x="connsiteX1" y="connsiteY1"/>
+              </a:cxn>
+              <a:cxn ang="0">
+                <a:pos x="connsiteX2" y="connsiteY2"/>
+              </a:cxn>
+              <a:cxn ang="0">
+                <a:pos x="connsiteX3" y="connsiteY3"/>
+              </a:cxn>
+              <a:cxn ang="0">
+                <a:pos x="connsiteX4" y="connsiteY4"/>
+              </a:cxn>
+              <a:cxn ang="0">
+                <a:pos x="connsiteX5" y="connsiteY5"/>
+              </a:cxn>
+              <a:cxn ang="0">
+                <a:pos x="connsiteX6" y="connsiteY6"/>
+              </a:cxn>
+              <a:cxn ang="0">
+                <a:pos x="connsiteX7" y="connsiteY7"/>
+              </a:cxn>
+              <a:cxn ang="0">
+                <a:pos x="connsiteX8" y="connsiteY8"/>
+              </a:cxn>
+              <a:cxn ang="0">
+                <a:pos x="connsiteX9" y="connsiteY9"/>
+              </a:cxn>
+              <a:cxn ang="0">
+                <a:pos x="connsiteX10" y="connsiteY10"/>
+              </a:cxn>
+              <a:cxn ang="0">
+                <a:pos x="connsiteX11" y="connsiteY11"/>
+              </a:cxn>
+              <a:cxn ang="0">
+                <a:pos x="connsiteX12" y="connsiteY12"/>
+              </a:cxn>
+              <a:cxn ang="0">
+                <a:pos x="connsiteX13" y="connsiteY13"/>
+              </a:cxn>
+              <a:cxn ang="0">
+                <a:pos x="connsiteX14" y="connsiteY14"/>
+              </a:cxn>
+              <a:cxn ang="0">
+                <a:pos x="connsiteX15" y="connsiteY15"/>
+              </a:cxn>
+              <a:cxn ang="0">
+                <a:pos x="connsiteX16" y="connsiteY16"/>
+              </a:cxn>
+              <a:cxn ang="0">
+                <a:pos x="connsiteX17" y="connsiteY17"/>
+              </a:cxn>
+              <a:cxn ang="0">
+                <a:pos x="connsiteX18" y="connsiteY18"/>
+              </a:cxn>
+              <a:cxn ang="0">
+                <a:pos x="connsiteX19" y="connsiteY19"/>
+              </a:cxn>
+              <a:cxn ang="0">
+                <a:pos x="connsiteX20" y="connsiteY20"/>
+              </a:cxn>
+              <a:cxn ang="0">
+                <a:pos x="connsiteX21" y="connsiteY21"/>
+              </a:cxn>
+              <a:cxn ang="0">
+                <a:pos x="connsiteX22" y="connsiteY22"/>
+              </a:cxn>
+              <a:cxn ang="0">
+                <a:pos x="connsiteX23" y="connsiteY23"/>
+              </a:cxn>
+              <a:cxn ang="0">
+                <a:pos x="connsiteX24" y="connsiteY24"/>
+              </a:cxn>
+              <a:cxn ang="0">
+                <a:pos x="connsiteX25" y="connsiteY25"/>
+              </a:cxn>
+              <a:cxn ang="0">
+                <a:pos x="connsiteX26" y="connsiteY26"/>
+              </a:cxn>
+              <a:cxn ang="0">
+                <a:pos x="connsiteX27" y="connsiteY27"/>
+              </a:cxn>
+              <a:cxn ang="0">
+                <a:pos x="connsiteX28" y="connsiteY28"/>
+              </a:cxn>
+              <a:cxn ang="0">
+                <a:pos x="connsiteX29" y="connsiteY29"/>
+              </a:cxn>
+              <a:cxn ang="0">
+                <a:pos x="connsiteX30" y="connsiteY30"/>
+              </a:cxn>
+              <a:cxn ang="0">
+                <a:pos x="connsiteX31" y="connsiteY31"/>
+              </a:cxn>
+              <a:cxn ang="0">
+                <a:pos x="connsiteX32" y="connsiteY32"/>
+              </a:cxn>
+              <a:cxn ang="0">
+                <a:pos x="connsiteX33" y="connsiteY33"/>
+              </a:cxn>
+              <a:cxn ang="0">
+                <a:pos x="connsiteX34" y="connsiteY34"/>
+              </a:cxn>
+              <a:cxn ang="0">
+                <a:pos x="connsiteX35" y="connsiteY35"/>
+              </a:cxn>
+              <a:cxn ang="0">
+                <a:pos x="connsiteX36" y="connsiteY36"/>
+              </a:cxn>
+              <a:cxn ang="0">
+                <a:pos x="connsiteX37" y="connsiteY37"/>
+              </a:cxn>
+              <a:cxn ang="0">
+                <a:pos x="connsiteX38" y="connsiteY38"/>
+              </a:cxn>
+              <a:cxn ang="0">
+                <a:pos x="connsiteX39" y="connsiteY39"/>
+              </a:cxn>
+              <a:cxn ang="0">
+                <a:pos x="connsiteX40" y="connsiteY40"/>
+              </a:cxn>
+              <a:cxn ang="0">
+                <a:pos x="connsiteX41" y="connsiteY41"/>
+              </a:cxn>
+              <a:cxn ang="0">
+                <a:pos x="connsiteX42" y="connsiteY42"/>
+              </a:cxn>
+              <a:cxn ang="0">
+                <a:pos x="connsiteX43" y="connsiteY43"/>
+              </a:cxn>
+              <a:cxn ang="0">
+                <a:pos x="connsiteX44" y="connsiteY44"/>
+              </a:cxn>
+              <a:cxn ang="0">
+                <a:pos x="connsiteX45" y="connsiteY45"/>
+              </a:cxn>
+              <a:cxn ang="0">
+                <a:pos x="connsiteX46" y="connsiteY46"/>
+              </a:cxn>
+              <a:cxn ang="0">
+                <a:pos x="connsiteX47" y="connsiteY47"/>
+              </a:cxn>
+              <a:cxn ang="0">
+                <a:pos x="connsiteX48" y="connsiteY48"/>
+              </a:cxn>
+              <a:cxn ang="0">
+                <a:pos x="connsiteX49" y="connsiteY49"/>
+              </a:cxn>
+              <a:cxn ang="0">
+                <a:pos x="connsiteX50" y="connsiteY50"/>
+              </a:cxn>
+              <a:cxn ang="0">
+                <a:pos x="connsiteX51" y="connsiteY51"/>
+              </a:cxn>
+              <a:cxn ang="0">
+                <a:pos x="connsiteX52" y="connsiteY52"/>
+              </a:cxn>
+              <a:cxn ang="0">
+                <a:pos x="connsiteX53" y="connsiteY53"/>
+              </a:cxn>
+              <a:cxn ang="0">
+                <a:pos x="connsiteX54" y="connsiteY54"/>
+              </a:cxn>
+              <a:cxn ang="0">
+                <a:pos x="connsiteX55" y="connsiteY55"/>
+              </a:cxn>
+              <a:cxn ang="0">
+                <a:pos x="connsiteX56" y="connsiteY56"/>
+              </a:cxn>
+              <a:cxn ang="0">
+                <a:pos x="connsiteX57" y="connsiteY57"/>
+              </a:cxn>
+              <a:cxn ang="0">
+                <a:pos x="connsiteX58" y="connsiteY58"/>
+              </a:cxn>
+              <a:cxn ang="0">
+                <a:pos x="connsiteX59" y="connsiteY59"/>
+              </a:cxn>
+              <a:cxn ang="0">
+                <a:pos x="connsiteX60" y="connsiteY60"/>
+              </a:cxn>
+              <a:cxn ang="0">
+                <a:pos x="connsiteX61" y="connsiteY61"/>
+              </a:cxn>
+              <a:cxn ang="0">
+                <a:pos x="connsiteX62" y="connsiteY62"/>
+              </a:cxn>
+              <a:cxn ang="0">
+                <a:pos x="connsiteX63" y="connsiteY63"/>
+              </a:cxn>
+              <a:cxn ang="0">
+                <a:pos x="connsiteX64" y="connsiteY64"/>
+              </a:cxn>
+              <a:cxn ang="0">
+                <a:pos x="connsiteX65" y="connsiteY65"/>
+              </a:cxn>
+              <a:cxn ang="0">
+                <a:pos x="connsiteX66" y="connsiteY66"/>
+              </a:cxn>
+              <a:cxn ang="0">
+                <a:pos x="connsiteX67" y="connsiteY67"/>
+              </a:cxn>
+              <a:cxn ang="0">
+                <a:pos x="connsiteX68" y="connsiteY68"/>
+              </a:cxn>
+              <a:cxn ang="0">
+                <a:pos x="connsiteX69" y="connsiteY69"/>
+              </a:cxn>
+              <a:cxn ang="0">
+                <a:pos x="connsiteX70" y="connsiteY70"/>
+              </a:cxn>
+              <a:cxn ang="0">
+                <a:pos x="connsiteX71" y="connsiteY71"/>
+              </a:cxn>
+              <a:cxn ang="0">
+                <a:pos x="connsiteX72" y="connsiteY72"/>
+              </a:cxn>
+              <a:cxn ang="0">
+                <a:pos x="connsiteX73" y="connsiteY73"/>
+              </a:cxn>
+              <a:cxn ang="0">
+                <a:pos x="connsiteX74" y="connsiteY74"/>
+              </a:cxn>
+              <a:cxn ang="0">
+                <a:pos x="connsiteX75" y="connsiteY75"/>
+              </a:cxn>
+              <a:cxn ang="0">
+                <a:pos x="connsiteX76" y="connsiteY76"/>
+              </a:cxn>
+              <a:cxn ang="0">
+                <a:pos x="connsiteX77" y="connsiteY77"/>
+              </a:cxn>
+              <a:cxn ang="0">
+                <a:pos x="connsiteX78" y="connsiteY78"/>
+              </a:cxn>
+              <a:cxn ang="0">
+                <a:pos x="connsiteX79" y="connsiteY79"/>
+              </a:cxn>
+              <a:cxn ang="0">
+                <a:pos x="connsiteX80" y="connsiteY80"/>
+              </a:cxn>
+              <a:cxn ang="0">
+                <a:pos x="connsiteX81" y="connsiteY81"/>
+              </a:cxn>
+              <a:cxn ang="0">
+                <a:pos x="connsiteX82" y="connsiteY82"/>
+              </a:cxn>
+              <a:cxn ang="0">
+                <a:pos x="connsiteX83" y="connsiteY83"/>
+              </a:cxn>
+              <a:cxn ang="0">
+                <a:pos x="connsiteX84" y="connsiteY84"/>
+              </a:cxn>
+              <a:cxn ang="0">
+                <a:pos x="connsiteX85" y="connsiteY85"/>
+              </a:cxn>
+              <a:cxn ang="0">
+                <a:pos x="connsiteX86" y="connsiteY86"/>
+              </a:cxn>
+              <a:cxn ang="0">
+                <a:pos x="connsiteX87" y="connsiteY87"/>
+              </a:cxn>
+              <a:cxn ang="0">
+                <a:pos x="connsiteX88" y="connsiteY88"/>
+              </a:cxn>
+              <a:cxn ang="0">
+                <a:pos x="connsiteX89" y="connsiteY89"/>
+              </a:cxn>
+              <a:cxn ang="0">
+                <a:pos x="connsiteX90" y="connsiteY90"/>
+              </a:cxn>
+              <a:cxn ang="0">
+                <a:pos x="connsiteX91" y="connsiteY91"/>
+              </a:cxn>
+              <a:cxn ang="0">
+                <a:pos x="connsiteX92" y="connsiteY92"/>
+              </a:cxn>
+              <a:cxn ang="0">
+                <a:pos x="connsiteX93" y="connsiteY93"/>
+              </a:cxn>
+              <a:cxn ang="0">
+                <a:pos x="connsiteX94" y="connsiteY94"/>
+              </a:cxn>
+              <a:cxn ang="0">
+                <a:pos x="connsiteX95" y="connsiteY95"/>
+              </a:cxn>
+              <a:cxn ang="0">
+                <a:pos x="connsiteX96" y="connsiteY96"/>
+              </a:cxn>
+              <a:cxn ang="0">
+                <a:pos x="connsiteX97" y="connsiteY97"/>
+              </a:cxn>
+              <a:cxn ang="0">
+                <a:pos x="connsiteX98" y="connsiteY98"/>
+              </a:cxn>
+              <a:cxn ang="0">
+                <a:pos x="connsiteX99" y="connsiteY99"/>
+              </a:cxn>
+              <a:cxn ang="0">
+                <a:pos x="connsiteX100" y="connsiteY100"/>
+              </a:cxn>
+              <a:cxn ang="0">
+                <a:pos x="connsiteX101" y="connsiteY101"/>
+              </a:cxn>
+              <a:cxn ang="0">
+                <a:pos x="connsiteX102" y="connsiteY102"/>
+              </a:cxn>
+              <a:cxn ang="0">
+                <a:pos x="connsiteX103" y="connsiteY103"/>
+              </a:cxn>
+              <a:cxn ang="0">
+                <a:pos x="connsiteX104" y="connsiteY104"/>
+              </a:cxn>
+              <a:cxn ang="0">
+                <a:pos x="connsiteX105" y="connsiteY105"/>
+              </a:cxn>
+              <a:cxn ang="0">
+                <a:pos x="connsiteX106" y="connsiteY106"/>
+              </a:cxn>
+              <a:cxn ang="0">
+                <a:pos x="connsiteX107" y="connsiteY107"/>
+              </a:cxn>
+              <a:cxn ang="0">
+                <a:pos x="connsiteX108" y="connsiteY108"/>
+              </a:cxn>
+              <a:cxn ang="0">
+                <a:pos x="connsiteX109" y="connsiteY109"/>
+              </a:cxn>
+              <a:cxn ang="0">
+                <a:pos x="connsiteX110" y="connsiteY110"/>
+              </a:cxn>
+              <a:cxn ang="0">
+                <a:pos x="connsiteX111" y="connsiteY111"/>
+              </a:cxn>
+              <a:cxn ang="0">
+                <a:pos x="connsiteX112" y="connsiteY112"/>
+              </a:cxn>
+              <a:cxn ang="0">
+                <a:pos x="connsiteX113" y="connsiteY113"/>
+              </a:cxn>
+              <a:cxn ang="0">
+                <a:pos x="connsiteX114" y="connsiteY114"/>
+              </a:cxn>
+              <a:cxn ang="0">
+                <a:pos x="connsiteX115" y="connsiteY115"/>
+              </a:cxn>
+              <a:cxn ang="0">
+                <a:pos x="connsiteX116" y="connsiteY116"/>
+              </a:cxn>
+              <a:cxn ang="0">
+                <a:pos x="connsiteX117" y="connsiteY117"/>
+              </a:cxn>
+              <a:cxn ang="0">
+                <a:pos x="connsiteX118" y="connsiteY118"/>
+              </a:cxn>
+              <a:cxn ang="0">
+                <a:pos x="connsiteX119" y="connsiteY119"/>
+              </a:cxn>
+              <a:cxn ang="0">
+                <a:pos x="connsiteX120" y="connsiteY120"/>
+              </a:cxn>
+            </a:cxnLst>
+            <a:rect l="l" t="t" r="r" b="b"/>
+            <a:pathLst>
+              <a:path w="4683674" h="4564048">
+                <a:moveTo>
+                  <a:pt x="0" y="0"/>
+                </a:moveTo>
+                <a:lnTo>
+                  <a:pt x="4683674" y="0"/>
+                </a:lnTo>
+                <a:lnTo>
+                  <a:pt x="4683674" y="4379420"/>
+                </a:lnTo>
+                <a:lnTo>
+                  <a:pt x="4673671" y="4378840"/>
+                </a:lnTo>
+                <a:lnTo>
+                  <a:pt x="4668303" y="4382142"/>
+                </a:lnTo>
+                <a:lnTo>
+                  <a:pt x="4660562" y="4374448"/>
+                </a:lnTo>
+                <a:cubicBezTo>
+                  <a:pt x="4656355" y="4371442"/>
+                  <a:pt x="4651457" y="4369784"/>
+                  <a:pt x="4645215" y="4371375"/>
+                </a:cubicBezTo>
+                <a:cubicBezTo>
+                  <a:pt x="4609044" y="4396149"/>
+                  <a:pt x="4641746" y="4356730"/>
+                  <a:pt x="4579761" y="4375210"/>
+                </a:cubicBezTo>
+                <a:cubicBezTo>
+                  <a:pt x="4577006" y="4378689"/>
+                  <a:pt x="4568410" y="4377372"/>
+                  <a:pt x="4568074" y="4373416"/>
+                </a:cubicBezTo>
+                <a:cubicBezTo>
+                  <a:pt x="4564387" y="4375383"/>
+                  <a:pt x="4556922" y="4384553"/>
+                  <a:pt x="4554149" y="4378650"/>
+                </a:cubicBezTo>
+                <a:cubicBezTo>
+                  <a:pt x="4543884" y="4380267"/>
+                  <a:pt x="4533963" y="4382948"/>
+                  <a:pt x="4524620" y="4386604"/>
+                </a:cubicBezTo>
+                <a:lnTo>
+                  <a:pt x="4505841" y="4396541"/>
+                </a:lnTo>
+                <a:lnTo>
+                  <a:pt x="4500482" y="4392332"/>
+                </a:lnTo>
+                <a:cubicBezTo>
+                  <a:pt x="4496952" y="4390347"/>
+                  <a:pt x="4493026" y="4389414"/>
+                  <a:pt x="4488387" y="4390994"/>
+                </a:cubicBezTo>
+                <a:cubicBezTo>
+                  <a:pt x="4463053" y="4411779"/>
+                  <a:pt x="4484273" y="4380259"/>
+                  <a:pt x="4438484" y="4397951"/>
+                </a:cubicBezTo>
+                <a:cubicBezTo>
+                  <a:pt x="4436716" y="4400724"/>
+                  <a:pt x="4429980" y="4400278"/>
+                  <a:pt x="4429332" y="4397340"/>
+                </a:cubicBezTo>
+                <a:cubicBezTo>
+                  <a:pt x="4426691" y="4399042"/>
+                  <a:pt x="4421867" y="4406365"/>
+                  <a:pt x="4419149" y="4402124"/>
+                </a:cubicBezTo>
+                <a:cubicBezTo>
+                  <a:pt x="4407558" y="4407723"/>
+                  <a:pt x="4369788" y="4425642"/>
+                  <a:pt x="4359785" y="4430931"/>
+                </a:cubicBezTo>
+                <a:lnTo>
+                  <a:pt x="4359139" y="4433856"/>
+                </a:lnTo>
+                <a:cubicBezTo>
+                  <a:pt x="4355940" y="4434724"/>
+                  <a:pt x="4344487" y="4434858"/>
+                  <a:pt x="4340592" y="4436136"/>
+                </a:cubicBezTo>
+                <a:lnTo>
+                  <a:pt x="4335770" y="4441526"/>
+                </a:lnTo>
+                <a:lnTo>
+                  <a:pt x="4326252" y="4443308"/>
+                </a:lnTo>
+                <a:lnTo>
+                  <a:pt x="4257540" y="4463117"/>
+                </a:lnTo>
+                <a:lnTo>
+                  <a:pt x="4245512" y="4464119"/>
+                </a:lnTo>
+                <a:cubicBezTo>
+                  <a:pt x="4240161" y="4466068"/>
+                  <a:pt x="4236009" y="4469767"/>
+                  <a:pt x="4233621" y="4476195"/>
+                </a:cubicBezTo>
+                <a:cubicBezTo>
+                  <a:pt x="4223883" y="4479012"/>
+                  <a:pt x="4196741" y="4479467"/>
+                  <a:pt x="4187084" y="4481018"/>
+                </a:cubicBezTo>
+                <a:lnTo>
+                  <a:pt x="4171513" y="4482231"/>
+                </a:lnTo>
+                <a:lnTo>
+                  <a:pt x="4164564" y="4483140"/>
+                </a:lnTo>
+                <a:lnTo>
+                  <a:pt x="4165685" y="4488934"/>
+                </a:lnTo>
+                <a:lnTo>
+                  <a:pt x="4147125" y="4493318"/>
+                </a:lnTo>
+                <a:cubicBezTo>
+                  <a:pt x="4141442" y="4496732"/>
+                  <a:pt x="4133773" y="4503479"/>
+                  <a:pt x="4125154" y="4510572"/>
+                </a:cubicBezTo>
+                <a:lnTo>
+                  <a:pt x="4106103" y="4523887"/>
+                </a:lnTo>
+                <a:lnTo>
+                  <a:pt x="4091879" y="4524368"/>
+                </a:lnTo>
+                <a:cubicBezTo>
+                  <a:pt x="4070874" y="4526861"/>
+                  <a:pt x="4038349" y="4531592"/>
+                  <a:pt x="4024147" y="4533649"/>
+                </a:cubicBezTo>
+                <a:cubicBezTo>
+                  <a:pt x="4020340" y="4537148"/>
+                  <a:pt x="4013205" y="4536000"/>
+                  <a:pt x="4006667" y="4536715"/>
+                </a:cubicBezTo>
+                <a:cubicBezTo>
+                  <a:pt x="4000081" y="4539985"/>
+                  <a:pt x="3969515" y="4540224"/>
+                  <a:pt x="3960069" y="4538590"/>
+                </a:cubicBezTo>
+                <a:lnTo>
+                  <a:pt x="3852451" y="4542685"/>
+                </a:lnTo>
+                <a:lnTo>
+                  <a:pt x="3850255" y="4545236"/>
+                </a:lnTo>
+                <a:lnTo>
+                  <a:pt x="3841400" y="4545965"/>
+                </a:lnTo>
+                <a:lnTo>
+                  <a:pt x="3839247" y="4546615"/>
+                </a:lnTo>
+                <a:cubicBezTo>
+                  <a:pt x="3835142" y="4547869"/>
+                  <a:pt x="3831033" y="4549038"/>
+                  <a:pt x="3826700" y="4549892"/>
+                </a:cubicBezTo>
+                <a:cubicBezTo>
+                  <a:pt x="3823957" y="4539088"/>
+                  <a:pt x="3789397" y="4555374"/>
+                  <a:pt x="3794865" y="4545523"/>
+                </a:cubicBezTo>
+                <a:cubicBezTo>
+                  <a:pt x="3770584" y="4548337"/>
+                  <a:pt x="3782159" y="4538224"/>
+                  <a:pt x="3759852" y="4549496"/>
+                </a:cubicBezTo>
+                <a:cubicBezTo>
+                  <a:pt x="3715905" y="4546697"/>
+                  <a:pt x="3692864" y="4558132"/>
+                  <a:pt x="3653239" y="4549970"/>
+                </a:cubicBezTo>
+                <a:cubicBezTo>
+                  <a:pt x="3660931" y="4554163"/>
+                  <a:pt x="3567553" y="4553744"/>
+                  <a:pt x="3554756" y="4552963"/>
+                </a:cubicBezTo>
+                <a:lnTo>
+                  <a:pt x="3511343" y="4552282"/>
+                </a:lnTo>
+                <a:lnTo>
+                  <a:pt x="3476178" y="4551540"/>
+                </a:lnTo>
+                <a:lnTo>
+                  <a:pt x="3477650" y="4558467"/>
+                </a:lnTo>
+                <a:cubicBezTo>
+                  <a:pt x="3467355" y="4557922"/>
+                  <a:pt x="3461066" y="4560277"/>
+                  <a:pt x="3456605" y="4564048"/>
+                </a:cubicBezTo>
+                <a:lnTo>
+                  <a:pt x="3428916" y="4551357"/>
+                </a:lnTo>
+                <a:lnTo>
+                  <a:pt x="3413192" y="4551476"/>
+                </a:lnTo>
+                <a:lnTo>
+                  <a:pt x="3385609" y="4555860"/>
+                </a:lnTo>
+                <a:lnTo>
+                  <a:pt x="3376421" y="4557888"/>
+                </a:lnTo>
+                <a:lnTo>
+                  <a:pt x="3307414" y="4543811"/>
+                </a:lnTo>
+                <a:lnTo>
+                  <a:pt x="3300685" y="4538163"/>
+                </a:lnTo>
+                <a:cubicBezTo>
+                  <a:pt x="3293468" y="4534686"/>
+                  <a:pt x="3283196" y="4533076"/>
+                  <a:pt x="3266080" y="4535707"/>
+                </a:cubicBezTo>
+                <a:lnTo>
+                  <a:pt x="3262145" y="4537206"/>
+                </a:lnTo>
+                <a:lnTo>
+                  <a:pt x="3233468" y="4528559"/>
+                </a:lnTo>
+                <a:cubicBezTo>
+                  <a:pt x="3224213" y="4524624"/>
+                  <a:pt x="3125184" y="4519671"/>
+                  <a:pt x="3118476" y="4513311"/>
+                </a:cubicBezTo>
+                <a:cubicBezTo>
+                  <a:pt x="3010039" y="4529055"/>
+                  <a:pt x="3002573" y="4501116"/>
+                  <a:pt x="2897364" y="4505308"/>
+                </a:cubicBezTo>
+                <a:cubicBezTo>
+                  <a:pt x="2806245" y="4462735"/>
+                  <a:pt x="2748772" y="4488666"/>
+                  <a:pt x="2667093" y="4482464"/>
+                </a:cubicBezTo>
+                <a:cubicBezTo>
+                  <a:pt x="2589297" y="4478101"/>
+                  <a:pt x="2553275" y="4491877"/>
+                  <a:pt x="2448752" y="4491308"/>
+                </a:cubicBezTo>
+                <a:cubicBezTo>
+                  <a:pt x="2338005" y="4482023"/>
+                  <a:pt x="2176624" y="4486957"/>
+                  <a:pt x="2052050" y="4466857"/>
+                </a:cubicBezTo>
+                <a:cubicBezTo>
+                  <a:pt x="1954172" y="4460387"/>
+                  <a:pt x="1953833" y="4465171"/>
+                  <a:pt x="1915952" y="4464669"/>
+                </a:cubicBezTo>
+                <a:cubicBezTo>
+                  <a:pt x="1903354" y="4467427"/>
+                  <a:pt x="1836826" y="4459363"/>
+                  <a:pt x="1824767" y="4463841"/>
+                </a:cubicBezTo>
+                <a:lnTo>
+                  <a:pt x="1818446" y="4466162"/>
+                </a:lnTo>
+                <a:lnTo>
+                  <a:pt x="1792979" y="4467533"/>
+                </a:lnTo>
+                <a:lnTo>
+                  <a:pt x="1786007" y="4477820"/>
+                </a:lnTo>
+                <a:lnTo>
+                  <a:pt x="1700890" y="4486737"/>
+                </a:lnTo>
+                <a:cubicBezTo>
+                  <a:pt x="1644305" y="4461695"/>
+                  <a:pt x="1595991" y="4491570"/>
+                  <a:pt x="1496036" y="4490777"/>
+                </a:cubicBezTo>
+                <a:cubicBezTo>
+                  <a:pt x="1469547" y="4482126"/>
+                  <a:pt x="1364133" y="4461070"/>
+                  <a:pt x="1344435" y="4473538"/>
+                </a:cubicBezTo>
+                <a:lnTo>
+                  <a:pt x="1328066" y="4473650"/>
+                </a:lnTo>
+                <a:lnTo>
+                  <a:pt x="1307929" y="4472224"/>
+                </a:lnTo>
+                <a:cubicBezTo>
+                  <a:pt x="1297296" y="4472938"/>
+                  <a:pt x="1286253" y="4474917"/>
+                  <a:pt x="1276712" y="4477775"/>
+                </a:cubicBezTo>
+                <a:lnTo>
+                  <a:pt x="1259786" y="4486039"/>
+                </a:lnTo>
+                <a:lnTo>
+                  <a:pt x="1254149" y="4485243"/>
+                </a:lnTo>
+                <a:lnTo>
+                  <a:pt x="1253835" y="4482397"/>
+                </a:lnTo>
+                <a:cubicBezTo>
+                  <a:pt x="1242111" y="4472542"/>
+                  <a:pt x="1167700" y="4491972"/>
+                  <a:pt x="1202349" y="4472878"/>
+                </a:cubicBezTo>
+                <a:cubicBezTo>
+                  <a:pt x="1189242" y="4471823"/>
+                  <a:pt x="1167161" y="4433285"/>
+                  <a:pt x="1134209" y="4436320"/>
+                </a:cubicBezTo>
+                <a:cubicBezTo>
+                  <a:pt x="1089697" y="4442366"/>
+                  <a:pt x="1100423" y="4432039"/>
+                  <a:pt x="1055333" y="4428602"/>
+                </a:cubicBezTo>
+                <a:cubicBezTo>
+                  <a:pt x="1041136" y="4406270"/>
+                  <a:pt x="1045585" y="4424774"/>
+                  <a:pt x="1023656" y="4415806"/>
+                </a:cubicBezTo>
+                <a:cubicBezTo>
+                  <a:pt x="1022285" y="4432773"/>
+                  <a:pt x="999484" y="4400086"/>
+                  <a:pt x="989393" y="4417111"/>
+                </a:cubicBezTo>
+                <a:cubicBezTo>
+                  <a:pt x="985722" y="4414939"/>
+                  <a:pt x="982483" y="4412299"/>
+                  <a:pt x="979308" y="4409520"/>
+                </a:cubicBezTo>
+                <a:lnTo>
+                  <a:pt x="977641" y="4408074"/>
+                </a:lnTo>
+                <a:lnTo>
+                  <a:pt x="969438" y="4405286"/>
+                </a:lnTo>
+                <a:lnTo>
+                  <a:pt x="969029" y="4400748"/>
+                </a:lnTo>
+                <a:lnTo>
+                  <a:pt x="958049" y="4393863"/>
+                </a:lnTo>
+                <a:cubicBezTo>
+                  <a:pt x="953642" y="4391864"/>
+                  <a:pt x="948557" y="4390392"/>
+                  <a:pt x="942423" y="4389778"/>
+                </a:cubicBezTo>
+                <a:cubicBezTo>
+                  <a:pt x="918991" y="4394276"/>
+                  <a:pt x="895417" y="4368106"/>
+                  <a:pt x="866111" y="4374574"/>
+                </a:cubicBezTo>
+                <a:cubicBezTo>
+                  <a:pt x="855715" y="4375510"/>
+                  <a:pt x="825849" y="4369575"/>
+                  <a:pt x="821619" y="4363075"/>
+                </a:cubicBezTo>
+                <a:cubicBezTo>
+                  <a:pt x="815684" y="4360729"/>
+                  <a:pt x="807891" y="4361298"/>
+                  <a:pt x="806545" y="4354932"/>
+                </a:cubicBezTo>
+                <a:cubicBezTo>
+                  <a:pt x="803633" y="4347030"/>
+                  <a:pt x="778973" y="4353793"/>
+                  <a:pt x="784265" y="4346098"/>
+                </a:cubicBezTo>
+                <a:cubicBezTo>
+                  <a:pt x="766827" y="4350629"/>
+                  <a:pt x="758410" y="4333644"/>
+                  <a:pt x="746361" y="4327585"/>
+                </a:cubicBezTo>
+                <a:cubicBezTo>
+                  <a:pt x="739295" y="4330130"/>
+                  <a:pt x="732924" y="4326969"/>
+                  <a:pt x="724833" y="4322280"/>
+                </a:cubicBezTo>
+                <a:lnTo>
+                  <a:pt x="692229" y="4311453"/>
+                </a:lnTo>
+                <a:lnTo>
+                  <a:pt x="682738" y="4309627"/>
+                </a:lnTo>
+                <a:lnTo>
+                  <a:pt x="678921" y="4309083"/>
+                </a:lnTo>
+                <a:lnTo>
+                  <a:pt x="646295" y="4309501"/>
+                </a:lnTo>
+                <a:cubicBezTo>
+                  <a:pt x="645816" y="4308195"/>
+                  <a:pt x="645067" y="4306921"/>
+                  <a:pt x="644071" y="4305725"/>
+                </a:cubicBezTo>
+                <a:lnTo>
+                  <a:pt x="634976" y="4300573"/>
+                </a:lnTo>
+                <a:lnTo>
+                  <a:pt x="625763" y="4302811"/>
+                </a:lnTo>
+                <a:cubicBezTo>
+                  <a:pt x="626730" y="4296354"/>
+                  <a:pt x="615876" y="4301668"/>
+                  <a:pt x="607674" y="4301837"/>
+                </a:cubicBezTo>
+                <a:lnTo>
+                  <a:pt x="602965" y="4300327"/>
+                </a:lnTo>
+                <a:lnTo>
+                  <a:pt x="586229" y="4312031"/>
+                </a:lnTo>
+                <a:cubicBezTo>
+                  <a:pt x="576553" y="4312302"/>
+                  <a:pt x="566131" y="4302031"/>
+                  <a:pt x="557275" y="4301289"/>
+                </a:cubicBezTo>
+                <a:lnTo>
+                  <a:pt x="526163" y="4297470"/>
+                </a:lnTo>
+                <a:lnTo>
+                  <a:pt x="516631" y="4299761"/>
+                </a:lnTo>
+                <a:cubicBezTo>
+                  <a:pt x="495873" y="4300309"/>
+                  <a:pt x="474152" y="4298655"/>
+                  <a:pt x="459412" y="4306052"/>
+                </a:cubicBezTo>
+                <a:cubicBezTo>
+                  <a:pt x="453422" y="4306923"/>
+                  <a:pt x="446771" y="4299312"/>
+                  <a:pt x="441733" y="4298450"/>
+                </a:cubicBezTo>
+                <a:lnTo>
+                  <a:pt x="428280" y="4294479"/>
+                </a:lnTo>
+                <a:lnTo>
+                  <a:pt x="425763" y="4290239"/>
+                </a:lnTo>
+                <a:lnTo>
+                  <a:pt x="416825" y="4289525"/>
+                </a:lnTo>
+                <a:lnTo>
+                  <a:pt x="414589" y="4288538"/>
+                </a:lnTo>
+                <a:cubicBezTo>
+                  <a:pt x="410330" y="4286638"/>
+                  <a:pt x="406074" y="4284884"/>
+                  <a:pt x="401639" y="4283681"/>
+                </a:cubicBezTo>
+                <a:cubicBezTo>
+                  <a:pt x="400291" y="4302346"/>
+                  <a:pt x="363682" y="4276528"/>
+                  <a:pt x="370415" y="4293067"/>
+                </a:cubicBezTo>
+                <a:cubicBezTo>
+                  <a:pt x="345802" y="4289707"/>
+                  <a:pt x="358667" y="4306330"/>
+                  <a:pt x="334938" y="4288364"/>
+                </a:cubicBezTo>
+                <a:cubicBezTo>
+                  <a:pt x="291417" y="4295790"/>
+                  <a:pt x="273753" y="4302034"/>
+                  <a:pt x="235237" y="4295882"/>
+                </a:cubicBezTo>
+                <a:cubicBezTo>
+                  <a:pt x="199669" y="4294212"/>
+                  <a:pt x="155293" y="4277040"/>
+                  <a:pt x="121525" y="4278339"/>
+                </a:cubicBezTo>
+                <a:cubicBezTo>
+                  <a:pt x="70380" y="4279224"/>
+                  <a:pt x="48578" y="4324896"/>
+                  <a:pt x="32621" y="4303674"/>
+                </a:cubicBezTo>
+                <a:cubicBezTo>
+                  <a:pt x="20541" y="4306410"/>
+                  <a:pt x="11582" y="4308037"/>
+                  <a:pt x="3115" y="4309103"/>
+                </a:cubicBezTo>
+                <a:lnTo>
+                  <a:pt x="0" y="4309345"/>
+                </a:lnTo>
+                <a:close/>
+              </a:path>
+            </a:pathLst>
+          </a:custGeom>
+          <a:solidFill>
+            <a:srgbClr val="82766A">
+              <a:alpha val="15000"/>
+            </a:srgbClr>
+          </a:solidFill>
+          <a:ln>
+            <a:noFill/>
+          </a:ln>
+        </p:spPr>
+        <p:style>
+          <a:lnRef idx="2">
+            <a:schemeClr val="accent1">
+              <a:shade val="50000"/>
+            </a:schemeClr>
+          </a:lnRef>
+          <a:fillRef idx="1">
+            <a:schemeClr val="accent1"/>
+          </a:fillRef>
+          <a:effectRef idx="0">
+            <a:schemeClr val="accent1"/>
+          </a:effectRef>
+          <a:fontRef idx="minor">
+            <a:schemeClr val="lt1"/>
+          </a:fontRef>
+        </p:style>
+        <p:txBody>
+          <a:bodyPr wrap="square" rtlCol="0" anchor="ctr">
+            <a:noAutofit/>
+          </a:bodyPr>
+          <a:lstStyle/>
+          <a:p>
+            <a:pPr algn="ctr"/>
+            <a:endParaRPr lang="en-US"/>
+          </a:p>
+        </p:txBody>
+      </p:sp>
+      <p:sp>
+        <p:nvSpPr>
+          <p:cNvPr id="2" name="Title 1">
+            <a:extLst>
+              <a:ext uri="{FF2B5EF4-FFF2-40B4-BE49-F238E27FC236}">
+                <a16:creationId xmlns:a16="http://schemas.microsoft.com/office/drawing/2014/main" id="{80904C85-9F78-8FEE-30CB-03DB17BDB003}"/>
+              </a:ext>
+            </a:extLst>
+          </p:cNvPr>
+          <p:cNvSpPr>
+            <a:spLocks noGrp="1"/>
+          </p:cNvSpPr>
+          <p:nvPr>
+            <p:ph type="title"/>
+          </p:nvPr>
+        </p:nvSpPr>
+        <p:spPr>
+          <a:xfrm>
+            <a:off x="1136950" y="1876567"/>
+            <a:ext cx="3696708" cy="3104866"/>
+          </a:xfrm>
+        </p:spPr>
+        <p:txBody>
+          <a:bodyPr vert="horz" lIns="91440" tIns="45720" rIns="91440" bIns="45720" rtlCol="0" anchor="ctr">
+            <a:normAutofit/>
+          </a:bodyPr>
+          <a:lstStyle/>
+          <a:p>
+            <a:pPr algn="ctr">
+              <a:spcBef>
+                <a:spcPct val="0"/>
+              </a:spcBef>
+            </a:pPr>
+            <a:r>
+              <a:rPr lang="en-US" b="1" i="0" kern="1200">
+                <a:solidFill>
+                  <a:schemeClr val="tx1">
+                    <a:lumMod val="85000"/>
+                    <a:lumOff val="15000"/>
+                  </a:schemeClr>
+                </a:solidFill>
+                <a:effectLst/>
+                <a:latin typeface="+mj-lt"/>
+                <a:ea typeface="+mj-ea"/>
+                <a:cs typeface="+mj-cs"/>
+              </a:rPr>
+              <a:t>Comparison: All Features vs Consolidated Billing</a:t>
+            </a:r>
+            <a:endParaRPr lang="en-US" kern="1200">
+              <a:solidFill>
+                <a:schemeClr val="tx1">
+                  <a:lumMod val="85000"/>
+                  <a:lumOff val="15000"/>
+                </a:schemeClr>
+              </a:solidFill>
+              <a:latin typeface="+mj-lt"/>
+              <a:ea typeface="+mj-ea"/>
+              <a:cs typeface="+mj-cs"/>
+            </a:endParaRPr>
+          </a:p>
+        </p:txBody>
+      </p:sp>
+      <p:sp>
+        <p:nvSpPr>
+          <p:cNvPr id="12" name="Rectangle 6">
+            <a:extLst>
+              <a:ext uri="{FF2B5EF4-FFF2-40B4-BE49-F238E27FC236}">
+                <a16:creationId xmlns:a16="http://schemas.microsoft.com/office/drawing/2014/main" id="{0AC3A952-2574-44E9-9C98-DBC27EE14160}"/>
+              </a:ext>
+              <a:ext uri="{C183D7F6-B498-43B3-948B-1728B52AA6E4}">
+                <adec:decorative xmlns:adec="http://schemas.microsoft.com/office/drawing/2017/decorative" val="1"/>
+              </a:ext>
+            </a:extLst>
+          </p:cNvPr>
+          <p:cNvSpPr>
+            <a:spLocks noGrp="1" noRot="1" noChangeAspect="1" noMove="1" noResize="1" noEditPoints="1" noAdjustHandles="1" noChangeArrowheads="1" noChangeShapeType="1" noTextEdit="1"/>
+          </p:cNvSpPr>
+          <p:nvPr>
+            <p:extLst>
+              <p:ext uri="{386F3935-93C4-4BCD-93E2-E3B085C9AB24}">
+                <p16:designElem xmlns:p16="http://schemas.microsoft.com/office/powerpoint/2015/main" val="1"/>
+              </p:ext>
+            </p:extLst>
+          </p:nvPr>
+        </p:nvSpPr>
+        <p:spPr>
+          <a:xfrm>
+            <a:off x="2227836" y="964940"/>
+            <a:ext cx="1348547" cy="407804"/>
+          </a:xfrm>
+          <a:custGeom>
+            <a:avLst/>
+            <a:gdLst>
+              <a:gd name="connsiteX0" fmla="*/ 0 w 2142503"/>
+              <a:gd name="connsiteY0" fmla="*/ 0 h 571500"/>
+              <a:gd name="connsiteX1" fmla="*/ 2142503 w 2142503"/>
+              <a:gd name="connsiteY1" fmla="*/ 0 h 571500"/>
+              <a:gd name="connsiteX2" fmla="*/ 2142503 w 2142503"/>
+              <a:gd name="connsiteY2" fmla="*/ 571500 h 571500"/>
+              <a:gd name="connsiteX3" fmla="*/ 0 w 2142503"/>
+              <a:gd name="connsiteY3" fmla="*/ 571500 h 571500"/>
+              <a:gd name="connsiteX4" fmla="*/ 0 w 2142503"/>
+              <a:gd name="connsiteY4" fmla="*/ 0 h 571500"/>
+              <a:gd name="connsiteX0" fmla="*/ 0 w 2142503"/>
+              <a:gd name="connsiteY0" fmla="*/ 0 h 582145"/>
+              <a:gd name="connsiteX1" fmla="*/ 2142503 w 2142503"/>
+              <a:gd name="connsiteY1" fmla="*/ 0 h 582145"/>
+              <a:gd name="connsiteX2" fmla="*/ 2142503 w 2142503"/>
+              <a:gd name="connsiteY2" fmla="*/ 571500 h 582145"/>
+              <a:gd name="connsiteX3" fmla="*/ 2050917 w 2142503"/>
+              <a:gd name="connsiteY3" fmla="*/ 582088 h 582145"/>
+              <a:gd name="connsiteX4" fmla="*/ 0 w 2142503"/>
+              <a:gd name="connsiteY4" fmla="*/ 571500 h 582145"/>
+              <a:gd name="connsiteX5" fmla="*/ 0 w 2142503"/>
+              <a:gd name="connsiteY5" fmla="*/ 0 h 582145"/>
+              <a:gd name="connsiteX0" fmla="*/ 0 w 2159832"/>
+              <a:gd name="connsiteY0" fmla="*/ 0 h 582145"/>
+              <a:gd name="connsiteX1" fmla="*/ 2142503 w 2159832"/>
+              <a:gd name="connsiteY1" fmla="*/ 0 h 582145"/>
+              <a:gd name="connsiteX2" fmla="*/ 2159829 w 2159832"/>
+              <a:gd name="connsiteY2" fmla="*/ 96526 h 582145"/>
+              <a:gd name="connsiteX3" fmla="*/ 2142503 w 2159832"/>
+              <a:gd name="connsiteY3" fmla="*/ 571500 h 582145"/>
+              <a:gd name="connsiteX4" fmla="*/ 2050917 w 2159832"/>
+              <a:gd name="connsiteY4" fmla="*/ 582088 h 582145"/>
+              <a:gd name="connsiteX5" fmla="*/ 0 w 2159832"/>
+              <a:gd name="connsiteY5" fmla="*/ 571500 h 582145"/>
+              <a:gd name="connsiteX6" fmla="*/ 0 w 2159832"/>
+              <a:gd name="connsiteY6" fmla="*/ 0 h 582145"/>
+              <a:gd name="connsiteX0" fmla="*/ 0 w 2159832"/>
+              <a:gd name="connsiteY0" fmla="*/ 12386 h 594531"/>
+              <a:gd name="connsiteX1" fmla="*/ 67826 w 2159832"/>
+              <a:gd name="connsiteY1" fmla="*/ 0 h 594531"/>
+              <a:gd name="connsiteX2" fmla="*/ 2142503 w 2159832"/>
+              <a:gd name="connsiteY2" fmla="*/ 12386 h 594531"/>
+              <a:gd name="connsiteX3" fmla="*/ 2159829 w 2159832"/>
+              <a:gd name="connsiteY3" fmla="*/ 108912 h 594531"/>
+              <a:gd name="connsiteX4" fmla="*/ 2142503 w 2159832"/>
+              <a:gd name="connsiteY4" fmla="*/ 583886 h 594531"/>
+              <a:gd name="connsiteX5" fmla="*/ 2050917 w 2159832"/>
+              <a:gd name="connsiteY5" fmla="*/ 594474 h 594531"/>
+              <a:gd name="connsiteX6" fmla="*/ 0 w 2159832"/>
+              <a:gd name="connsiteY6" fmla="*/ 583886 h 594531"/>
+              <a:gd name="connsiteX7" fmla="*/ 0 w 2159832"/>
+              <a:gd name="connsiteY7" fmla="*/ 12386 h 594531"/>
+              <a:gd name="connsiteX0" fmla="*/ 0 w 2168908"/>
+              <a:gd name="connsiteY0" fmla="*/ 26000 h 594531"/>
+              <a:gd name="connsiteX1" fmla="*/ 76902 w 2168908"/>
+              <a:gd name="connsiteY1" fmla="*/ 0 h 594531"/>
+              <a:gd name="connsiteX2" fmla="*/ 2151579 w 2168908"/>
+              <a:gd name="connsiteY2" fmla="*/ 12386 h 594531"/>
+              <a:gd name="connsiteX3" fmla="*/ 2168905 w 2168908"/>
+              <a:gd name="connsiteY3" fmla="*/ 108912 h 594531"/>
+              <a:gd name="connsiteX4" fmla="*/ 2151579 w 2168908"/>
+              <a:gd name="connsiteY4" fmla="*/ 583886 h 594531"/>
+              <a:gd name="connsiteX5" fmla="*/ 2059993 w 2168908"/>
+              <a:gd name="connsiteY5" fmla="*/ 594474 h 594531"/>
+              <a:gd name="connsiteX6" fmla="*/ 9076 w 2168908"/>
+              <a:gd name="connsiteY6" fmla="*/ 583886 h 594531"/>
+              <a:gd name="connsiteX7" fmla="*/ 0 w 2168908"/>
+              <a:gd name="connsiteY7" fmla="*/ 26000 h 594531"/>
+              <a:gd name="connsiteX0" fmla="*/ 5393 w 2174301"/>
+              <a:gd name="connsiteY0" fmla="*/ 26000 h 594531"/>
+              <a:gd name="connsiteX1" fmla="*/ 82295 w 2174301"/>
+              <a:gd name="connsiteY1" fmla="*/ 0 h 594531"/>
+              <a:gd name="connsiteX2" fmla="*/ 2156972 w 2174301"/>
+              <a:gd name="connsiteY2" fmla="*/ 12386 h 594531"/>
+              <a:gd name="connsiteX3" fmla="*/ 2174298 w 2174301"/>
+              <a:gd name="connsiteY3" fmla="*/ 108912 h 594531"/>
+              <a:gd name="connsiteX4" fmla="*/ 2156972 w 2174301"/>
+              <a:gd name="connsiteY4" fmla="*/ 583886 h 594531"/>
+              <a:gd name="connsiteX5" fmla="*/ 2065386 w 2174301"/>
+              <a:gd name="connsiteY5" fmla="*/ 594474 h 594531"/>
+              <a:gd name="connsiteX6" fmla="*/ 14469 w 2174301"/>
+              <a:gd name="connsiteY6" fmla="*/ 583886 h 594531"/>
+              <a:gd name="connsiteX7" fmla="*/ 5393 w 2174301"/>
+              <a:gd name="connsiteY7" fmla="*/ 26000 h 594531"/>
+              <a:gd name="connsiteX0" fmla="*/ 5393 w 2174301"/>
+              <a:gd name="connsiteY0" fmla="*/ 26000 h 594531"/>
+              <a:gd name="connsiteX1" fmla="*/ 82295 w 2174301"/>
+              <a:gd name="connsiteY1" fmla="*/ 0 h 594531"/>
+              <a:gd name="connsiteX2" fmla="*/ 2156972 w 2174301"/>
+              <a:gd name="connsiteY2" fmla="*/ 12386 h 594531"/>
+              <a:gd name="connsiteX3" fmla="*/ 2174298 w 2174301"/>
+              <a:gd name="connsiteY3" fmla="*/ 108912 h 594531"/>
+              <a:gd name="connsiteX4" fmla="*/ 2156972 w 2174301"/>
+              <a:gd name="connsiteY4" fmla="*/ 583886 h 594531"/>
+              <a:gd name="connsiteX5" fmla="*/ 2065386 w 2174301"/>
+              <a:gd name="connsiteY5" fmla="*/ 594474 h 594531"/>
+              <a:gd name="connsiteX6" fmla="*/ 14469 w 2174301"/>
+              <a:gd name="connsiteY6" fmla="*/ 583886 h 594531"/>
+              <a:gd name="connsiteX7" fmla="*/ 5393 w 2174301"/>
+              <a:gd name="connsiteY7" fmla="*/ 26000 h 594531"/>
+              <a:gd name="connsiteX0" fmla="*/ 5393 w 2174301"/>
+              <a:gd name="connsiteY0" fmla="*/ 26000 h 594531"/>
+              <a:gd name="connsiteX1" fmla="*/ 82295 w 2174301"/>
+              <a:gd name="connsiteY1" fmla="*/ 0 h 594531"/>
+              <a:gd name="connsiteX2" fmla="*/ 2156972 w 2174301"/>
+              <a:gd name="connsiteY2" fmla="*/ 12386 h 594531"/>
+              <a:gd name="connsiteX3" fmla="*/ 2174298 w 2174301"/>
+              <a:gd name="connsiteY3" fmla="*/ 108912 h 594531"/>
+              <a:gd name="connsiteX4" fmla="*/ 2156972 w 2174301"/>
+              <a:gd name="connsiteY4" fmla="*/ 583886 h 594531"/>
+              <a:gd name="connsiteX5" fmla="*/ 2065386 w 2174301"/>
+              <a:gd name="connsiteY5" fmla="*/ 594474 h 594531"/>
+              <a:gd name="connsiteX6" fmla="*/ 14469 w 2174301"/>
+              <a:gd name="connsiteY6" fmla="*/ 583886 h 594531"/>
+              <a:gd name="connsiteX7" fmla="*/ 5393 w 2174301"/>
+              <a:gd name="connsiteY7" fmla="*/ 26000 h 594531"/>
+              <a:gd name="connsiteX0" fmla="*/ 5393 w 2174301"/>
+              <a:gd name="connsiteY0" fmla="*/ 26000 h 594531"/>
+              <a:gd name="connsiteX1" fmla="*/ 82295 w 2174301"/>
+              <a:gd name="connsiteY1" fmla="*/ 0 h 594531"/>
+              <a:gd name="connsiteX2" fmla="*/ 2156972 w 2174301"/>
+              <a:gd name="connsiteY2" fmla="*/ 12386 h 594531"/>
+              <a:gd name="connsiteX3" fmla="*/ 2174298 w 2174301"/>
+              <a:gd name="connsiteY3" fmla="*/ 108912 h 594531"/>
+              <a:gd name="connsiteX4" fmla="*/ 2156972 w 2174301"/>
+              <a:gd name="connsiteY4" fmla="*/ 583886 h 594531"/>
+              <a:gd name="connsiteX5" fmla="*/ 2065386 w 2174301"/>
+              <a:gd name="connsiteY5" fmla="*/ 594474 h 594531"/>
+              <a:gd name="connsiteX6" fmla="*/ 14469 w 2174301"/>
+              <a:gd name="connsiteY6" fmla="*/ 583886 h 594531"/>
+              <a:gd name="connsiteX7" fmla="*/ 5393 w 2174301"/>
+              <a:gd name="connsiteY7" fmla="*/ 26000 h 594531"/>
+              <a:gd name="connsiteX0" fmla="*/ 147197 w 2316105"/>
+              <a:gd name="connsiteY0" fmla="*/ 26000 h 594531"/>
+              <a:gd name="connsiteX1" fmla="*/ 224099 w 2316105"/>
+              <a:gd name="connsiteY1" fmla="*/ 0 h 594531"/>
+              <a:gd name="connsiteX2" fmla="*/ 2298776 w 2316105"/>
+              <a:gd name="connsiteY2" fmla="*/ 12386 h 594531"/>
+              <a:gd name="connsiteX3" fmla="*/ 2316102 w 2316105"/>
+              <a:gd name="connsiteY3" fmla="*/ 108912 h 594531"/>
+              <a:gd name="connsiteX4" fmla="*/ 2298776 w 2316105"/>
+              <a:gd name="connsiteY4" fmla="*/ 583886 h 594531"/>
+              <a:gd name="connsiteX5" fmla="*/ 2207190 w 2316105"/>
+              <a:gd name="connsiteY5" fmla="*/ 594474 h 594531"/>
+              <a:gd name="connsiteX6" fmla="*/ 156273 w 2316105"/>
+              <a:gd name="connsiteY6" fmla="*/ 583886 h 594531"/>
+              <a:gd name="connsiteX7" fmla="*/ 142416 w 2316105"/>
+              <a:gd name="connsiteY7" fmla="*/ 235975 h 594531"/>
+              <a:gd name="connsiteX8" fmla="*/ 147197 w 2316105"/>
+              <a:gd name="connsiteY8" fmla="*/ 26000 h 594531"/>
+              <a:gd name="connsiteX0" fmla="*/ 154684 w 2323592"/>
+              <a:gd name="connsiteY0" fmla="*/ 26000 h 594531"/>
+              <a:gd name="connsiteX1" fmla="*/ 231586 w 2323592"/>
+              <a:gd name="connsiteY1" fmla="*/ 0 h 594531"/>
+              <a:gd name="connsiteX2" fmla="*/ 2306263 w 2323592"/>
+              <a:gd name="connsiteY2" fmla="*/ 12386 h 594531"/>
+              <a:gd name="connsiteX3" fmla="*/ 2323589 w 2323592"/>
+              <a:gd name="connsiteY3" fmla="*/ 108912 h 594531"/>
+              <a:gd name="connsiteX4" fmla="*/ 2306263 w 2323592"/>
+              <a:gd name="connsiteY4" fmla="*/ 583886 h 594531"/>
+              <a:gd name="connsiteX5" fmla="*/ 2214677 w 2323592"/>
+              <a:gd name="connsiteY5" fmla="*/ 594474 h 594531"/>
+              <a:gd name="connsiteX6" fmla="*/ 163760 w 2323592"/>
+              <a:gd name="connsiteY6" fmla="*/ 583886 h 594531"/>
+              <a:gd name="connsiteX7" fmla="*/ 158979 w 2323592"/>
+              <a:gd name="connsiteY7" fmla="*/ 403879 h 594531"/>
+              <a:gd name="connsiteX8" fmla="*/ 149903 w 2323592"/>
+              <a:gd name="connsiteY8" fmla="*/ 235975 h 594531"/>
+              <a:gd name="connsiteX9" fmla="*/ 154684 w 2323592"/>
+              <a:gd name="connsiteY9" fmla="*/ 26000 h 594531"/>
+              <a:gd name="connsiteX0" fmla="*/ 13665 w 2182573"/>
+              <a:gd name="connsiteY0" fmla="*/ 26000 h 594531"/>
+              <a:gd name="connsiteX1" fmla="*/ 90567 w 2182573"/>
+              <a:gd name="connsiteY1" fmla="*/ 0 h 594531"/>
+              <a:gd name="connsiteX2" fmla="*/ 2165244 w 2182573"/>
+              <a:gd name="connsiteY2" fmla="*/ 12386 h 594531"/>
+              <a:gd name="connsiteX3" fmla="*/ 2182570 w 2182573"/>
+              <a:gd name="connsiteY3" fmla="*/ 108912 h 594531"/>
+              <a:gd name="connsiteX4" fmla="*/ 2165244 w 2182573"/>
+              <a:gd name="connsiteY4" fmla="*/ 583886 h 594531"/>
+              <a:gd name="connsiteX5" fmla="*/ 2073658 w 2182573"/>
+              <a:gd name="connsiteY5" fmla="*/ 594474 h 594531"/>
+              <a:gd name="connsiteX6" fmla="*/ 22741 w 2182573"/>
+              <a:gd name="connsiteY6" fmla="*/ 583886 h 594531"/>
+              <a:gd name="connsiteX7" fmla="*/ 17960 w 2182573"/>
+              <a:gd name="connsiteY7" fmla="*/ 403879 h 594531"/>
+              <a:gd name="connsiteX8" fmla="*/ 8884 w 2182573"/>
+              <a:gd name="connsiteY8" fmla="*/ 235975 h 594531"/>
+              <a:gd name="connsiteX9" fmla="*/ 13665 w 2182573"/>
+              <a:gd name="connsiteY9" fmla="*/ 26000 h 594531"/>
+              <a:gd name="connsiteX0" fmla="*/ 13665 w 2202120"/>
+              <a:gd name="connsiteY0" fmla="*/ 26000 h 594531"/>
+              <a:gd name="connsiteX1" fmla="*/ 90567 w 2202120"/>
+              <a:gd name="connsiteY1" fmla="*/ 0 h 594531"/>
+              <a:gd name="connsiteX2" fmla="*/ 2165244 w 2202120"/>
+              <a:gd name="connsiteY2" fmla="*/ 12386 h 594531"/>
+              <a:gd name="connsiteX3" fmla="*/ 2182570 w 2202120"/>
+              <a:gd name="connsiteY3" fmla="*/ 108912 h 594531"/>
+              <a:gd name="connsiteX4" fmla="*/ 2192471 w 2202120"/>
+              <a:gd name="connsiteY4" fmla="*/ 583886 h 594531"/>
+              <a:gd name="connsiteX5" fmla="*/ 2073658 w 2202120"/>
+              <a:gd name="connsiteY5" fmla="*/ 594474 h 594531"/>
+              <a:gd name="connsiteX6" fmla="*/ 22741 w 2202120"/>
+              <a:gd name="connsiteY6" fmla="*/ 583886 h 594531"/>
+              <a:gd name="connsiteX7" fmla="*/ 17960 w 2202120"/>
+              <a:gd name="connsiteY7" fmla="*/ 403879 h 594531"/>
+              <a:gd name="connsiteX8" fmla="*/ 8884 w 2202120"/>
+              <a:gd name="connsiteY8" fmla="*/ 235975 h 594531"/>
+              <a:gd name="connsiteX9" fmla="*/ 13665 w 2202120"/>
+              <a:gd name="connsiteY9" fmla="*/ 26000 h 594531"/>
+              <a:gd name="connsiteX0" fmla="*/ 13665 w 2202036"/>
+              <a:gd name="connsiteY0" fmla="*/ 26000 h 594531"/>
+              <a:gd name="connsiteX1" fmla="*/ 90567 w 2202036"/>
+              <a:gd name="connsiteY1" fmla="*/ 0 h 594531"/>
+              <a:gd name="connsiteX2" fmla="*/ 2165244 w 2202036"/>
+              <a:gd name="connsiteY2" fmla="*/ 12386 h 594531"/>
+              <a:gd name="connsiteX3" fmla="*/ 2182570 w 2202036"/>
+              <a:gd name="connsiteY3" fmla="*/ 108912 h 594531"/>
+              <a:gd name="connsiteX4" fmla="*/ 2191645 w 2202036"/>
+              <a:gd name="connsiteY4" fmla="*/ 422031 h 594531"/>
+              <a:gd name="connsiteX5" fmla="*/ 2192471 w 2202036"/>
+              <a:gd name="connsiteY5" fmla="*/ 583886 h 594531"/>
+              <a:gd name="connsiteX6" fmla="*/ 2073658 w 2202036"/>
+              <a:gd name="connsiteY6" fmla="*/ 594474 h 594531"/>
+              <a:gd name="connsiteX7" fmla="*/ 22741 w 2202036"/>
+              <a:gd name="connsiteY7" fmla="*/ 583886 h 594531"/>
+              <a:gd name="connsiteX8" fmla="*/ 17960 w 2202036"/>
+              <a:gd name="connsiteY8" fmla="*/ 403879 h 594531"/>
+              <a:gd name="connsiteX9" fmla="*/ 8884 w 2202036"/>
+              <a:gd name="connsiteY9" fmla="*/ 235975 h 594531"/>
+              <a:gd name="connsiteX10" fmla="*/ 13665 w 2202036"/>
+              <a:gd name="connsiteY10" fmla="*/ 26000 h 594531"/>
+              <a:gd name="connsiteX0" fmla="*/ 142254 w 2330625"/>
+              <a:gd name="connsiteY0" fmla="*/ 26000 h 594531"/>
+              <a:gd name="connsiteX1" fmla="*/ 219156 w 2330625"/>
+              <a:gd name="connsiteY1" fmla="*/ 0 h 594531"/>
+              <a:gd name="connsiteX2" fmla="*/ 2293833 w 2330625"/>
+              <a:gd name="connsiteY2" fmla="*/ 12386 h 594531"/>
+              <a:gd name="connsiteX3" fmla="*/ 2311159 w 2330625"/>
+              <a:gd name="connsiteY3" fmla="*/ 108912 h 594531"/>
+              <a:gd name="connsiteX4" fmla="*/ 2320234 w 2330625"/>
+              <a:gd name="connsiteY4" fmla="*/ 422031 h 594531"/>
+              <a:gd name="connsiteX5" fmla="*/ 2321060 w 2330625"/>
+              <a:gd name="connsiteY5" fmla="*/ 583886 h 594531"/>
+              <a:gd name="connsiteX6" fmla="*/ 2202247 w 2330625"/>
+              <a:gd name="connsiteY6" fmla="*/ 594474 h 594531"/>
+              <a:gd name="connsiteX7" fmla="*/ 151330 w 2330625"/>
+              <a:gd name="connsiteY7" fmla="*/ 583886 h 594531"/>
+              <a:gd name="connsiteX8" fmla="*/ 155624 w 2330625"/>
+              <a:gd name="connsiteY8" fmla="*/ 512790 h 594531"/>
+              <a:gd name="connsiteX9" fmla="*/ 146549 w 2330625"/>
+              <a:gd name="connsiteY9" fmla="*/ 403879 h 594531"/>
+              <a:gd name="connsiteX10" fmla="*/ 137473 w 2330625"/>
+              <a:gd name="connsiteY10" fmla="*/ 235975 h 594531"/>
+              <a:gd name="connsiteX11" fmla="*/ 142254 w 2330625"/>
+              <a:gd name="connsiteY11" fmla="*/ 26000 h 594531"/>
+              <a:gd name="connsiteX0" fmla="*/ 13413 w 2201784"/>
+              <a:gd name="connsiteY0" fmla="*/ 26000 h 594531"/>
+              <a:gd name="connsiteX1" fmla="*/ 90315 w 2201784"/>
+              <a:gd name="connsiteY1" fmla="*/ 0 h 594531"/>
+              <a:gd name="connsiteX2" fmla="*/ 2164992 w 2201784"/>
+              <a:gd name="connsiteY2" fmla="*/ 12386 h 594531"/>
+              <a:gd name="connsiteX3" fmla="*/ 2182318 w 2201784"/>
+              <a:gd name="connsiteY3" fmla="*/ 108912 h 594531"/>
+              <a:gd name="connsiteX4" fmla="*/ 2191393 w 2201784"/>
+              <a:gd name="connsiteY4" fmla="*/ 422031 h 594531"/>
+              <a:gd name="connsiteX5" fmla="*/ 2192219 w 2201784"/>
+              <a:gd name="connsiteY5" fmla="*/ 583886 h 594531"/>
+              <a:gd name="connsiteX6" fmla="*/ 2073406 w 2201784"/>
+              <a:gd name="connsiteY6" fmla="*/ 594474 h 594531"/>
+              <a:gd name="connsiteX7" fmla="*/ 22489 w 2201784"/>
+              <a:gd name="connsiteY7" fmla="*/ 583886 h 594531"/>
+              <a:gd name="connsiteX8" fmla="*/ 26783 w 2201784"/>
+              <a:gd name="connsiteY8" fmla="*/ 512790 h 594531"/>
+              <a:gd name="connsiteX9" fmla="*/ 17708 w 2201784"/>
+              <a:gd name="connsiteY9" fmla="*/ 403879 h 594531"/>
+              <a:gd name="connsiteX10" fmla="*/ 8632 w 2201784"/>
+              <a:gd name="connsiteY10" fmla="*/ 235975 h 594531"/>
+              <a:gd name="connsiteX11" fmla="*/ 13413 w 2201784"/>
+              <a:gd name="connsiteY11" fmla="*/ 26000 h 594531"/>
+              <a:gd name="connsiteX0" fmla="*/ 13413 w 2201784"/>
+              <a:gd name="connsiteY0" fmla="*/ 26000 h 594531"/>
+              <a:gd name="connsiteX1" fmla="*/ 90315 w 2201784"/>
+              <a:gd name="connsiteY1" fmla="*/ 0 h 594531"/>
+              <a:gd name="connsiteX2" fmla="*/ 2170127 w 2201784"/>
+              <a:gd name="connsiteY2" fmla="*/ 33245 h 594531"/>
+              <a:gd name="connsiteX3" fmla="*/ 2182318 w 2201784"/>
+              <a:gd name="connsiteY3" fmla="*/ 108912 h 594531"/>
+              <a:gd name="connsiteX4" fmla="*/ 2191393 w 2201784"/>
+              <a:gd name="connsiteY4" fmla="*/ 422031 h 594531"/>
+              <a:gd name="connsiteX5" fmla="*/ 2192219 w 2201784"/>
+              <a:gd name="connsiteY5" fmla="*/ 583886 h 594531"/>
+              <a:gd name="connsiteX6" fmla="*/ 2073406 w 2201784"/>
+              <a:gd name="connsiteY6" fmla="*/ 594474 h 594531"/>
+              <a:gd name="connsiteX7" fmla="*/ 22489 w 2201784"/>
+              <a:gd name="connsiteY7" fmla="*/ 583886 h 594531"/>
+              <a:gd name="connsiteX8" fmla="*/ 26783 w 2201784"/>
+              <a:gd name="connsiteY8" fmla="*/ 512790 h 594531"/>
+              <a:gd name="connsiteX9" fmla="*/ 17708 w 2201784"/>
+              <a:gd name="connsiteY9" fmla="*/ 403879 h 594531"/>
+              <a:gd name="connsiteX10" fmla="*/ 8632 w 2201784"/>
+              <a:gd name="connsiteY10" fmla="*/ 235975 h 594531"/>
+              <a:gd name="connsiteX11" fmla="*/ 13413 w 2201784"/>
+              <a:gd name="connsiteY11" fmla="*/ 26000 h 594531"/>
+              <a:gd name="connsiteX0" fmla="*/ 13413 w 2201784"/>
+              <a:gd name="connsiteY0" fmla="*/ 26000 h 594531"/>
+              <a:gd name="connsiteX1" fmla="*/ 90315 w 2201784"/>
+              <a:gd name="connsiteY1" fmla="*/ 0 h 594531"/>
+              <a:gd name="connsiteX2" fmla="*/ 2170127 w 2201784"/>
+              <a:gd name="connsiteY2" fmla="*/ 33245 h 594531"/>
+              <a:gd name="connsiteX3" fmla="*/ 2182318 w 2201784"/>
+              <a:gd name="connsiteY3" fmla="*/ 108912 h 594531"/>
+              <a:gd name="connsiteX4" fmla="*/ 2191393 w 2201784"/>
+              <a:gd name="connsiteY4" fmla="*/ 422031 h 594531"/>
+              <a:gd name="connsiteX5" fmla="*/ 2192219 w 2201784"/>
+              <a:gd name="connsiteY5" fmla="*/ 583886 h 594531"/>
+              <a:gd name="connsiteX6" fmla="*/ 2073406 w 2201784"/>
+              <a:gd name="connsiteY6" fmla="*/ 594474 h 594531"/>
+              <a:gd name="connsiteX7" fmla="*/ 22489 w 2201784"/>
+              <a:gd name="connsiteY7" fmla="*/ 583886 h 594531"/>
+              <a:gd name="connsiteX8" fmla="*/ 26783 w 2201784"/>
+              <a:gd name="connsiteY8" fmla="*/ 512790 h 594531"/>
+              <a:gd name="connsiteX9" fmla="*/ 17708 w 2201784"/>
+              <a:gd name="connsiteY9" fmla="*/ 403879 h 594531"/>
+              <a:gd name="connsiteX10" fmla="*/ 8632 w 2201784"/>
+              <a:gd name="connsiteY10" fmla="*/ 235975 h 594531"/>
+              <a:gd name="connsiteX11" fmla="*/ 13413 w 2201784"/>
+              <a:gd name="connsiteY11" fmla="*/ 26000 h 594531"/>
+            </a:gdLst>
+            <a:ahLst/>
+            <a:cxnLst>
+              <a:cxn ang="0">
+                <a:pos x="connsiteX0" y="connsiteY0"/>
+              </a:cxn>
+              <a:cxn ang="0">
+                <a:pos x="connsiteX1" y="connsiteY1"/>
+              </a:cxn>
+              <a:cxn ang="0">
+                <a:pos x="connsiteX2" y="connsiteY2"/>
+              </a:cxn>
+              <a:cxn ang="0">
+                <a:pos x="connsiteX3" y="connsiteY3"/>
+              </a:cxn>
+              <a:cxn ang="0">
+                <a:pos x="connsiteX4" y="connsiteY4"/>
+              </a:cxn>
+              <a:cxn ang="0">
+                <a:pos x="connsiteX5" y="connsiteY5"/>
+              </a:cxn>
+              <a:cxn ang="0">
+                <a:pos x="connsiteX6" y="connsiteY6"/>
+              </a:cxn>
+              <a:cxn ang="0">
+                <a:pos x="connsiteX7" y="connsiteY7"/>
+              </a:cxn>
+              <a:cxn ang="0">
+                <a:pos x="connsiteX8" y="connsiteY8"/>
+              </a:cxn>
+              <a:cxn ang="0">
+                <a:pos x="connsiteX9" y="connsiteY9"/>
+              </a:cxn>
+              <a:cxn ang="0">
+                <a:pos x="connsiteX10" y="connsiteY10"/>
+              </a:cxn>
+              <a:cxn ang="0">
+                <a:pos x="connsiteX11" y="connsiteY11"/>
+              </a:cxn>
+            </a:cxnLst>
+            <a:rect l="l" t="t" r="r" b="b"/>
+            <a:pathLst>
+              <a:path w="2201784" h="594531">
+                <a:moveTo>
+                  <a:pt x="13413" y="26000"/>
+                </a:moveTo>
+                <a:cubicBezTo>
+                  <a:pt x="37534" y="24897"/>
+                  <a:pt x="66194" y="1103"/>
+                  <a:pt x="90315" y="0"/>
+                </a:cubicBezTo>
+                <a:cubicBezTo>
+                  <a:pt x="781874" y="4129"/>
+                  <a:pt x="1607589" y="24681"/>
+                  <a:pt x="2170127" y="33245"/>
+                </a:cubicBezTo>
+                <a:cubicBezTo>
+                  <a:pt x="2169852" y="63908"/>
+                  <a:pt x="2182593" y="78249"/>
+                  <a:pt x="2182318" y="108912"/>
+                </a:cubicBezTo>
+                <a:cubicBezTo>
+                  <a:pt x="2188231" y="177186"/>
+                  <a:pt x="2189743" y="342869"/>
+                  <a:pt x="2191393" y="422031"/>
+                </a:cubicBezTo>
+                <a:cubicBezTo>
+                  <a:pt x="2193043" y="501193"/>
+                  <a:pt x="2213396" y="555146"/>
+                  <a:pt x="2192219" y="583886"/>
+                </a:cubicBezTo>
+                <a:cubicBezTo>
+                  <a:pt x="2172279" y="582877"/>
+                  <a:pt x="2093346" y="595483"/>
+                  <a:pt x="2073406" y="594474"/>
+                </a:cubicBezTo>
+                <a:lnTo>
+                  <a:pt x="22489" y="583886"/>
+                </a:lnTo>
+                <a:cubicBezTo>
+                  <a:pt x="5849" y="592962"/>
+                  <a:pt x="27580" y="542791"/>
+                  <a:pt x="26783" y="512790"/>
+                </a:cubicBezTo>
+                <a:cubicBezTo>
+                  <a:pt x="25986" y="482789"/>
+                  <a:pt x="18464" y="450015"/>
+                  <a:pt x="17708" y="403879"/>
+                </a:cubicBezTo>
+                <a:cubicBezTo>
+                  <a:pt x="16952" y="357743"/>
+                  <a:pt x="-14855" y="308787"/>
+                  <a:pt x="8632" y="235975"/>
+                </a:cubicBezTo>
+                <a:cubicBezTo>
+                  <a:pt x="7119" y="142994"/>
+                  <a:pt x="-201" y="65329"/>
+                  <a:pt x="13413" y="26000"/>
+                </a:cubicBezTo>
+                <a:close/>
+              </a:path>
+            </a:pathLst>
+          </a:custGeom>
+          <a:solidFill>
+            <a:srgbClr val="D9D4D0">
+              <a:alpha val="35000"/>
+            </a:srgbClr>
+          </a:solidFill>
+          <a:ln>
+            <a:noFill/>
+          </a:ln>
+          <a:effectLst>
+            <a:softEdge rad="6350"/>
+          </a:effectLst>
+        </p:spPr>
+        <p:style>
+          <a:lnRef idx="2">
+            <a:schemeClr val="accent1">
+              <a:shade val="50000"/>
+            </a:schemeClr>
+          </a:lnRef>
+          <a:fillRef idx="1">
+            <a:schemeClr val="accent1"/>
+          </a:fillRef>
+          <a:effectRef idx="0">
+            <a:schemeClr val="accent1"/>
+          </a:effectRef>
+          <a:fontRef idx="minor">
+            <a:schemeClr val="lt1"/>
+          </a:fontRef>
+        </p:style>
+        <p:txBody>
+          <a:bodyPr rtlCol="0" anchor="ctr"/>
+          <a:lstStyle/>
+          <a:p>
+            <a:pPr algn="ctr"/>
+            <a:endParaRPr lang="en-US" dirty="0"/>
+          </a:p>
+        </p:txBody>
+      </p:sp>
+      <p:sp>
+        <p:nvSpPr>
+          <p:cNvPr id="3" name="Text Placeholder 2">
+            <a:extLst>
+              <a:ext uri="{FF2B5EF4-FFF2-40B4-BE49-F238E27FC236}">
+                <a16:creationId xmlns:a16="http://schemas.microsoft.com/office/drawing/2014/main" id="{D82D398E-1513-289D-B09A-B3AE578680FA}"/>
+              </a:ext>
+            </a:extLst>
+          </p:cNvPr>
+          <p:cNvSpPr>
+            <a:spLocks noGrp="1"/>
+          </p:cNvSpPr>
+          <p:nvPr>
+            <p:ph type="body" idx="1"/>
+          </p:nvPr>
+        </p:nvSpPr>
+        <p:spPr>
+          <a:xfrm>
+            <a:off x="6074795" y="1168843"/>
+            <a:ext cx="5146913" cy="4564048"/>
+          </a:xfrm>
+        </p:spPr>
+        <p:txBody>
+          <a:bodyPr vert="horz" lIns="91440" tIns="45720" rIns="91440" bIns="45720" rtlCol="0" anchor="ctr">
+            <a:normAutofit/>
+          </a:bodyPr>
+          <a:lstStyle/>
+          <a:p>
+            <a:pPr indent="-228600">
+              <a:spcAft>
+                <a:spcPts val="600"/>
+              </a:spcAft>
+              <a:buFont typeface="Arial" panose="020B0604020202020204" pitchFamily="34" charset="0"/>
+              <a:buChar char="•"/>
+            </a:pPr>
+            <a:r>
+              <a:rPr lang="en-US" sz="1300" b="1" i="0" dirty="0">
+                <a:solidFill>
+                  <a:schemeClr val="tx1">
+                    <a:lumMod val="85000"/>
+                    <a:lumOff val="15000"/>
+                  </a:schemeClr>
+                </a:solidFill>
+                <a:effectLst/>
+              </a:rPr>
+              <a:t>Scope:</a:t>
+            </a:r>
+            <a:endParaRPr lang="en-US" sz="1300" b="0" i="0" dirty="0">
+              <a:solidFill>
+                <a:schemeClr val="tx1">
+                  <a:lumMod val="85000"/>
+                  <a:lumOff val="15000"/>
+                </a:schemeClr>
+              </a:solidFill>
+              <a:effectLst/>
+            </a:endParaRPr>
+          </a:p>
+          <a:p>
+            <a:pPr marL="742950" lvl="1" indent="-228600">
+              <a:spcAft>
+                <a:spcPts val="600"/>
+              </a:spcAft>
+              <a:buFont typeface="Arial" panose="020B0604020202020204" pitchFamily="34" charset="0"/>
+              <a:buChar char="•"/>
+            </a:pPr>
+            <a:r>
+              <a:rPr lang="en-US" sz="1300" b="1" i="0" dirty="0">
+                <a:solidFill>
+                  <a:schemeClr val="tx1">
+                    <a:lumMod val="85000"/>
+                    <a:lumOff val="15000"/>
+                  </a:schemeClr>
+                </a:solidFill>
+                <a:effectLst/>
+              </a:rPr>
+              <a:t>All Features:</a:t>
+            </a:r>
+            <a:r>
+              <a:rPr lang="en-US" sz="1300" b="0" i="0" dirty="0">
+                <a:solidFill>
+                  <a:schemeClr val="tx1">
+                    <a:lumMod val="85000"/>
+                    <a:lumOff val="15000"/>
+                  </a:schemeClr>
+                </a:solidFill>
+                <a:effectLst/>
+              </a:rPr>
+              <a:t> Encompasses a broader set of features, including organizational structure, access controls, and security.</a:t>
+            </a:r>
+          </a:p>
+          <a:p>
+            <a:pPr marL="742950" lvl="1" indent="-228600">
+              <a:spcAft>
+                <a:spcPts val="600"/>
+              </a:spcAft>
+              <a:buFont typeface="Arial" panose="020B0604020202020204" pitchFamily="34" charset="0"/>
+              <a:buChar char="•"/>
+            </a:pPr>
+            <a:r>
+              <a:rPr lang="en-US" sz="1300" b="1" i="0" dirty="0">
+                <a:solidFill>
+                  <a:schemeClr val="tx1">
+                    <a:lumMod val="85000"/>
+                    <a:lumOff val="15000"/>
+                  </a:schemeClr>
+                </a:solidFill>
+                <a:effectLst/>
+              </a:rPr>
+              <a:t>Consolidated Billing Features:</a:t>
+            </a:r>
+            <a:r>
+              <a:rPr lang="en-US" sz="1300" b="0" i="0" dirty="0">
+                <a:solidFill>
+                  <a:schemeClr val="tx1">
+                    <a:lumMod val="85000"/>
+                    <a:lumOff val="15000"/>
+                  </a:schemeClr>
+                </a:solidFill>
+                <a:effectLst/>
+              </a:rPr>
+              <a:t> Focused specifically on financial aspects, providing a consolidated view of costs and payments.</a:t>
+            </a:r>
+          </a:p>
+          <a:p>
+            <a:pPr indent="-228600">
+              <a:spcAft>
+                <a:spcPts val="600"/>
+              </a:spcAft>
+              <a:buFont typeface="Arial" panose="020B0604020202020204" pitchFamily="34" charset="0"/>
+              <a:buChar char="•"/>
+            </a:pPr>
+            <a:r>
+              <a:rPr lang="en-US" sz="1300" b="1" i="0" dirty="0">
+                <a:solidFill>
+                  <a:schemeClr val="tx1">
+                    <a:lumMod val="85000"/>
+                    <a:lumOff val="15000"/>
+                  </a:schemeClr>
+                </a:solidFill>
+                <a:effectLst/>
+              </a:rPr>
+              <a:t>Primary Focus:</a:t>
+            </a:r>
+            <a:endParaRPr lang="en-US" sz="1300" b="0" i="0" dirty="0">
+              <a:solidFill>
+                <a:schemeClr val="tx1">
+                  <a:lumMod val="85000"/>
+                  <a:lumOff val="15000"/>
+                </a:schemeClr>
+              </a:solidFill>
+              <a:effectLst/>
+            </a:endParaRPr>
+          </a:p>
+          <a:p>
+            <a:pPr marL="742950" lvl="1" indent="-228600">
+              <a:spcAft>
+                <a:spcPts val="600"/>
+              </a:spcAft>
+              <a:buFont typeface="Arial" panose="020B0604020202020204" pitchFamily="34" charset="0"/>
+              <a:buChar char="•"/>
+            </a:pPr>
+            <a:r>
+              <a:rPr lang="en-US" sz="1300" b="1" i="0" dirty="0">
+                <a:solidFill>
+                  <a:schemeClr val="tx1">
+                    <a:lumMod val="85000"/>
+                    <a:lumOff val="15000"/>
+                  </a:schemeClr>
+                </a:solidFill>
+                <a:effectLst/>
+              </a:rPr>
+              <a:t>All Features:</a:t>
+            </a:r>
+            <a:r>
+              <a:rPr lang="en-US" sz="1300" b="0" i="0" dirty="0">
+                <a:solidFill>
+                  <a:schemeClr val="tx1">
+                    <a:lumMod val="85000"/>
+                    <a:lumOff val="15000"/>
+                  </a:schemeClr>
+                </a:solidFill>
+                <a:effectLst/>
+              </a:rPr>
+              <a:t> Governance, security, and resource management.</a:t>
+            </a:r>
+          </a:p>
+          <a:p>
+            <a:pPr marL="742950" lvl="1" indent="-228600">
+              <a:spcAft>
+                <a:spcPts val="600"/>
+              </a:spcAft>
+              <a:buFont typeface="Arial" panose="020B0604020202020204" pitchFamily="34" charset="0"/>
+              <a:buChar char="•"/>
+            </a:pPr>
+            <a:r>
+              <a:rPr lang="en-US" sz="1300" b="1" i="0" dirty="0">
+                <a:solidFill>
+                  <a:schemeClr val="tx1">
+                    <a:lumMod val="85000"/>
+                    <a:lumOff val="15000"/>
+                  </a:schemeClr>
+                </a:solidFill>
+                <a:effectLst/>
+              </a:rPr>
+              <a:t>Consolidated Billing Features:</a:t>
+            </a:r>
+            <a:r>
+              <a:rPr lang="en-US" sz="1300" b="0" i="0" dirty="0">
+                <a:solidFill>
+                  <a:schemeClr val="tx1">
+                    <a:lumMod val="85000"/>
+                    <a:lumOff val="15000"/>
+                  </a:schemeClr>
+                </a:solidFill>
+                <a:effectLst/>
+              </a:rPr>
+              <a:t> Billing and cost management.</a:t>
+            </a:r>
+          </a:p>
+          <a:p>
+            <a:pPr indent="-228600">
+              <a:spcAft>
+                <a:spcPts val="600"/>
+              </a:spcAft>
+              <a:buFont typeface="Arial" panose="020B0604020202020204" pitchFamily="34" charset="0"/>
+              <a:buChar char="•"/>
+            </a:pPr>
+            <a:r>
+              <a:rPr lang="en-US" sz="1300" b="1" i="0" dirty="0">
+                <a:solidFill>
+                  <a:schemeClr val="tx1">
+                    <a:lumMod val="85000"/>
+                    <a:lumOff val="15000"/>
+                  </a:schemeClr>
+                </a:solidFill>
+                <a:effectLst/>
+              </a:rPr>
+              <a:t>Comprehensive vs Specialized:</a:t>
+            </a:r>
+            <a:endParaRPr lang="en-US" sz="1300" b="0" i="0" dirty="0">
+              <a:solidFill>
+                <a:schemeClr val="tx1">
+                  <a:lumMod val="85000"/>
+                  <a:lumOff val="15000"/>
+                </a:schemeClr>
+              </a:solidFill>
+              <a:effectLst/>
+            </a:endParaRPr>
+          </a:p>
+          <a:p>
+            <a:pPr marL="742950" lvl="1" indent="-228600">
+              <a:spcAft>
+                <a:spcPts val="600"/>
+              </a:spcAft>
+              <a:buFont typeface="Arial" panose="020B0604020202020204" pitchFamily="34" charset="0"/>
+              <a:buChar char="•"/>
+            </a:pPr>
+            <a:r>
+              <a:rPr lang="en-US" sz="1300" b="1" i="0" dirty="0">
+                <a:solidFill>
+                  <a:schemeClr val="tx1">
+                    <a:lumMod val="85000"/>
+                    <a:lumOff val="15000"/>
+                  </a:schemeClr>
+                </a:solidFill>
+                <a:effectLst/>
+              </a:rPr>
+              <a:t>All Features:</a:t>
+            </a:r>
+            <a:r>
+              <a:rPr lang="en-US" sz="1300" b="0" i="0" dirty="0">
+                <a:solidFill>
+                  <a:schemeClr val="tx1">
+                    <a:lumMod val="85000"/>
+                    <a:lumOff val="15000"/>
+                  </a:schemeClr>
+                </a:solidFill>
+                <a:effectLst/>
+              </a:rPr>
+              <a:t> Comprehensive suite for overall organizational management.</a:t>
+            </a:r>
+          </a:p>
+          <a:p>
+            <a:pPr marL="742950" lvl="1" indent="-228600">
+              <a:spcAft>
+                <a:spcPts val="600"/>
+              </a:spcAft>
+              <a:buFont typeface="Arial" panose="020B0604020202020204" pitchFamily="34" charset="0"/>
+              <a:buChar char="•"/>
+            </a:pPr>
+            <a:r>
+              <a:rPr lang="en-US" sz="1300" b="1" i="0" dirty="0">
+                <a:solidFill>
+                  <a:schemeClr val="tx1">
+                    <a:lumMod val="85000"/>
+                    <a:lumOff val="15000"/>
+                  </a:schemeClr>
+                </a:solidFill>
+                <a:effectLst/>
+              </a:rPr>
+              <a:t>Consolidated Billing Features:</a:t>
+            </a:r>
+            <a:r>
+              <a:rPr lang="en-US" sz="1300" b="0" i="0" dirty="0">
+                <a:solidFill>
+                  <a:schemeClr val="tx1">
+                    <a:lumMod val="85000"/>
+                    <a:lumOff val="15000"/>
+                  </a:schemeClr>
+                </a:solidFill>
+                <a:effectLst/>
+              </a:rPr>
+              <a:t> Specialized features addressing financial aspects.</a:t>
+            </a:r>
+          </a:p>
+          <a:p>
+            <a:pPr indent="-228600">
+              <a:spcAft>
+                <a:spcPts val="600"/>
+              </a:spcAft>
+              <a:buFont typeface="Arial" panose="020B0604020202020204" pitchFamily="34" charset="0"/>
+              <a:buChar char="•"/>
+            </a:pPr>
+            <a:r>
+              <a:rPr lang="en-US" sz="1300" b="1" i="0" dirty="0">
+                <a:solidFill>
+                  <a:schemeClr val="tx1">
+                    <a:lumMod val="85000"/>
+                    <a:lumOff val="15000"/>
+                  </a:schemeClr>
+                </a:solidFill>
+                <a:effectLst/>
+              </a:rPr>
+              <a:t>Use Case Differentiation:</a:t>
+            </a:r>
+            <a:endParaRPr lang="en-US" sz="1300" b="0" i="0" dirty="0">
+              <a:solidFill>
+                <a:schemeClr val="tx1">
+                  <a:lumMod val="85000"/>
+                  <a:lumOff val="15000"/>
+                </a:schemeClr>
+              </a:solidFill>
+              <a:effectLst/>
+            </a:endParaRPr>
+          </a:p>
+          <a:p>
+            <a:pPr marL="742950" lvl="1" indent="-228600">
+              <a:spcAft>
+                <a:spcPts val="600"/>
+              </a:spcAft>
+              <a:buFont typeface="Arial" panose="020B0604020202020204" pitchFamily="34" charset="0"/>
+              <a:buChar char="•"/>
+            </a:pPr>
+            <a:r>
+              <a:rPr lang="en-US" sz="1300" b="1" i="0" dirty="0">
+                <a:solidFill>
+                  <a:schemeClr val="tx1">
+                    <a:lumMod val="85000"/>
+                    <a:lumOff val="15000"/>
+                  </a:schemeClr>
+                </a:solidFill>
+                <a:effectLst/>
+              </a:rPr>
+              <a:t>All Features:</a:t>
+            </a:r>
+            <a:r>
+              <a:rPr lang="en-US" sz="1300" b="0" i="0" dirty="0">
+                <a:solidFill>
+                  <a:schemeClr val="tx1">
+                    <a:lumMod val="85000"/>
+                    <a:lumOff val="15000"/>
+                  </a:schemeClr>
+                </a:solidFill>
+                <a:effectLst/>
+              </a:rPr>
+              <a:t> Suited for organizations with diverse governance and security requirements.</a:t>
+            </a:r>
+          </a:p>
+          <a:p>
+            <a:pPr marL="742950" lvl="1" indent="-228600">
+              <a:spcAft>
+                <a:spcPts val="600"/>
+              </a:spcAft>
+              <a:buFont typeface="Arial" panose="020B0604020202020204" pitchFamily="34" charset="0"/>
+              <a:buChar char="•"/>
+            </a:pPr>
+            <a:r>
+              <a:rPr lang="en-US" sz="1300" b="1" i="0" dirty="0">
+                <a:solidFill>
+                  <a:schemeClr val="tx1">
+                    <a:lumMod val="85000"/>
+                    <a:lumOff val="15000"/>
+                  </a:schemeClr>
+                </a:solidFill>
+                <a:effectLst/>
+              </a:rPr>
+              <a:t>Consolidated Billing Features:</a:t>
+            </a:r>
+            <a:r>
+              <a:rPr lang="en-US" sz="1300" b="0" i="0" dirty="0">
+                <a:solidFill>
+                  <a:schemeClr val="tx1">
+                    <a:lumMod val="85000"/>
+                    <a:lumOff val="15000"/>
+                  </a:schemeClr>
+                </a:solidFill>
+                <a:effectLst/>
+              </a:rPr>
+              <a:t> Specifically tailored for organizations emphasizing billing simplicity and cost tracking.</a:t>
+            </a:r>
+          </a:p>
+        </p:txBody>
+      </p:sp>
+    </p:spTree>
+    <p:extLst>
+      <p:ext uri="{BB962C8B-B14F-4D97-AF65-F5344CB8AC3E}">
+        <p14:creationId xmlns:p14="http://schemas.microsoft.com/office/powerpoint/2010/main" val="297464211"/>
       </p:ext>
     </p:extLst>
   </p:cSld>
